--- a/instructions.pptx
+++ b/instructions.pptx
@@ -139,11 +139,7 @@
 <file path=ppt/commentAuthors.xml><?xml version="1.0" encoding="utf-8"?>
 <p:cmAuthorLst xmlns:a="http://schemas.openxmlformats.org/drawingml/2006/main" xmlns:r="http://schemas.openxmlformats.org/officeDocument/2006/relationships" xmlns:p="http://schemas.openxmlformats.org/presentationml/2006/main">
   <p:cmAuthor id="1" name="Microsoft Office User" initials="MOU" lastIdx="1" clrIdx="0">
-    <p:extLst>
-      <p:ext uri="{19B8F6BF-5375-455C-9EA6-DF929625EA0E}">
-        <p15:presenceInfo xmlns:p15="http://schemas.microsoft.com/office/powerpoint/2012/main" userId="Microsoft Office User" providerId="None"/>
-      </p:ext>
-    </p:extLst>
+    <p:extLst/>
   </p:cmAuthor>
 </p:cmAuthorLst>
 </file>
@@ -230,7 +226,7 @@
           <a:p>
             <a:fld id="{92CEA86C-46A4-B54F-8A61-C6B98DADAF97}" type="datetimeFigureOut">
               <a:rPr lang="en-US" smtClean="0"/>
-              <a:t>1/28/20</a:t>
+              <a:t>2/5/20</a:t>
             </a:fld>
             <a:endParaRPr lang="en-US"/>
           </a:p>
@@ -2174,7 +2170,7 @@
           <a:p>
             <a:fld id="{20197029-4C51-4F4A-ACDB-F133846F9A96}" type="datetimeFigureOut">
               <a:rPr lang="en-US" smtClean="0"/>
-              <a:t>1/28/20</a:t>
+              <a:t>2/5/20</a:t>
             </a:fld>
             <a:endParaRPr lang="en-US"/>
           </a:p>
@@ -2344,7 +2340,7 @@
           <a:p>
             <a:fld id="{20197029-4C51-4F4A-ACDB-F133846F9A96}" type="datetimeFigureOut">
               <a:rPr lang="en-US" smtClean="0"/>
-              <a:t>1/28/20</a:t>
+              <a:t>2/5/20</a:t>
             </a:fld>
             <a:endParaRPr lang="en-US"/>
           </a:p>
@@ -2524,7 +2520,7 @@
           <a:p>
             <a:fld id="{20197029-4C51-4F4A-ACDB-F133846F9A96}" type="datetimeFigureOut">
               <a:rPr lang="en-US" smtClean="0"/>
-              <a:t>1/28/20</a:t>
+              <a:t>2/5/20</a:t>
             </a:fld>
             <a:endParaRPr lang="en-US"/>
           </a:p>
@@ -2694,7 +2690,7 @@
           <a:p>
             <a:fld id="{20197029-4C51-4F4A-ACDB-F133846F9A96}" type="datetimeFigureOut">
               <a:rPr lang="en-US" smtClean="0"/>
-              <a:t>1/28/20</a:t>
+              <a:t>2/5/20</a:t>
             </a:fld>
             <a:endParaRPr lang="en-US"/>
           </a:p>
@@ -2940,7 +2936,7 @@
           <a:p>
             <a:fld id="{20197029-4C51-4F4A-ACDB-F133846F9A96}" type="datetimeFigureOut">
               <a:rPr lang="en-US" smtClean="0"/>
-              <a:t>1/28/20</a:t>
+              <a:t>2/5/20</a:t>
             </a:fld>
             <a:endParaRPr lang="en-US"/>
           </a:p>
@@ -3172,7 +3168,7 @@
           <a:p>
             <a:fld id="{20197029-4C51-4F4A-ACDB-F133846F9A96}" type="datetimeFigureOut">
               <a:rPr lang="en-US" smtClean="0"/>
-              <a:t>1/28/20</a:t>
+              <a:t>2/5/20</a:t>
             </a:fld>
             <a:endParaRPr lang="en-US"/>
           </a:p>
@@ -3539,7 +3535,7 @@
           <a:p>
             <a:fld id="{20197029-4C51-4F4A-ACDB-F133846F9A96}" type="datetimeFigureOut">
               <a:rPr lang="en-US" smtClean="0"/>
-              <a:t>1/28/20</a:t>
+              <a:t>2/5/20</a:t>
             </a:fld>
             <a:endParaRPr lang="en-US"/>
           </a:p>
@@ -3657,7 +3653,7 @@
           <a:p>
             <a:fld id="{20197029-4C51-4F4A-ACDB-F133846F9A96}" type="datetimeFigureOut">
               <a:rPr lang="en-US" smtClean="0"/>
-              <a:t>1/28/20</a:t>
+              <a:t>2/5/20</a:t>
             </a:fld>
             <a:endParaRPr lang="en-US"/>
           </a:p>
@@ -3752,7 +3748,7 @@
           <a:p>
             <a:fld id="{20197029-4C51-4F4A-ACDB-F133846F9A96}" type="datetimeFigureOut">
               <a:rPr lang="en-US" smtClean="0"/>
-              <a:t>1/28/20</a:t>
+              <a:t>2/5/20</a:t>
             </a:fld>
             <a:endParaRPr lang="en-US"/>
           </a:p>
@@ -4029,7 +4025,7 @@
           <a:p>
             <a:fld id="{20197029-4C51-4F4A-ACDB-F133846F9A96}" type="datetimeFigureOut">
               <a:rPr lang="en-US" smtClean="0"/>
-              <a:t>1/28/20</a:t>
+              <a:t>2/5/20</a:t>
             </a:fld>
             <a:endParaRPr lang="en-US"/>
           </a:p>
@@ -4286,7 +4282,7 @@
           <a:p>
             <a:fld id="{20197029-4C51-4F4A-ACDB-F133846F9A96}" type="datetimeFigureOut">
               <a:rPr lang="en-US" smtClean="0"/>
-              <a:t>1/28/20</a:t>
+              <a:t>2/5/20</a:t>
             </a:fld>
             <a:endParaRPr lang="en-US"/>
           </a:p>
@@ -4499,7 +4495,7 @@
           <a:p>
             <a:fld id="{20197029-4C51-4F4A-ACDB-F133846F9A96}" type="datetimeFigureOut">
               <a:rPr lang="en-US" smtClean="0"/>
-              <a:t>1/28/20</a:t>
+              <a:t>2/5/20</a:t>
             </a:fld>
             <a:endParaRPr lang="en-US"/>
           </a:p>
@@ -4909,7 +4905,7 @@
           <p:cNvPr id="2" name="Title 1">
             <a:extLst>
               <a:ext uri="{FF2B5EF4-FFF2-40B4-BE49-F238E27FC236}">
-                <a16:creationId xmlns:a16="http://schemas.microsoft.com/office/drawing/2014/main" id="{303D35F4-EF59-EA4D-A357-7F16E7309AA3}"/>
+                <a16:creationId xmlns:a16="http://schemas.microsoft.com/office/drawing/2014/main" xmlns="" id="{303D35F4-EF59-EA4D-A357-7F16E7309AA3}"/>
               </a:ext>
             </a:extLst>
           </p:cNvPr>
@@ -4937,7 +4933,7 @@
           <p:cNvPr id="3" name="Text Placeholder 2">
             <a:extLst>
               <a:ext uri="{FF2B5EF4-FFF2-40B4-BE49-F238E27FC236}">
-                <a16:creationId xmlns:a16="http://schemas.microsoft.com/office/drawing/2014/main" id="{B315834C-658F-344E-B9EB-EB68112E7429}"/>
+                <a16:creationId xmlns:a16="http://schemas.microsoft.com/office/drawing/2014/main" xmlns="" id="{B315834C-658F-344E-B9EB-EB68112E7429}"/>
               </a:ext>
             </a:extLst>
           </p:cNvPr>
@@ -5100,7 +5096,7 @@
           <p:cNvPr id="28" name="Group 27">
             <a:extLst>
               <a:ext uri="{FF2B5EF4-FFF2-40B4-BE49-F238E27FC236}">
-                <a16:creationId xmlns:a16="http://schemas.microsoft.com/office/drawing/2014/main" id="{5560067D-B746-3744-94CC-82FF46DA7DA6}"/>
+                <a16:creationId xmlns:a16="http://schemas.microsoft.com/office/drawing/2014/main" xmlns="" id="{5560067D-B746-3744-94CC-82FF46DA7DA6}"/>
               </a:ext>
             </a:extLst>
           </p:cNvPr>
@@ -5120,7 +5116,7 @@
             <p:cNvPr id="31" name="Group 30">
               <a:extLst>
                 <a:ext uri="{FF2B5EF4-FFF2-40B4-BE49-F238E27FC236}">
-                  <a16:creationId xmlns:a16="http://schemas.microsoft.com/office/drawing/2014/main" id="{EFAC32EF-ABA8-0C45-82C6-C2AEDF398095}"/>
+                  <a16:creationId xmlns:a16="http://schemas.microsoft.com/office/drawing/2014/main" xmlns="" id="{EFAC32EF-ABA8-0C45-82C6-C2AEDF398095}"/>
                 </a:ext>
               </a:extLst>
             </p:cNvPr>
@@ -5140,7 +5136,7 @@
               <p:cNvPr id="35" name="Rectangle 34">
                 <a:extLst>
                   <a:ext uri="{FF2B5EF4-FFF2-40B4-BE49-F238E27FC236}">
-                    <a16:creationId xmlns:a16="http://schemas.microsoft.com/office/drawing/2014/main" id="{3D79B715-9144-0E4D-A5D5-9B24A4BFB916}"/>
+                    <a16:creationId xmlns:a16="http://schemas.microsoft.com/office/drawing/2014/main" xmlns="" id="{3D79B715-9144-0E4D-A5D5-9B24A4BFB916}"/>
                   </a:ext>
                 </a:extLst>
               </p:cNvPr>
@@ -5192,7 +5188,7 @@
               <p:cNvPr id="36" name="Group 35">
                 <a:extLst>
                   <a:ext uri="{FF2B5EF4-FFF2-40B4-BE49-F238E27FC236}">
-                    <a16:creationId xmlns:a16="http://schemas.microsoft.com/office/drawing/2014/main" id="{5379045C-D088-3D49-A28F-CC5954786C28}"/>
+                    <a16:creationId xmlns:a16="http://schemas.microsoft.com/office/drawing/2014/main" xmlns="" id="{5379045C-D088-3D49-A28F-CC5954786C28}"/>
                   </a:ext>
                 </a:extLst>
               </p:cNvPr>
@@ -5212,7 +5208,7 @@
                 <p:cNvPr id="37" name="Group 36">
                   <a:extLst>
                     <a:ext uri="{FF2B5EF4-FFF2-40B4-BE49-F238E27FC236}">
-                      <a16:creationId xmlns:a16="http://schemas.microsoft.com/office/drawing/2014/main" id="{2072DF1A-0826-4045-9BED-7DD3971553B2}"/>
+                      <a16:creationId xmlns:a16="http://schemas.microsoft.com/office/drawing/2014/main" xmlns="" id="{2072DF1A-0826-4045-9BED-7DD3971553B2}"/>
                     </a:ext>
                   </a:extLst>
                 </p:cNvPr>
@@ -5232,7 +5228,7 @@
                   <p:cNvPr id="39" name="Rectangle 38">
                     <a:extLst>
                       <a:ext uri="{FF2B5EF4-FFF2-40B4-BE49-F238E27FC236}">
-                        <a16:creationId xmlns:a16="http://schemas.microsoft.com/office/drawing/2014/main" id="{3C66AE2E-B7E7-9547-95DE-FC5B1F3A693D}"/>
+                        <a16:creationId xmlns:a16="http://schemas.microsoft.com/office/drawing/2014/main" xmlns="" id="{3C66AE2E-B7E7-9547-95DE-FC5B1F3A693D}"/>
                       </a:ext>
                     </a:extLst>
                   </p:cNvPr>
@@ -5281,7 +5277,7 @@
                   <p:cNvPr id="40" name="Rectangle 39">
                     <a:extLst>
                       <a:ext uri="{FF2B5EF4-FFF2-40B4-BE49-F238E27FC236}">
-                        <a16:creationId xmlns:a16="http://schemas.microsoft.com/office/drawing/2014/main" id="{88ECF0DB-CF77-7D45-85B1-C53EE9D3F683}"/>
+                        <a16:creationId xmlns:a16="http://schemas.microsoft.com/office/drawing/2014/main" xmlns="" id="{88ECF0DB-CF77-7D45-85B1-C53EE9D3F683}"/>
                       </a:ext>
                     </a:extLst>
                   </p:cNvPr>
@@ -5336,7 +5332,7 @@
                 <p:cNvPr id="38" name="Picture 37">
                   <a:extLst>
                     <a:ext uri="{FF2B5EF4-FFF2-40B4-BE49-F238E27FC236}">
-                      <a16:creationId xmlns:a16="http://schemas.microsoft.com/office/drawing/2014/main" id="{7064A0CC-80FE-8145-AD65-EE35FC4DEBFF}"/>
+                      <a16:creationId xmlns:a16="http://schemas.microsoft.com/office/drawing/2014/main" xmlns="" id="{7064A0CC-80FE-8145-AD65-EE35FC4DEBFF}"/>
                     </a:ext>
                   </a:extLst>
                 </p:cNvPr>
@@ -5388,7 +5384,7 @@
             <p:cNvPr id="30" name="Picture 29">
               <a:extLst>
                 <a:ext uri="{FF2B5EF4-FFF2-40B4-BE49-F238E27FC236}">
-                  <a16:creationId xmlns:a16="http://schemas.microsoft.com/office/drawing/2014/main" id="{96F047E3-6C8D-3B44-950D-6F5459DD82C4}"/>
+                  <a16:creationId xmlns:a16="http://schemas.microsoft.com/office/drawing/2014/main" xmlns="" id="{96F047E3-6C8D-3B44-950D-6F5459DD82C4}"/>
                 </a:ext>
               </a:extLst>
             </p:cNvPr>
@@ -5535,7 +5531,7 @@
           <p:cNvPr id="7" name="Group 6">
             <a:extLst>
               <a:ext uri="{FF2B5EF4-FFF2-40B4-BE49-F238E27FC236}">
-                <a16:creationId xmlns:a16="http://schemas.microsoft.com/office/drawing/2014/main" id="{A68B2867-71D7-3643-BFD9-691C78B28DAB}"/>
+                <a16:creationId xmlns:a16="http://schemas.microsoft.com/office/drawing/2014/main" xmlns="" id="{A68B2867-71D7-3643-BFD9-691C78B28DAB}"/>
               </a:ext>
             </a:extLst>
           </p:cNvPr>
@@ -5605,7 +5601,7 @@
             <p:cNvPr id="14" name="Rectangle 13">
               <a:extLst>
                 <a:ext uri="{FF2B5EF4-FFF2-40B4-BE49-F238E27FC236}">
-                  <a16:creationId xmlns:a16="http://schemas.microsoft.com/office/drawing/2014/main" id="{7A8A0CF4-067E-0949-A2AA-C7342A43F73C}"/>
+                  <a16:creationId xmlns:a16="http://schemas.microsoft.com/office/drawing/2014/main" xmlns="" id="{7A8A0CF4-067E-0949-A2AA-C7342A43F73C}"/>
                 </a:ext>
               </a:extLst>
             </p:cNvPr>
@@ -5649,7 +5645,7 @@
             <p:cNvPr id="15" name="Rectangle 14">
               <a:extLst>
                 <a:ext uri="{FF2B5EF4-FFF2-40B4-BE49-F238E27FC236}">
-                  <a16:creationId xmlns:a16="http://schemas.microsoft.com/office/drawing/2014/main" id="{0583BB15-0046-5C44-BB29-FC24C523509B}"/>
+                  <a16:creationId xmlns:a16="http://schemas.microsoft.com/office/drawing/2014/main" xmlns="" id="{0583BB15-0046-5C44-BB29-FC24C523509B}"/>
                 </a:ext>
               </a:extLst>
             </p:cNvPr>
@@ -5704,7 +5700,7 @@
           <p:cNvPr id="8" name="Straight Connector 7">
             <a:extLst>
               <a:ext uri="{FF2B5EF4-FFF2-40B4-BE49-F238E27FC236}">
-                <a16:creationId xmlns:a16="http://schemas.microsoft.com/office/drawing/2014/main" id="{63B6DCC2-AF72-8241-BA47-8228FAC5881A}"/>
+                <a16:creationId xmlns:a16="http://schemas.microsoft.com/office/drawing/2014/main" xmlns="" id="{63B6DCC2-AF72-8241-BA47-8228FAC5881A}"/>
               </a:ext>
             </a:extLst>
           </p:cNvPr>
@@ -5743,7 +5739,7 @@
           <p:cNvPr id="9" name="Picture 8">
             <a:extLst>
               <a:ext uri="{FF2B5EF4-FFF2-40B4-BE49-F238E27FC236}">
-                <a16:creationId xmlns:a16="http://schemas.microsoft.com/office/drawing/2014/main" id="{23FC1010-F3D7-3D46-8D53-550BC3B36E20}"/>
+                <a16:creationId xmlns:a16="http://schemas.microsoft.com/office/drawing/2014/main" xmlns="" id="{23FC1010-F3D7-3D46-8D53-550BC3B36E20}"/>
               </a:ext>
             </a:extLst>
           </p:cNvPr>
@@ -5864,7 +5860,7 @@
           <p:cNvPr id="7" name="Group 6">
             <a:extLst>
               <a:ext uri="{FF2B5EF4-FFF2-40B4-BE49-F238E27FC236}">
-                <a16:creationId xmlns:a16="http://schemas.microsoft.com/office/drawing/2014/main" id="{A68B2867-71D7-3643-BFD9-691C78B28DAB}"/>
+                <a16:creationId xmlns:a16="http://schemas.microsoft.com/office/drawing/2014/main" xmlns="" id="{A68B2867-71D7-3643-BFD9-691C78B28DAB}"/>
               </a:ext>
             </a:extLst>
           </p:cNvPr>
@@ -5930,7 +5926,7 @@
             <p:cNvPr id="14" name="Rectangle 13">
               <a:extLst>
                 <a:ext uri="{FF2B5EF4-FFF2-40B4-BE49-F238E27FC236}">
-                  <a16:creationId xmlns:a16="http://schemas.microsoft.com/office/drawing/2014/main" id="{7A8A0CF4-067E-0949-A2AA-C7342A43F73C}"/>
+                  <a16:creationId xmlns:a16="http://schemas.microsoft.com/office/drawing/2014/main" xmlns="" id="{7A8A0CF4-067E-0949-A2AA-C7342A43F73C}"/>
                 </a:ext>
               </a:extLst>
             </p:cNvPr>
@@ -5974,7 +5970,7 @@
             <p:cNvPr id="15" name="Rectangle 14">
               <a:extLst>
                 <a:ext uri="{FF2B5EF4-FFF2-40B4-BE49-F238E27FC236}">
-                  <a16:creationId xmlns:a16="http://schemas.microsoft.com/office/drawing/2014/main" id="{0583BB15-0046-5C44-BB29-FC24C523509B}"/>
+                  <a16:creationId xmlns:a16="http://schemas.microsoft.com/office/drawing/2014/main" xmlns="" id="{0583BB15-0046-5C44-BB29-FC24C523509B}"/>
                 </a:ext>
               </a:extLst>
             </p:cNvPr>
@@ -6029,7 +6025,7 @@
           <p:cNvPr id="18" name="Group 17">
             <a:extLst>
               <a:ext uri="{FF2B5EF4-FFF2-40B4-BE49-F238E27FC236}">
-                <a16:creationId xmlns:a16="http://schemas.microsoft.com/office/drawing/2014/main" id="{21452EC3-225C-F44D-AAB4-1E1E18C68732}"/>
+                <a16:creationId xmlns:a16="http://schemas.microsoft.com/office/drawing/2014/main" xmlns="" id="{21452EC3-225C-F44D-AAB4-1E1E18C68732}"/>
               </a:ext>
             </a:extLst>
           </p:cNvPr>
@@ -6049,7 +6045,7 @@
             <p:cNvPr id="19" name="Rectangle 18">
               <a:extLst>
                 <a:ext uri="{FF2B5EF4-FFF2-40B4-BE49-F238E27FC236}">
-                  <a16:creationId xmlns:a16="http://schemas.microsoft.com/office/drawing/2014/main" id="{5C69B1DA-96CD-D546-92E2-CF4C37A4CF4C}"/>
+                  <a16:creationId xmlns:a16="http://schemas.microsoft.com/office/drawing/2014/main" xmlns="" id="{5C69B1DA-96CD-D546-92E2-CF4C37A4CF4C}"/>
                 </a:ext>
               </a:extLst>
             </p:cNvPr>
@@ -6101,7 +6097,7 @@
             <p:cNvPr id="21" name="Rectangle 20">
               <a:extLst>
                 <a:ext uri="{FF2B5EF4-FFF2-40B4-BE49-F238E27FC236}">
-                  <a16:creationId xmlns:a16="http://schemas.microsoft.com/office/drawing/2014/main" id="{098FFFC6-37DE-D545-AEED-1570E2C2C25C}"/>
+                  <a16:creationId xmlns:a16="http://schemas.microsoft.com/office/drawing/2014/main" xmlns="" id="{098FFFC6-37DE-D545-AEED-1570E2C2C25C}"/>
                 </a:ext>
               </a:extLst>
             </p:cNvPr>
@@ -6145,7 +6141,7 @@
             <p:cNvPr id="22" name="Rectangle 21">
               <a:extLst>
                 <a:ext uri="{FF2B5EF4-FFF2-40B4-BE49-F238E27FC236}">
-                  <a16:creationId xmlns:a16="http://schemas.microsoft.com/office/drawing/2014/main" id="{DF2C9D2E-2CA3-C948-AA11-0E277960788F}"/>
+                  <a16:creationId xmlns:a16="http://schemas.microsoft.com/office/drawing/2014/main" xmlns="" id="{DF2C9D2E-2CA3-C948-AA11-0E277960788F}"/>
                 </a:ext>
               </a:extLst>
             </p:cNvPr>
@@ -6200,7 +6196,7 @@
           <p:cNvPr id="3" name="Picture 2">
             <a:extLst>
               <a:ext uri="{FF2B5EF4-FFF2-40B4-BE49-F238E27FC236}">
-                <a16:creationId xmlns:a16="http://schemas.microsoft.com/office/drawing/2014/main" id="{39938297-F981-6D47-A759-61E9FEA6C5F1}"/>
+                <a16:creationId xmlns:a16="http://schemas.microsoft.com/office/drawing/2014/main" xmlns="" id="{39938297-F981-6D47-A759-61E9FEA6C5F1}"/>
               </a:ext>
             </a:extLst>
           </p:cNvPr>
@@ -6230,7 +6226,7 @@
           <p:cNvPr id="9" name="Picture 8">
             <a:extLst>
               <a:ext uri="{FF2B5EF4-FFF2-40B4-BE49-F238E27FC236}">
-                <a16:creationId xmlns:a16="http://schemas.microsoft.com/office/drawing/2014/main" id="{3C310922-2BCE-6944-A025-8086A0802B68}"/>
+                <a16:creationId xmlns:a16="http://schemas.microsoft.com/office/drawing/2014/main" xmlns="" id="{3C310922-2BCE-6944-A025-8086A0802B68}"/>
               </a:ext>
             </a:extLst>
           </p:cNvPr>
@@ -6260,7 +6256,7 @@
           <p:cNvPr id="12" name="TextBox 11">
             <a:extLst>
               <a:ext uri="{FF2B5EF4-FFF2-40B4-BE49-F238E27FC236}">
-                <a16:creationId xmlns:a16="http://schemas.microsoft.com/office/drawing/2014/main" id="{A4C71ABC-256E-824D-97DA-684C0A3FF9CB}"/>
+                <a16:creationId xmlns:a16="http://schemas.microsoft.com/office/drawing/2014/main" xmlns="" id="{A4C71ABC-256E-824D-97DA-684C0A3FF9CB}"/>
               </a:ext>
             </a:extLst>
           </p:cNvPr>
@@ -6296,7 +6292,7 @@
           <p:cNvPr id="25" name="TextBox 24">
             <a:extLst>
               <a:ext uri="{FF2B5EF4-FFF2-40B4-BE49-F238E27FC236}">
-                <a16:creationId xmlns:a16="http://schemas.microsoft.com/office/drawing/2014/main" id="{C55775A8-5ABE-6548-9548-E1F77C874342}"/>
+                <a16:creationId xmlns:a16="http://schemas.microsoft.com/office/drawing/2014/main" xmlns="" id="{C55775A8-5ABE-6548-9548-E1F77C874342}"/>
               </a:ext>
             </a:extLst>
           </p:cNvPr>
@@ -6332,7 +6328,7 @@
           <p:cNvPr id="26" name="Straight Connector 25">
             <a:extLst>
               <a:ext uri="{FF2B5EF4-FFF2-40B4-BE49-F238E27FC236}">
-                <a16:creationId xmlns:a16="http://schemas.microsoft.com/office/drawing/2014/main" id="{E894BE6E-55D8-C142-94D3-68D25A40749E}"/>
+                <a16:creationId xmlns:a16="http://schemas.microsoft.com/office/drawing/2014/main" xmlns="" id="{E894BE6E-55D8-C142-94D3-68D25A40749E}"/>
               </a:ext>
             </a:extLst>
           </p:cNvPr>
@@ -6371,7 +6367,7 @@
           <p:cNvPr id="27" name="Picture 26">
             <a:extLst>
               <a:ext uri="{FF2B5EF4-FFF2-40B4-BE49-F238E27FC236}">
-                <a16:creationId xmlns:a16="http://schemas.microsoft.com/office/drawing/2014/main" id="{781E2FD1-428E-7D44-89C5-9093DEB40378}"/>
+                <a16:creationId xmlns:a16="http://schemas.microsoft.com/office/drawing/2014/main" xmlns="" id="{781E2FD1-428E-7D44-89C5-9093DEB40378}"/>
               </a:ext>
             </a:extLst>
           </p:cNvPr>
@@ -6421,7 +6417,7 @@
           <p:cNvPr id="28" name="Straight Connector 27">
             <a:extLst>
               <a:ext uri="{FF2B5EF4-FFF2-40B4-BE49-F238E27FC236}">
-                <a16:creationId xmlns:a16="http://schemas.microsoft.com/office/drawing/2014/main" id="{1533CF9E-F952-4B45-B664-4C3F0BFDDABA}"/>
+                <a16:creationId xmlns:a16="http://schemas.microsoft.com/office/drawing/2014/main" xmlns="" id="{1533CF9E-F952-4B45-B664-4C3F0BFDDABA}"/>
               </a:ext>
             </a:extLst>
           </p:cNvPr>
@@ -6460,7 +6456,7 @@
           <p:cNvPr id="29" name="Picture 28">
             <a:extLst>
               <a:ext uri="{FF2B5EF4-FFF2-40B4-BE49-F238E27FC236}">
-                <a16:creationId xmlns:a16="http://schemas.microsoft.com/office/drawing/2014/main" id="{449D74E8-170A-334B-839B-CB6AFEACA9A4}"/>
+                <a16:creationId xmlns:a16="http://schemas.microsoft.com/office/drawing/2014/main" xmlns="" id="{449D74E8-170A-334B-839B-CB6AFEACA9A4}"/>
               </a:ext>
             </a:extLst>
           </p:cNvPr>
@@ -6601,7 +6597,7 @@
           <p:cNvPr id="3" name="Group 2">
             <a:extLst>
               <a:ext uri="{FF2B5EF4-FFF2-40B4-BE49-F238E27FC236}">
-                <a16:creationId xmlns:a16="http://schemas.microsoft.com/office/drawing/2014/main" id="{C344F5E1-1428-FD49-870E-114B28C2735C}"/>
+                <a16:creationId xmlns:a16="http://schemas.microsoft.com/office/drawing/2014/main" xmlns="" id="{C344F5E1-1428-FD49-870E-114B28C2735C}"/>
               </a:ext>
             </a:extLst>
           </p:cNvPr>
@@ -6977,7 +6973,7 @@
           <p:cNvPr id="19" name="Straight Connector 18">
             <a:extLst>
               <a:ext uri="{FF2B5EF4-FFF2-40B4-BE49-F238E27FC236}">
-                <a16:creationId xmlns:a16="http://schemas.microsoft.com/office/drawing/2014/main" id="{697C1A87-98CF-CA4D-B441-8F7EE5D0F6F1}"/>
+                <a16:creationId xmlns:a16="http://schemas.microsoft.com/office/drawing/2014/main" xmlns="" id="{697C1A87-98CF-CA4D-B441-8F7EE5D0F6F1}"/>
               </a:ext>
             </a:extLst>
           </p:cNvPr>
@@ -7016,7 +7012,7 @@
           <p:cNvPr id="20" name="Picture 19">
             <a:extLst>
               <a:ext uri="{FF2B5EF4-FFF2-40B4-BE49-F238E27FC236}">
-                <a16:creationId xmlns:a16="http://schemas.microsoft.com/office/drawing/2014/main" id="{289CFEB4-3819-9341-8F14-99ADE99DE6D5}"/>
+                <a16:creationId xmlns:a16="http://schemas.microsoft.com/office/drawing/2014/main" xmlns="" id="{289CFEB4-3819-9341-8F14-99ADE99DE6D5}"/>
               </a:ext>
             </a:extLst>
           </p:cNvPr>
@@ -7194,7 +7190,7 @@
           <p:cNvPr id="15" name="Group 14">
             <a:extLst>
               <a:ext uri="{FF2B5EF4-FFF2-40B4-BE49-F238E27FC236}">
-                <a16:creationId xmlns:a16="http://schemas.microsoft.com/office/drawing/2014/main" id="{1A3B53ED-61BE-9C49-8A45-4A8C448DEB26}"/>
+                <a16:creationId xmlns:a16="http://schemas.microsoft.com/office/drawing/2014/main" xmlns="" id="{1A3B53ED-61BE-9C49-8A45-4A8C448DEB26}"/>
               </a:ext>
             </a:extLst>
           </p:cNvPr>
@@ -7214,7 +7210,7 @@
             <p:cNvPr id="17" name="Rectangle 16">
               <a:extLst>
                 <a:ext uri="{FF2B5EF4-FFF2-40B4-BE49-F238E27FC236}">
-                  <a16:creationId xmlns:a16="http://schemas.microsoft.com/office/drawing/2014/main" id="{24FC7DA2-4F30-7C4C-8158-507B442E1016}"/>
+                  <a16:creationId xmlns:a16="http://schemas.microsoft.com/office/drawing/2014/main" xmlns="" id="{24FC7DA2-4F30-7C4C-8158-507B442E1016}"/>
                 </a:ext>
               </a:extLst>
             </p:cNvPr>
@@ -7266,7 +7262,7 @@
             <p:cNvPr id="20" name="Rectangle 19">
               <a:extLst>
                 <a:ext uri="{FF2B5EF4-FFF2-40B4-BE49-F238E27FC236}">
-                  <a16:creationId xmlns:a16="http://schemas.microsoft.com/office/drawing/2014/main" id="{9CD7E27B-011E-A040-B844-F737257D8D1E}"/>
+                  <a16:creationId xmlns:a16="http://schemas.microsoft.com/office/drawing/2014/main" xmlns="" id="{9CD7E27B-011E-A040-B844-F737257D8D1E}"/>
                 </a:ext>
               </a:extLst>
             </p:cNvPr>
@@ -7310,7 +7306,7 @@
             <p:cNvPr id="21" name="Rectangle 20">
               <a:extLst>
                 <a:ext uri="{FF2B5EF4-FFF2-40B4-BE49-F238E27FC236}">
-                  <a16:creationId xmlns:a16="http://schemas.microsoft.com/office/drawing/2014/main" id="{857DCCFA-9949-C246-BB9C-60F45091E100}"/>
+                  <a16:creationId xmlns:a16="http://schemas.microsoft.com/office/drawing/2014/main" xmlns="" id="{857DCCFA-9949-C246-BB9C-60F45091E100}"/>
                 </a:ext>
               </a:extLst>
             </p:cNvPr>
@@ -7365,7 +7361,7 @@
           <p:cNvPr id="11" name="Straight Connector 10">
             <a:extLst>
               <a:ext uri="{FF2B5EF4-FFF2-40B4-BE49-F238E27FC236}">
-                <a16:creationId xmlns:a16="http://schemas.microsoft.com/office/drawing/2014/main" id="{A832D687-9E21-344F-A8D5-F37B804856B0}"/>
+                <a16:creationId xmlns:a16="http://schemas.microsoft.com/office/drawing/2014/main" xmlns="" id="{A832D687-9E21-344F-A8D5-F37B804856B0}"/>
               </a:ext>
             </a:extLst>
           </p:cNvPr>
@@ -7404,7 +7400,7 @@
           <p:cNvPr id="12" name="Picture 11">
             <a:extLst>
               <a:ext uri="{FF2B5EF4-FFF2-40B4-BE49-F238E27FC236}">
-                <a16:creationId xmlns:a16="http://schemas.microsoft.com/office/drawing/2014/main" id="{EE45724E-FA24-FB4B-B751-BA140E8A38A3}"/>
+                <a16:creationId xmlns:a16="http://schemas.microsoft.com/office/drawing/2014/main" xmlns="" id="{EE45724E-FA24-FB4B-B751-BA140E8A38A3}"/>
               </a:ext>
             </a:extLst>
           </p:cNvPr>
@@ -7454,7 +7450,7 @@
           <p:cNvPr id="4" name="TextBox 3">
             <a:extLst>
               <a:ext uri="{FF2B5EF4-FFF2-40B4-BE49-F238E27FC236}">
-                <a16:creationId xmlns:a16="http://schemas.microsoft.com/office/drawing/2014/main" id="{DA61081F-F749-3543-817F-871E3E71B9F8}"/>
+                <a16:creationId xmlns:a16="http://schemas.microsoft.com/office/drawing/2014/main" xmlns="" id="{DA61081F-F749-3543-817F-871E3E71B9F8}"/>
               </a:ext>
             </a:extLst>
           </p:cNvPr>
@@ -7573,7 +7569,7 @@
           <p:cNvPr id="6" name="Group 5">
             <a:extLst>
               <a:ext uri="{FF2B5EF4-FFF2-40B4-BE49-F238E27FC236}">
-                <a16:creationId xmlns:a16="http://schemas.microsoft.com/office/drawing/2014/main" id="{13A3785B-9FA9-384C-A3A8-1ACE88C8136D}"/>
+                <a16:creationId xmlns:a16="http://schemas.microsoft.com/office/drawing/2014/main" xmlns="" id="{13A3785B-9FA9-384C-A3A8-1ACE88C8136D}"/>
               </a:ext>
             </a:extLst>
           </p:cNvPr>
@@ -7593,7 +7589,7 @@
             <p:cNvPr id="4" name="Group 3">
               <a:extLst>
                 <a:ext uri="{FF2B5EF4-FFF2-40B4-BE49-F238E27FC236}">
-                  <a16:creationId xmlns:a16="http://schemas.microsoft.com/office/drawing/2014/main" id="{7650BA6B-0200-F247-936C-D92D157A90DB}"/>
+                  <a16:creationId xmlns:a16="http://schemas.microsoft.com/office/drawing/2014/main" xmlns="" id="{7650BA6B-0200-F247-936C-D92D157A90DB}"/>
                 </a:ext>
               </a:extLst>
             </p:cNvPr>
@@ -7730,7 +7726,7 @@
                   <p:cNvPr id="13" name="Picture 12">
                     <a:extLst>
                       <a:ext uri="{FF2B5EF4-FFF2-40B4-BE49-F238E27FC236}">
-                        <a16:creationId xmlns:a16="http://schemas.microsoft.com/office/drawing/2014/main" id="{285C9102-3522-3547-805E-9DA73DC64DDB}"/>
+                        <a16:creationId xmlns:a16="http://schemas.microsoft.com/office/drawing/2014/main" xmlns="" id="{285C9102-3522-3547-805E-9DA73DC64DDB}"/>
                       </a:ext>
                     </a:extLst>
                   </p:cNvPr>
@@ -7821,7 +7817,7 @@
             <p:cNvPr id="18" name="Rectangle 17">
               <a:extLst>
                 <a:ext uri="{FF2B5EF4-FFF2-40B4-BE49-F238E27FC236}">
-                  <a16:creationId xmlns:a16="http://schemas.microsoft.com/office/drawing/2014/main" id="{A7F5E3A5-EFD9-3741-ADD3-868CF91A1BE9}"/>
+                  <a16:creationId xmlns:a16="http://schemas.microsoft.com/office/drawing/2014/main" xmlns="" id="{A7F5E3A5-EFD9-3741-ADD3-868CF91A1BE9}"/>
                 </a:ext>
               </a:extLst>
             </p:cNvPr>
@@ -7876,7 +7872,7 @@
           <p:cNvPr id="15" name="Straight Connector 14">
             <a:extLst>
               <a:ext uri="{FF2B5EF4-FFF2-40B4-BE49-F238E27FC236}">
-                <a16:creationId xmlns:a16="http://schemas.microsoft.com/office/drawing/2014/main" id="{121BB70D-CD03-BB46-B902-33FB0ABEC8D4}"/>
+                <a16:creationId xmlns:a16="http://schemas.microsoft.com/office/drawing/2014/main" xmlns="" id="{121BB70D-CD03-BB46-B902-33FB0ABEC8D4}"/>
               </a:ext>
             </a:extLst>
           </p:cNvPr>
@@ -7915,7 +7911,7 @@
           <p:cNvPr id="19" name="Picture 18">
             <a:extLst>
               <a:ext uri="{FF2B5EF4-FFF2-40B4-BE49-F238E27FC236}">
-                <a16:creationId xmlns:a16="http://schemas.microsoft.com/office/drawing/2014/main" id="{4907BAC3-60FC-D84C-92DE-592B8366B8C4}"/>
+                <a16:creationId xmlns:a16="http://schemas.microsoft.com/office/drawing/2014/main" xmlns="" id="{4907BAC3-60FC-D84C-92DE-592B8366B8C4}"/>
               </a:ext>
             </a:extLst>
           </p:cNvPr>
@@ -8049,7 +8045,7 @@
           <p:cNvPr id="12" name="Group 11">
             <a:extLst>
               <a:ext uri="{FF2B5EF4-FFF2-40B4-BE49-F238E27FC236}">
-                <a16:creationId xmlns:a16="http://schemas.microsoft.com/office/drawing/2014/main" id="{EE47BFAA-42DB-BC45-9A0F-8E697498F0FE}"/>
+                <a16:creationId xmlns:a16="http://schemas.microsoft.com/office/drawing/2014/main" xmlns="" id="{EE47BFAA-42DB-BC45-9A0F-8E697498F0FE}"/>
               </a:ext>
             </a:extLst>
           </p:cNvPr>
@@ -8069,7 +8065,7 @@
             <p:cNvPr id="13" name="Rectangle 12">
               <a:extLst>
                 <a:ext uri="{FF2B5EF4-FFF2-40B4-BE49-F238E27FC236}">
-                  <a16:creationId xmlns:a16="http://schemas.microsoft.com/office/drawing/2014/main" id="{09B3025D-BFFA-2447-BB21-D3ABDE638701}"/>
+                  <a16:creationId xmlns:a16="http://schemas.microsoft.com/office/drawing/2014/main" xmlns="" id="{09B3025D-BFFA-2447-BB21-D3ABDE638701}"/>
                 </a:ext>
               </a:extLst>
             </p:cNvPr>
@@ -8121,7 +8117,7 @@
             <p:cNvPr id="14" name="Rectangle 13">
               <a:extLst>
                 <a:ext uri="{FF2B5EF4-FFF2-40B4-BE49-F238E27FC236}">
-                  <a16:creationId xmlns:a16="http://schemas.microsoft.com/office/drawing/2014/main" id="{A33761B8-DE8E-8D4F-8190-F6CA90409F21}"/>
+                  <a16:creationId xmlns:a16="http://schemas.microsoft.com/office/drawing/2014/main" xmlns="" id="{A33761B8-DE8E-8D4F-8190-F6CA90409F21}"/>
                 </a:ext>
               </a:extLst>
             </p:cNvPr>
@@ -8165,7 +8161,7 @@
             <p:cNvPr id="15" name="Rectangle 14">
               <a:extLst>
                 <a:ext uri="{FF2B5EF4-FFF2-40B4-BE49-F238E27FC236}">
-                  <a16:creationId xmlns:a16="http://schemas.microsoft.com/office/drawing/2014/main" id="{936E4F3F-1DD1-644B-8C6B-3C6A26F08B6C}"/>
+                  <a16:creationId xmlns:a16="http://schemas.microsoft.com/office/drawing/2014/main" xmlns="" id="{936E4F3F-1DD1-644B-8C6B-3C6A26F08B6C}"/>
                 </a:ext>
               </a:extLst>
             </p:cNvPr>
@@ -8220,7 +8216,7 @@
           <p:cNvPr id="17" name="Straight Connector 16">
             <a:extLst>
               <a:ext uri="{FF2B5EF4-FFF2-40B4-BE49-F238E27FC236}">
-                <a16:creationId xmlns:a16="http://schemas.microsoft.com/office/drawing/2014/main" id="{90FB6F54-06E2-2049-97ED-423B79138DA0}"/>
+                <a16:creationId xmlns:a16="http://schemas.microsoft.com/office/drawing/2014/main" xmlns="" id="{90FB6F54-06E2-2049-97ED-423B79138DA0}"/>
               </a:ext>
             </a:extLst>
           </p:cNvPr>
@@ -8259,7 +8255,7 @@
           <p:cNvPr id="22" name="Picture 21">
             <a:extLst>
               <a:ext uri="{FF2B5EF4-FFF2-40B4-BE49-F238E27FC236}">
-                <a16:creationId xmlns:a16="http://schemas.microsoft.com/office/drawing/2014/main" id="{E8E3CA6A-B502-D34C-BEFE-0C0A667CA43A}"/>
+                <a16:creationId xmlns:a16="http://schemas.microsoft.com/office/drawing/2014/main" xmlns="" id="{E8E3CA6A-B502-D34C-BEFE-0C0A667CA43A}"/>
               </a:ext>
             </a:extLst>
           </p:cNvPr>
@@ -8309,7 +8305,7 @@
           <p:cNvPr id="23" name="TextBox 22">
             <a:extLst>
               <a:ext uri="{FF2B5EF4-FFF2-40B4-BE49-F238E27FC236}">
-                <a16:creationId xmlns:a16="http://schemas.microsoft.com/office/drawing/2014/main" id="{B186E2B0-17E0-1549-B0F1-53E30C5FED02}"/>
+                <a16:creationId xmlns:a16="http://schemas.microsoft.com/office/drawing/2014/main" xmlns="" id="{B186E2B0-17E0-1549-B0F1-53E30C5FED02}"/>
               </a:ext>
             </a:extLst>
           </p:cNvPr>
@@ -8914,7 +8910,7 @@
           <p:cNvPr id="9" name="TextBox 8">
             <a:extLst>
               <a:ext uri="{FF2B5EF4-FFF2-40B4-BE49-F238E27FC236}">
-                <a16:creationId xmlns:a16="http://schemas.microsoft.com/office/drawing/2014/main" id="{A076F46F-719D-934F-8E02-ED0EA600A027}"/>
+                <a16:creationId xmlns:a16="http://schemas.microsoft.com/office/drawing/2014/main" xmlns="" id="{A076F46F-719D-934F-8E02-ED0EA600A027}"/>
               </a:ext>
             </a:extLst>
           </p:cNvPr>
@@ -8980,7 +8976,7 @@
           <p:cNvPr id="11" name="TextBox 10">
             <a:extLst>
               <a:ext uri="{FF2B5EF4-FFF2-40B4-BE49-F238E27FC236}">
-                <a16:creationId xmlns:a16="http://schemas.microsoft.com/office/drawing/2014/main" id="{B54E4A4D-5DBA-9E4C-B79E-8F251835DAC8}"/>
+                <a16:creationId xmlns:a16="http://schemas.microsoft.com/office/drawing/2014/main" xmlns="" id="{B54E4A4D-5DBA-9E4C-B79E-8F251835DAC8}"/>
               </a:ext>
             </a:extLst>
           </p:cNvPr>
@@ -9076,7 +9072,7 @@
           <p:cNvPr id="4" name="TextBox 3">
             <a:extLst>
               <a:ext uri="{FF2B5EF4-FFF2-40B4-BE49-F238E27FC236}">
-                <a16:creationId xmlns:a16="http://schemas.microsoft.com/office/drawing/2014/main" id="{B39B56B0-6D9B-2148-8092-864D313EA084}"/>
+                <a16:creationId xmlns:a16="http://schemas.microsoft.com/office/drawing/2014/main" xmlns="" id="{B39B56B0-6D9B-2148-8092-864D313EA084}"/>
               </a:ext>
             </a:extLst>
           </p:cNvPr>
@@ -9142,7 +9138,7 @@
           <p:cNvPr id="2" name="Title 1">
             <a:extLst>
               <a:ext uri="{FF2B5EF4-FFF2-40B4-BE49-F238E27FC236}">
-                <a16:creationId xmlns:a16="http://schemas.microsoft.com/office/drawing/2014/main" id="{F97D1597-5DF4-A641-BC44-E339FB483E86}"/>
+                <a16:creationId xmlns:a16="http://schemas.microsoft.com/office/drawing/2014/main" xmlns="" id="{F97D1597-5DF4-A641-BC44-E339FB483E86}"/>
               </a:ext>
             </a:extLst>
           </p:cNvPr>
@@ -9170,7 +9166,7 @@
           <p:cNvPr id="3" name="TextBox 2">
             <a:extLst>
               <a:ext uri="{FF2B5EF4-FFF2-40B4-BE49-F238E27FC236}">
-                <a16:creationId xmlns:a16="http://schemas.microsoft.com/office/drawing/2014/main" id="{807C1E46-9399-3049-838C-4DA65A514E76}"/>
+                <a16:creationId xmlns:a16="http://schemas.microsoft.com/office/drawing/2014/main" xmlns="" id="{807C1E46-9399-3049-838C-4DA65A514E76}"/>
               </a:ext>
             </a:extLst>
           </p:cNvPr>
@@ -9286,7 +9282,7 @@
           <p:cNvPr id="2" name="TextBox 1">
             <a:extLst>
               <a:ext uri="{FF2B5EF4-FFF2-40B4-BE49-F238E27FC236}">
-                <a16:creationId xmlns:a16="http://schemas.microsoft.com/office/drawing/2014/main" id="{9E06337A-1EF2-1D47-8A30-46833909EF89}"/>
+                <a16:creationId xmlns:a16="http://schemas.microsoft.com/office/drawing/2014/main" xmlns="" id="{9E06337A-1EF2-1D47-8A30-46833909EF89}"/>
               </a:ext>
             </a:extLst>
           </p:cNvPr>
@@ -9374,7 +9370,7 @@
           <p:cNvPr id="2" name="Title 1">
             <a:extLst>
               <a:ext uri="{FF2B5EF4-FFF2-40B4-BE49-F238E27FC236}">
-                <a16:creationId xmlns:a16="http://schemas.microsoft.com/office/drawing/2014/main" id="{59C55C8B-1E26-B846-B511-25FF552C5E92}"/>
+                <a16:creationId xmlns:a16="http://schemas.microsoft.com/office/drawing/2014/main" xmlns="" id="{59C55C8B-1E26-B846-B511-25FF552C5E92}"/>
               </a:ext>
             </a:extLst>
           </p:cNvPr>
@@ -9402,7 +9398,7 @@
           <p:cNvPr id="3" name="TextBox 2">
             <a:extLst>
               <a:ext uri="{FF2B5EF4-FFF2-40B4-BE49-F238E27FC236}">
-                <a16:creationId xmlns:a16="http://schemas.microsoft.com/office/drawing/2014/main" id="{B3DB914E-9B6B-0F4F-B99D-03CBB15A5197}"/>
+                <a16:creationId xmlns:a16="http://schemas.microsoft.com/office/drawing/2014/main" xmlns="" id="{B3DB914E-9B6B-0F4F-B99D-03CBB15A5197}"/>
               </a:ext>
             </a:extLst>
           </p:cNvPr>
@@ -9476,7 +9472,7 @@
           <p:cNvPr id="2" name="TextBox 1">
             <a:extLst>
               <a:ext uri="{FF2B5EF4-FFF2-40B4-BE49-F238E27FC236}">
-                <a16:creationId xmlns:a16="http://schemas.microsoft.com/office/drawing/2014/main" id="{43396881-96C8-554A-B5E8-FF250F813023}"/>
+                <a16:creationId xmlns:a16="http://schemas.microsoft.com/office/drawing/2014/main" xmlns="" id="{43396881-96C8-554A-B5E8-FF250F813023}"/>
               </a:ext>
             </a:extLst>
           </p:cNvPr>
@@ -9486,7 +9482,7 @@
         <p:spPr>
           <a:xfrm>
             <a:off x="627529" y="555812"/>
-            <a:ext cx="9932895" cy="3539430"/>
+            <a:ext cx="9932895" cy="2677656"/>
           </a:xfrm>
           <a:prstGeom prst="rect">
             <a:avLst/>
@@ -9515,12 +9511,6 @@
           </a:p>
           <a:p>
             <a:endParaRPr lang="en-US" sz="2800" dirty="0"/>
-          </a:p>
-          <a:p>
-            <a:r>
-              <a:rPr lang="en-US" sz="2800" dirty="0"/>
-              <a:t>In different campuses, the amount of trash in the trashcan differ. Consequently, the recycling time is different across blocks. </a:t>
-            </a:r>
           </a:p>
           <a:p>
             <a:endParaRPr lang="en-US" sz="2800" dirty="0"/>
@@ -9562,7 +9552,7 @@
           <p:cNvPr id="2" name="TextBox 1">
             <a:extLst>
               <a:ext uri="{FF2B5EF4-FFF2-40B4-BE49-F238E27FC236}">
-                <a16:creationId xmlns:a16="http://schemas.microsoft.com/office/drawing/2014/main" id="{43396881-96C8-554A-B5E8-FF250F813023}"/>
+                <a16:creationId xmlns:a16="http://schemas.microsoft.com/office/drawing/2014/main" xmlns="" id="{43396881-96C8-554A-B5E8-FF250F813023}"/>
               </a:ext>
             </a:extLst>
           </p:cNvPr>
@@ -9597,7 +9587,7 @@
           <p:cNvPr id="27" name="Group 26">
             <a:extLst>
               <a:ext uri="{FF2B5EF4-FFF2-40B4-BE49-F238E27FC236}">
-                <a16:creationId xmlns:a16="http://schemas.microsoft.com/office/drawing/2014/main" id="{448ED054-19D1-C14B-85EE-960E5148F4EE}"/>
+                <a16:creationId xmlns:a16="http://schemas.microsoft.com/office/drawing/2014/main" xmlns="" id="{448ED054-19D1-C14B-85EE-960E5148F4EE}"/>
               </a:ext>
             </a:extLst>
           </p:cNvPr>
@@ -9617,7 +9607,7 @@
             <p:cNvPr id="28" name="Group 27">
               <a:extLst>
                 <a:ext uri="{FF2B5EF4-FFF2-40B4-BE49-F238E27FC236}">
-                  <a16:creationId xmlns:a16="http://schemas.microsoft.com/office/drawing/2014/main" id="{230CCBDC-BDD4-DA40-84F4-95BFB74B332D}"/>
+                  <a16:creationId xmlns:a16="http://schemas.microsoft.com/office/drawing/2014/main" xmlns="" id="{230CCBDC-BDD4-DA40-84F4-95BFB74B332D}"/>
                 </a:ext>
               </a:extLst>
             </p:cNvPr>
@@ -9637,7 +9627,7 @@
               <p:cNvPr id="32" name="Rectangle 31">
                 <a:extLst>
                   <a:ext uri="{FF2B5EF4-FFF2-40B4-BE49-F238E27FC236}">
-                    <a16:creationId xmlns:a16="http://schemas.microsoft.com/office/drawing/2014/main" id="{AA324A52-815C-2B46-8645-92DED6C45314}"/>
+                    <a16:creationId xmlns:a16="http://schemas.microsoft.com/office/drawing/2014/main" xmlns="" id="{AA324A52-815C-2B46-8645-92DED6C45314}"/>
                   </a:ext>
                 </a:extLst>
               </p:cNvPr>
@@ -9700,7 +9690,7 @@
               <p:cNvPr id="33" name="Group 32">
                 <a:extLst>
                   <a:ext uri="{FF2B5EF4-FFF2-40B4-BE49-F238E27FC236}">
-                    <a16:creationId xmlns:a16="http://schemas.microsoft.com/office/drawing/2014/main" id="{C9D3870C-A1B7-1642-AD54-9FFCCDDEDE42}"/>
+                    <a16:creationId xmlns:a16="http://schemas.microsoft.com/office/drawing/2014/main" xmlns="" id="{C9D3870C-A1B7-1642-AD54-9FFCCDDEDE42}"/>
                   </a:ext>
                 </a:extLst>
               </p:cNvPr>
@@ -9720,7 +9710,7 @@
                 <p:cNvPr id="34" name="Group 33">
                   <a:extLst>
                     <a:ext uri="{FF2B5EF4-FFF2-40B4-BE49-F238E27FC236}">
-                      <a16:creationId xmlns:a16="http://schemas.microsoft.com/office/drawing/2014/main" id="{652C0698-0654-5647-8172-8C21CA618D89}"/>
+                      <a16:creationId xmlns:a16="http://schemas.microsoft.com/office/drawing/2014/main" xmlns="" id="{652C0698-0654-5647-8172-8C21CA618D89}"/>
                     </a:ext>
                   </a:extLst>
                 </p:cNvPr>
@@ -9740,7 +9730,7 @@
                   <p:cNvPr id="36" name="Rectangle 35">
                     <a:extLst>
                       <a:ext uri="{FF2B5EF4-FFF2-40B4-BE49-F238E27FC236}">
-                        <a16:creationId xmlns:a16="http://schemas.microsoft.com/office/drawing/2014/main" id="{C9F88596-CD19-FA45-B04E-85D3B299A4A4}"/>
+                        <a16:creationId xmlns:a16="http://schemas.microsoft.com/office/drawing/2014/main" xmlns="" id="{C9F88596-CD19-FA45-B04E-85D3B299A4A4}"/>
                       </a:ext>
                     </a:extLst>
                   </p:cNvPr>
@@ -9789,7 +9779,7 @@
                   <p:cNvPr id="37" name="Rectangle 36">
                     <a:extLst>
                       <a:ext uri="{FF2B5EF4-FFF2-40B4-BE49-F238E27FC236}">
-                        <a16:creationId xmlns:a16="http://schemas.microsoft.com/office/drawing/2014/main" id="{E22DA420-C72C-3645-9AEA-B881AECD5AF3}"/>
+                        <a16:creationId xmlns:a16="http://schemas.microsoft.com/office/drawing/2014/main" xmlns="" id="{E22DA420-C72C-3645-9AEA-B881AECD5AF3}"/>
                       </a:ext>
                     </a:extLst>
                   </p:cNvPr>
@@ -9844,7 +9834,7 @@
                 <p:cNvPr id="35" name="Picture 34">
                   <a:extLst>
                     <a:ext uri="{FF2B5EF4-FFF2-40B4-BE49-F238E27FC236}">
-                      <a16:creationId xmlns:a16="http://schemas.microsoft.com/office/drawing/2014/main" id="{33D76B92-88DD-6E40-B807-00AE04546D14}"/>
+                      <a16:creationId xmlns:a16="http://schemas.microsoft.com/office/drawing/2014/main" xmlns="" id="{33D76B92-88DD-6E40-B807-00AE04546D14}"/>
                     </a:ext>
                   </a:extLst>
                 </p:cNvPr>
@@ -9896,7 +9886,7 @@
             <p:cNvPr id="29" name="Group 28">
               <a:extLst>
                 <a:ext uri="{FF2B5EF4-FFF2-40B4-BE49-F238E27FC236}">
-                  <a16:creationId xmlns:a16="http://schemas.microsoft.com/office/drawing/2014/main" id="{BDC96595-C6F2-7342-BE12-F98F44F561E8}"/>
+                  <a16:creationId xmlns:a16="http://schemas.microsoft.com/office/drawing/2014/main" xmlns="" id="{BDC96595-C6F2-7342-BE12-F98F44F561E8}"/>
                 </a:ext>
               </a:extLst>
             </p:cNvPr>
@@ -9916,7 +9906,7 @@
               <p:cNvPr id="30" name="Rectangle 29">
                 <a:extLst>
                   <a:ext uri="{FF2B5EF4-FFF2-40B4-BE49-F238E27FC236}">
-                    <a16:creationId xmlns:a16="http://schemas.microsoft.com/office/drawing/2014/main" id="{54342F9A-C34C-714D-B87A-68E51DA2F42E}"/>
+                    <a16:creationId xmlns:a16="http://schemas.microsoft.com/office/drawing/2014/main" xmlns="" id="{54342F9A-C34C-714D-B87A-68E51DA2F42E}"/>
                   </a:ext>
                 </a:extLst>
               </p:cNvPr>
@@ -9960,7 +9950,7 @@
               <p:cNvPr id="31" name="Rectangle 30">
                 <a:extLst>
                   <a:ext uri="{FF2B5EF4-FFF2-40B4-BE49-F238E27FC236}">
-                    <a16:creationId xmlns:a16="http://schemas.microsoft.com/office/drawing/2014/main" id="{C837E596-FE00-E844-B34A-C021523A8922}"/>
+                    <a16:creationId xmlns:a16="http://schemas.microsoft.com/office/drawing/2014/main" xmlns="" id="{C837E596-FE00-E844-B34A-C021523A8922}"/>
                   </a:ext>
                 </a:extLst>
               </p:cNvPr>
@@ -10016,7 +10006,7 @@
           <p:cNvPr id="38" name="Group 37">
             <a:extLst>
               <a:ext uri="{FF2B5EF4-FFF2-40B4-BE49-F238E27FC236}">
-                <a16:creationId xmlns:a16="http://schemas.microsoft.com/office/drawing/2014/main" id="{22C42ABB-345C-7046-B7F4-AC8337E4A443}"/>
+                <a16:creationId xmlns:a16="http://schemas.microsoft.com/office/drawing/2014/main" xmlns="" id="{22C42ABB-345C-7046-B7F4-AC8337E4A443}"/>
               </a:ext>
             </a:extLst>
           </p:cNvPr>
@@ -10036,7 +10026,7 @@
             <p:cNvPr id="39" name="Group 38">
               <a:extLst>
                 <a:ext uri="{FF2B5EF4-FFF2-40B4-BE49-F238E27FC236}">
-                  <a16:creationId xmlns:a16="http://schemas.microsoft.com/office/drawing/2014/main" id="{8C4422E5-F8BB-9243-BCAD-7016A12275C4}"/>
+                  <a16:creationId xmlns:a16="http://schemas.microsoft.com/office/drawing/2014/main" xmlns="" id="{8C4422E5-F8BB-9243-BCAD-7016A12275C4}"/>
                 </a:ext>
               </a:extLst>
             </p:cNvPr>
@@ -10056,7 +10046,7 @@
               <p:cNvPr id="43" name="Rectangle 42">
                 <a:extLst>
                   <a:ext uri="{FF2B5EF4-FFF2-40B4-BE49-F238E27FC236}">
-                    <a16:creationId xmlns:a16="http://schemas.microsoft.com/office/drawing/2014/main" id="{A1A50BBE-03C4-6543-A400-EDBCA0C7D167}"/>
+                    <a16:creationId xmlns:a16="http://schemas.microsoft.com/office/drawing/2014/main" xmlns="" id="{A1A50BBE-03C4-6543-A400-EDBCA0C7D167}"/>
                   </a:ext>
                 </a:extLst>
               </p:cNvPr>
@@ -10118,7 +10108,7 @@
               <p:cNvPr id="44" name="Group 43">
                 <a:extLst>
                   <a:ext uri="{FF2B5EF4-FFF2-40B4-BE49-F238E27FC236}">
-                    <a16:creationId xmlns:a16="http://schemas.microsoft.com/office/drawing/2014/main" id="{7A149F71-7C5D-A847-B4D3-7D9B709ED895}"/>
+                    <a16:creationId xmlns:a16="http://schemas.microsoft.com/office/drawing/2014/main" xmlns="" id="{7A149F71-7C5D-A847-B4D3-7D9B709ED895}"/>
                   </a:ext>
                 </a:extLst>
               </p:cNvPr>
@@ -10138,7 +10128,7 @@
                 <p:cNvPr id="45" name="Group 44">
                   <a:extLst>
                     <a:ext uri="{FF2B5EF4-FFF2-40B4-BE49-F238E27FC236}">
-                      <a16:creationId xmlns:a16="http://schemas.microsoft.com/office/drawing/2014/main" id="{3B45698F-348A-2D45-B6EC-11EC99AAD481}"/>
+                      <a16:creationId xmlns:a16="http://schemas.microsoft.com/office/drawing/2014/main" xmlns="" id="{3B45698F-348A-2D45-B6EC-11EC99AAD481}"/>
                     </a:ext>
                   </a:extLst>
                 </p:cNvPr>
@@ -10158,7 +10148,7 @@
                   <p:cNvPr id="47" name="Rectangle 46">
                     <a:extLst>
                       <a:ext uri="{FF2B5EF4-FFF2-40B4-BE49-F238E27FC236}">
-                        <a16:creationId xmlns:a16="http://schemas.microsoft.com/office/drawing/2014/main" id="{E27BC8FC-8C9E-9547-B2C1-65049F0AAFEF}"/>
+                        <a16:creationId xmlns:a16="http://schemas.microsoft.com/office/drawing/2014/main" xmlns="" id="{E27BC8FC-8C9E-9547-B2C1-65049F0AAFEF}"/>
                       </a:ext>
                     </a:extLst>
                   </p:cNvPr>
@@ -10207,7 +10197,7 @@
                   <p:cNvPr id="48" name="Rectangle 47">
                     <a:extLst>
                       <a:ext uri="{FF2B5EF4-FFF2-40B4-BE49-F238E27FC236}">
-                        <a16:creationId xmlns:a16="http://schemas.microsoft.com/office/drawing/2014/main" id="{A511C743-7070-134E-B8B3-E5F7ED6AF9FF}"/>
+                        <a16:creationId xmlns:a16="http://schemas.microsoft.com/office/drawing/2014/main" xmlns="" id="{A511C743-7070-134E-B8B3-E5F7ED6AF9FF}"/>
                       </a:ext>
                     </a:extLst>
                   </p:cNvPr>
@@ -10262,7 +10252,7 @@
                 <p:cNvPr id="46" name="Picture 45">
                   <a:extLst>
                     <a:ext uri="{FF2B5EF4-FFF2-40B4-BE49-F238E27FC236}">
-                      <a16:creationId xmlns:a16="http://schemas.microsoft.com/office/drawing/2014/main" id="{38265A14-462B-0440-9DC7-C0849143AE6A}"/>
+                      <a16:creationId xmlns:a16="http://schemas.microsoft.com/office/drawing/2014/main" xmlns="" id="{38265A14-462B-0440-9DC7-C0849143AE6A}"/>
                     </a:ext>
                   </a:extLst>
                 </p:cNvPr>
@@ -10314,7 +10304,7 @@
             <p:cNvPr id="40" name="Group 39">
               <a:extLst>
                 <a:ext uri="{FF2B5EF4-FFF2-40B4-BE49-F238E27FC236}">
-                  <a16:creationId xmlns:a16="http://schemas.microsoft.com/office/drawing/2014/main" id="{DBDD27CB-0FC4-9A4E-826E-F55BA88CBBF2}"/>
+                  <a16:creationId xmlns:a16="http://schemas.microsoft.com/office/drawing/2014/main" xmlns="" id="{DBDD27CB-0FC4-9A4E-826E-F55BA88CBBF2}"/>
                 </a:ext>
               </a:extLst>
             </p:cNvPr>
@@ -10334,7 +10324,7 @@
               <p:cNvPr id="41" name="Rectangle 40">
                 <a:extLst>
                   <a:ext uri="{FF2B5EF4-FFF2-40B4-BE49-F238E27FC236}">
-                    <a16:creationId xmlns:a16="http://schemas.microsoft.com/office/drawing/2014/main" id="{D2306690-F18E-7B4B-ADE2-31CD9E5718B7}"/>
+                    <a16:creationId xmlns:a16="http://schemas.microsoft.com/office/drawing/2014/main" xmlns="" id="{D2306690-F18E-7B4B-ADE2-31CD9E5718B7}"/>
                   </a:ext>
                 </a:extLst>
               </p:cNvPr>
@@ -10378,7 +10368,7 @@
               <p:cNvPr id="42" name="Rectangle 41">
                 <a:extLst>
                   <a:ext uri="{FF2B5EF4-FFF2-40B4-BE49-F238E27FC236}">
-                    <a16:creationId xmlns:a16="http://schemas.microsoft.com/office/drawing/2014/main" id="{228408A7-5FC8-1E45-9169-1C92CFBCF0AA}"/>
+                    <a16:creationId xmlns:a16="http://schemas.microsoft.com/office/drawing/2014/main" xmlns="" id="{228408A7-5FC8-1E45-9169-1C92CFBCF0AA}"/>
                   </a:ext>
                 </a:extLst>
               </p:cNvPr>
@@ -10434,7 +10424,7 @@
           <p:cNvPr id="49" name="TextBox 48">
             <a:extLst>
               <a:ext uri="{FF2B5EF4-FFF2-40B4-BE49-F238E27FC236}">
-                <a16:creationId xmlns:a16="http://schemas.microsoft.com/office/drawing/2014/main" id="{F5D45B35-9E90-1E4D-A0F7-C5B6EFE5DF36}"/>
+                <a16:creationId xmlns:a16="http://schemas.microsoft.com/office/drawing/2014/main" xmlns="" id="{F5D45B35-9E90-1E4D-A0F7-C5B6EFE5DF36}"/>
               </a:ext>
             </a:extLst>
           </p:cNvPr>
@@ -10469,7 +10459,7 @@
           <p:cNvPr id="50" name="TextBox 49">
             <a:extLst>
               <a:ext uri="{FF2B5EF4-FFF2-40B4-BE49-F238E27FC236}">
-                <a16:creationId xmlns:a16="http://schemas.microsoft.com/office/drawing/2014/main" id="{4EE1AB23-E478-824B-B910-79B97370DC69}"/>
+                <a16:creationId xmlns:a16="http://schemas.microsoft.com/office/drawing/2014/main" xmlns="" id="{4EE1AB23-E478-824B-B910-79B97370DC69}"/>
               </a:ext>
             </a:extLst>
           </p:cNvPr>
@@ -10504,7 +10494,7 @@
           <p:cNvPr id="51" name="TextBox 50">
             <a:extLst>
               <a:ext uri="{FF2B5EF4-FFF2-40B4-BE49-F238E27FC236}">
-                <a16:creationId xmlns:a16="http://schemas.microsoft.com/office/drawing/2014/main" id="{70778EB6-48E4-7744-9B6F-E23073E9D7B4}"/>
+                <a16:creationId xmlns:a16="http://schemas.microsoft.com/office/drawing/2014/main" xmlns="" id="{70778EB6-48E4-7744-9B6F-E23073E9D7B4}"/>
               </a:ext>
             </a:extLst>
           </p:cNvPr>
@@ -10553,7 +10543,7 @@
           <p:cNvPr id="52" name="TextBox 51">
             <a:extLst>
               <a:ext uri="{FF2B5EF4-FFF2-40B4-BE49-F238E27FC236}">
-                <a16:creationId xmlns:a16="http://schemas.microsoft.com/office/drawing/2014/main" id="{2A4225FF-A4FE-6A45-B86A-DD9CF5BAF5FC}"/>
+                <a16:creationId xmlns:a16="http://schemas.microsoft.com/office/drawing/2014/main" xmlns="" id="{2A4225FF-A4FE-6A45-B86A-DD9CF5BAF5FC}"/>
               </a:ext>
             </a:extLst>
           </p:cNvPr>
@@ -10602,7 +10592,7 @@
           <p:cNvPr id="55" name="Straight Connector 54">
             <a:extLst>
               <a:ext uri="{FF2B5EF4-FFF2-40B4-BE49-F238E27FC236}">
-                <a16:creationId xmlns:a16="http://schemas.microsoft.com/office/drawing/2014/main" id="{4241DCB0-9C66-1347-B156-49AC2112ADF7}"/>
+                <a16:creationId xmlns:a16="http://schemas.microsoft.com/office/drawing/2014/main" xmlns="" id="{4241DCB0-9C66-1347-B156-49AC2112ADF7}"/>
               </a:ext>
             </a:extLst>
           </p:cNvPr>
@@ -10641,7 +10631,7 @@
           <p:cNvPr id="56" name="Picture 55">
             <a:extLst>
               <a:ext uri="{FF2B5EF4-FFF2-40B4-BE49-F238E27FC236}">
-                <a16:creationId xmlns:a16="http://schemas.microsoft.com/office/drawing/2014/main" id="{4B7711D1-97E8-314C-AB62-10122600F372}"/>
+                <a16:creationId xmlns:a16="http://schemas.microsoft.com/office/drawing/2014/main" xmlns="" id="{4B7711D1-97E8-314C-AB62-10122600F372}"/>
               </a:ext>
             </a:extLst>
           </p:cNvPr>
@@ -10691,7 +10681,7 @@
           <p:cNvPr id="57" name="Straight Connector 56">
             <a:extLst>
               <a:ext uri="{FF2B5EF4-FFF2-40B4-BE49-F238E27FC236}">
-                <a16:creationId xmlns:a16="http://schemas.microsoft.com/office/drawing/2014/main" id="{1B0786A4-49F8-FA44-951D-C167F2EC6C0A}"/>
+                <a16:creationId xmlns:a16="http://schemas.microsoft.com/office/drawing/2014/main" xmlns="" id="{1B0786A4-49F8-FA44-951D-C167F2EC6C0A}"/>
               </a:ext>
             </a:extLst>
           </p:cNvPr>
@@ -10730,7 +10720,7 @@
           <p:cNvPr id="58" name="Picture 57">
             <a:extLst>
               <a:ext uri="{FF2B5EF4-FFF2-40B4-BE49-F238E27FC236}">
-                <a16:creationId xmlns:a16="http://schemas.microsoft.com/office/drawing/2014/main" id="{461C6B0E-F1D4-9345-880B-55A4FD3BD752}"/>
+                <a16:creationId xmlns:a16="http://schemas.microsoft.com/office/drawing/2014/main" xmlns="" id="{461C6B0E-F1D4-9345-880B-55A4FD3BD752}"/>
               </a:ext>
             </a:extLst>
           </p:cNvPr>
@@ -10810,7 +10800,7 @@
           <p:cNvPr id="7" name="TextBox 6">
             <a:extLst>
               <a:ext uri="{FF2B5EF4-FFF2-40B4-BE49-F238E27FC236}">
-                <a16:creationId xmlns:a16="http://schemas.microsoft.com/office/drawing/2014/main" id="{D225D477-B75C-2F4D-B80E-849F7F89C84E}"/>
+                <a16:creationId xmlns:a16="http://schemas.microsoft.com/office/drawing/2014/main" xmlns="" id="{D225D477-B75C-2F4D-B80E-849F7F89C84E}"/>
               </a:ext>
             </a:extLst>
           </p:cNvPr>
@@ -10887,7 +10877,7 @@
           <p:cNvPr id="23" name="TextBox 22">
             <a:extLst>
               <a:ext uri="{FF2B5EF4-FFF2-40B4-BE49-F238E27FC236}">
-                <a16:creationId xmlns:a16="http://schemas.microsoft.com/office/drawing/2014/main" id="{BFD7D309-4DE6-5F49-B0AC-5BB11CF38902}"/>
+                <a16:creationId xmlns:a16="http://schemas.microsoft.com/office/drawing/2014/main" xmlns="" id="{BFD7D309-4DE6-5F49-B0AC-5BB11CF38902}"/>
               </a:ext>
             </a:extLst>
           </p:cNvPr>
@@ -10994,7 +10984,7 @@
           <p:cNvPr id="2" name="Rectangle 1">
             <a:extLst>
               <a:ext uri="{FF2B5EF4-FFF2-40B4-BE49-F238E27FC236}">
-                <a16:creationId xmlns:a16="http://schemas.microsoft.com/office/drawing/2014/main" id="{D0732851-5A53-0C43-9B25-FCFBD4D4F583}"/>
+                <a16:creationId xmlns:a16="http://schemas.microsoft.com/office/drawing/2014/main" xmlns="" id="{D0732851-5A53-0C43-9B25-FCFBD4D4F583}"/>
               </a:ext>
             </a:extLst>
           </p:cNvPr>
@@ -11147,7 +11137,7 @@
           <p:cNvPr id="17" name="Group 16">
             <a:extLst>
               <a:ext uri="{FF2B5EF4-FFF2-40B4-BE49-F238E27FC236}">
-                <a16:creationId xmlns:a16="http://schemas.microsoft.com/office/drawing/2014/main" id="{33134089-27A8-2944-8C2C-722E17DB11CD}"/>
+                <a16:creationId xmlns:a16="http://schemas.microsoft.com/office/drawing/2014/main" xmlns="" id="{33134089-27A8-2944-8C2C-722E17DB11CD}"/>
               </a:ext>
             </a:extLst>
           </p:cNvPr>
@@ -11167,7 +11157,7 @@
             <p:cNvPr id="9" name="Group 8">
               <a:extLst>
                 <a:ext uri="{FF2B5EF4-FFF2-40B4-BE49-F238E27FC236}">
-                  <a16:creationId xmlns:a16="http://schemas.microsoft.com/office/drawing/2014/main" id="{CB3EFDAD-124D-124D-BDA6-C9B2C3B8A779}"/>
+                  <a16:creationId xmlns:a16="http://schemas.microsoft.com/office/drawing/2014/main" xmlns="" id="{CB3EFDAD-124D-124D-BDA6-C9B2C3B8A779}"/>
                 </a:ext>
               </a:extLst>
             </p:cNvPr>
@@ -11187,7 +11177,7 @@
               <p:cNvPr id="14" name="Rectangle 13">
                 <a:extLst>
                   <a:ext uri="{FF2B5EF4-FFF2-40B4-BE49-F238E27FC236}">
-                    <a16:creationId xmlns:a16="http://schemas.microsoft.com/office/drawing/2014/main" id="{6CB783F2-F6EC-9E43-B5C8-A6384D3C9F25}"/>
+                    <a16:creationId xmlns:a16="http://schemas.microsoft.com/office/drawing/2014/main" xmlns="" id="{6CB783F2-F6EC-9E43-B5C8-A6384D3C9F25}"/>
                   </a:ext>
                 </a:extLst>
               </p:cNvPr>
@@ -11239,7 +11229,7 @@
               <p:cNvPr id="11" name="Group 10">
                 <a:extLst>
                   <a:ext uri="{FF2B5EF4-FFF2-40B4-BE49-F238E27FC236}">
-                    <a16:creationId xmlns:a16="http://schemas.microsoft.com/office/drawing/2014/main" id="{C06CCFEE-FF58-2541-AC37-6BAAF8D34868}"/>
+                    <a16:creationId xmlns:a16="http://schemas.microsoft.com/office/drawing/2014/main" xmlns="" id="{C06CCFEE-FF58-2541-AC37-6BAAF8D34868}"/>
                   </a:ext>
                 </a:extLst>
               </p:cNvPr>
@@ -11259,7 +11249,7 @@
                 <p:cNvPr id="12" name="Rectangle 11">
                   <a:extLst>
                     <a:ext uri="{FF2B5EF4-FFF2-40B4-BE49-F238E27FC236}">
-                      <a16:creationId xmlns:a16="http://schemas.microsoft.com/office/drawing/2014/main" id="{A567BA71-4B2E-6845-A188-7302FD01661A}"/>
+                      <a16:creationId xmlns:a16="http://schemas.microsoft.com/office/drawing/2014/main" xmlns="" id="{A567BA71-4B2E-6845-A188-7302FD01661A}"/>
                     </a:ext>
                   </a:extLst>
                 </p:cNvPr>
@@ -11303,7 +11293,7 @@
                 <p:cNvPr id="13" name="Rectangle 12">
                   <a:extLst>
                     <a:ext uri="{FF2B5EF4-FFF2-40B4-BE49-F238E27FC236}">
-                      <a16:creationId xmlns:a16="http://schemas.microsoft.com/office/drawing/2014/main" id="{78A91A13-300A-1D46-83F0-9FDCDC1E5089}"/>
+                      <a16:creationId xmlns:a16="http://schemas.microsoft.com/office/drawing/2014/main" xmlns="" id="{78A91A13-300A-1D46-83F0-9FDCDC1E5089}"/>
                     </a:ext>
                   </a:extLst>
                 </p:cNvPr>
@@ -11359,7 +11349,7 @@
             <p:cNvPr id="6" name="Straight Connector 5">
               <a:extLst>
                 <a:ext uri="{FF2B5EF4-FFF2-40B4-BE49-F238E27FC236}">
-                  <a16:creationId xmlns:a16="http://schemas.microsoft.com/office/drawing/2014/main" id="{F6555F21-29EB-D643-B31C-D3ABA159D7F5}"/>
+                  <a16:creationId xmlns:a16="http://schemas.microsoft.com/office/drawing/2014/main" xmlns="" id="{F6555F21-29EB-D643-B31C-D3ABA159D7F5}"/>
                 </a:ext>
               </a:extLst>
             </p:cNvPr>
@@ -11398,7 +11388,7 @@
             <p:cNvPr id="15" name="Picture 14">
               <a:extLst>
                 <a:ext uri="{FF2B5EF4-FFF2-40B4-BE49-F238E27FC236}">
-                  <a16:creationId xmlns:a16="http://schemas.microsoft.com/office/drawing/2014/main" id="{624170F1-A36C-B449-ABAF-E52B0050CDE8}"/>
+                  <a16:creationId xmlns:a16="http://schemas.microsoft.com/office/drawing/2014/main" xmlns="" id="{624170F1-A36C-B449-ABAF-E52B0050CDE8}"/>
                 </a:ext>
               </a:extLst>
             </p:cNvPr>
@@ -11524,7 +11514,7 @@
           <p:cNvPr id="2" name="Group 1">
             <a:extLst>
               <a:ext uri="{FF2B5EF4-FFF2-40B4-BE49-F238E27FC236}">
-                <a16:creationId xmlns:a16="http://schemas.microsoft.com/office/drawing/2014/main" id="{C94012DE-1ADF-404D-8D0D-A22CCF04E0E0}"/>
+                <a16:creationId xmlns:a16="http://schemas.microsoft.com/office/drawing/2014/main" xmlns="" id="{C94012DE-1ADF-404D-8D0D-A22CCF04E0E0}"/>
               </a:ext>
             </a:extLst>
           </p:cNvPr>
@@ -11736,7 +11726,7 @@
                 <p:cNvPr id="13" name="Picture 12">
                   <a:extLst>
                     <a:ext uri="{FF2B5EF4-FFF2-40B4-BE49-F238E27FC236}">
-                      <a16:creationId xmlns:a16="http://schemas.microsoft.com/office/drawing/2014/main" id="{285C9102-3522-3547-805E-9DA73DC64DDB}"/>
+                      <a16:creationId xmlns:a16="http://schemas.microsoft.com/office/drawing/2014/main" xmlns="" id="{285C9102-3522-3547-805E-9DA73DC64DDB}"/>
                     </a:ext>
                   </a:extLst>
                 </p:cNvPr>
@@ -11788,7 +11778,7 @@
             <p:cNvPr id="24" name="Group 23">
               <a:extLst>
                 <a:ext uri="{FF2B5EF4-FFF2-40B4-BE49-F238E27FC236}">
-                  <a16:creationId xmlns:a16="http://schemas.microsoft.com/office/drawing/2014/main" id="{D0AFDAC7-1FE5-EB42-8181-C65BAA6FDB73}"/>
+                  <a16:creationId xmlns:a16="http://schemas.microsoft.com/office/drawing/2014/main" xmlns="" id="{D0AFDAC7-1FE5-EB42-8181-C65BAA6FDB73}"/>
                 </a:ext>
               </a:extLst>
             </p:cNvPr>
@@ -11808,7 +11798,7 @@
               <p:cNvPr id="25" name="Rectangle 24">
                 <a:extLst>
                   <a:ext uri="{FF2B5EF4-FFF2-40B4-BE49-F238E27FC236}">
-                    <a16:creationId xmlns:a16="http://schemas.microsoft.com/office/drawing/2014/main" id="{12194E41-85FA-9045-955F-5B8400C47194}"/>
+                    <a16:creationId xmlns:a16="http://schemas.microsoft.com/office/drawing/2014/main" xmlns="" id="{12194E41-85FA-9045-955F-5B8400C47194}"/>
                   </a:ext>
                 </a:extLst>
               </p:cNvPr>
@@ -11856,7 +11846,7 @@
               <p:cNvPr id="26" name="Rectangle 25">
                 <a:extLst>
                   <a:ext uri="{FF2B5EF4-FFF2-40B4-BE49-F238E27FC236}">
-                    <a16:creationId xmlns:a16="http://schemas.microsoft.com/office/drawing/2014/main" id="{84A1C552-903D-084D-9B4E-0FF69DB7ECB0}"/>
+                    <a16:creationId xmlns:a16="http://schemas.microsoft.com/office/drawing/2014/main" xmlns="" id="{84A1C552-903D-084D-9B4E-0FF69DB7ECB0}"/>
                   </a:ext>
                 </a:extLst>
               </p:cNvPr>
@@ -11916,7 +11906,7 @@
           <p:cNvPr id="16" name="Straight Connector 15">
             <a:extLst>
               <a:ext uri="{FF2B5EF4-FFF2-40B4-BE49-F238E27FC236}">
-                <a16:creationId xmlns:a16="http://schemas.microsoft.com/office/drawing/2014/main" id="{FAF34530-E477-074E-ABF6-842CAC6DF9C1}"/>
+                <a16:creationId xmlns:a16="http://schemas.microsoft.com/office/drawing/2014/main" xmlns="" id="{FAF34530-E477-074E-ABF6-842CAC6DF9C1}"/>
               </a:ext>
             </a:extLst>
           </p:cNvPr>
@@ -11955,7 +11945,7 @@
           <p:cNvPr id="18" name="Picture 17">
             <a:extLst>
               <a:ext uri="{FF2B5EF4-FFF2-40B4-BE49-F238E27FC236}">
-                <a16:creationId xmlns:a16="http://schemas.microsoft.com/office/drawing/2014/main" id="{C0A6F961-1865-A742-90FC-2B9F69866B67}"/>
+                <a16:creationId xmlns:a16="http://schemas.microsoft.com/office/drawing/2014/main" xmlns="" id="{C0A6F961-1865-A742-90FC-2B9F69866B67}"/>
               </a:ext>
             </a:extLst>
           </p:cNvPr>
@@ -12101,7 +12091,7 @@
           <p:cNvPr id="2" name="Group 1">
             <a:extLst>
               <a:ext uri="{FF2B5EF4-FFF2-40B4-BE49-F238E27FC236}">
-                <a16:creationId xmlns:a16="http://schemas.microsoft.com/office/drawing/2014/main" id="{C94012DE-1ADF-404D-8D0D-A22CCF04E0E0}"/>
+                <a16:creationId xmlns:a16="http://schemas.microsoft.com/office/drawing/2014/main" xmlns="" id="{C94012DE-1ADF-404D-8D0D-A22CCF04E0E0}"/>
               </a:ext>
             </a:extLst>
           </p:cNvPr>
@@ -12313,7 +12303,7 @@
                 <p:cNvPr id="13" name="Picture 12">
                   <a:extLst>
                     <a:ext uri="{FF2B5EF4-FFF2-40B4-BE49-F238E27FC236}">
-                      <a16:creationId xmlns:a16="http://schemas.microsoft.com/office/drawing/2014/main" id="{285C9102-3522-3547-805E-9DA73DC64DDB}"/>
+                      <a16:creationId xmlns:a16="http://schemas.microsoft.com/office/drawing/2014/main" xmlns="" id="{285C9102-3522-3547-805E-9DA73DC64DDB}"/>
                     </a:ext>
                   </a:extLst>
                 </p:cNvPr>
@@ -12365,7 +12355,7 @@
             <p:cNvPr id="24" name="Group 23">
               <a:extLst>
                 <a:ext uri="{FF2B5EF4-FFF2-40B4-BE49-F238E27FC236}">
-                  <a16:creationId xmlns:a16="http://schemas.microsoft.com/office/drawing/2014/main" id="{D0AFDAC7-1FE5-EB42-8181-C65BAA6FDB73}"/>
+                  <a16:creationId xmlns:a16="http://schemas.microsoft.com/office/drawing/2014/main" xmlns="" id="{D0AFDAC7-1FE5-EB42-8181-C65BAA6FDB73}"/>
                 </a:ext>
               </a:extLst>
             </p:cNvPr>
@@ -12385,7 +12375,7 @@
               <p:cNvPr id="25" name="Rectangle 24">
                 <a:extLst>
                   <a:ext uri="{FF2B5EF4-FFF2-40B4-BE49-F238E27FC236}">
-                    <a16:creationId xmlns:a16="http://schemas.microsoft.com/office/drawing/2014/main" id="{12194E41-85FA-9045-955F-5B8400C47194}"/>
+                    <a16:creationId xmlns:a16="http://schemas.microsoft.com/office/drawing/2014/main" xmlns="" id="{12194E41-85FA-9045-955F-5B8400C47194}"/>
                   </a:ext>
                 </a:extLst>
               </p:cNvPr>
@@ -12433,7 +12423,7 @@
               <p:cNvPr id="26" name="Rectangle 25">
                 <a:extLst>
                   <a:ext uri="{FF2B5EF4-FFF2-40B4-BE49-F238E27FC236}">
-                    <a16:creationId xmlns:a16="http://schemas.microsoft.com/office/drawing/2014/main" id="{84A1C552-903D-084D-9B4E-0FF69DB7ECB0}"/>
+                    <a16:creationId xmlns:a16="http://schemas.microsoft.com/office/drawing/2014/main" xmlns="" id="{84A1C552-903D-084D-9B4E-0FF69DB7ECB0}"/>
                   </a:ext>
                 </a:extLst>
               </p:cNvPr>
@@ -12493,7 +12483,7 @@
           <p:cNvPr id="16" name="Straight Connector 15">
             <a:extLst>
               <a:ext uri="{FF2B5EF4-FFF2-40B4-BE49-F238E27FC236}">
-                <a16:creationId xmlns:a16="http://schemas.microsoft.com/office/drawing/2014/main" id="{FAF34530-E477-074E-ABF6-842CAC6DF9C1}"/>
+                <a16:creationId xmlns:a16="http://schemas.microsoft.com/office/drawing/2014/main" xmlns="" id="{FAF34530-E477-074E-ABF6-842CAC6DF9C1}"/>
               </a:ext>
             </a:extLst>
           </p:cNvPr>
@@ -12532,7 +12522,7 @@
           <p:cNvPr id="18" name="Picture 17">
             <a:extLst>
               <a:ext uri="{FF2B5EF4-FFF2-40B4-BE49-F238E27FC236}">
-                <a16:creationId xmlns:a16="http://schemas.microsoft.com/office/drawing/2014/main" id="{C0A6F961-1865-A742-90FC-2B9F69866B67}"/>
+                <a16:creationId xmlns:a16="http://schemas.microsoft.com/office/drawing/2014/main" xmlns="" id="{C0A6F961-1865-A742-90FC-2B9F69866B67}"/>
               </a:ext>
             </a:extLst>
           </p:cNvPr>
@@ -12711,7 +12701,7 @@
           <p:cNvPr id="6" name="Group 5">
             <a:extLst>
               <a:ext uri="{FF2B5EF4-FFF2-40B4-BE49-F238E27FC236}">
-                <a16:creationId xmlns:a16="http://schemas.microsoft.com/office/drawing/2014/main" id="{49085939-83B9-C441-B235-03DB8BE11586}"/>
+                <a16:creationId xmlns:a16="http://schemas.microsoft.com/office/drawing/2014/main" xmlns="" id="{49085939-83B9-C441-B235-03DB8BE11586}"/>
               </a:ext>
             </a:extLst>
           </p:cNvPr>
@@ -12731,7 +12721,7 @@
             <p:cNvPr id="32" name="Group 31">
               <a:extLst>
                 <a:ext uri="{FF2B5EF4-FFF2-40B4-BE49-F238E27FC236}">
-                  <a16:creationId xmlns:a16="http://schemas.microsoft.com/office/drawing/2014/main" id="{1DC740C9-F53A-9F44-BE1C-14F155C44F68}"/>
+                  <a16:creationId xmlns:a16="http://schemas.microsoft.com/office/drawing/2014/main" xmlns="" id="{1DC740C9-F53A-9F44-BE1C-14F155C44F68}"/>
                 </a:ext>
               </a:extLst>
             </p:cNvPr>
@@ -12751,7 +12741,7 @@
               <p:cNvPr id="33" name="Group 32">
                 <a:extLst>
                   <a:ext uri="{FF2B5EF4-FFF2-40B4-BE49-F238E27FC236}">
-                    <a16:creationId xmlns:a16="http://schemas.microsoft.com/office/drawing/2014/main" id="{ABB1D0DA-C6D6-924F-8305-FF40397506D0}"/>
+                    <a16:creationId xmlns:a16="http://schemas.microsoft.com/office/drawing/2014/main" xmlns="" id="{ABB1D0DA-C6D6-924F-8305-FF40397506D0}"/>
                   </a:ext>
                 </a:extLst>
               </p:cNvPr>
@@ -12771,7 +12761,7 @@
                 <p:cNvPr id="37" name="Rectangle 36">
                   <a:extLst>
                     <a:ext uri="{FF2B5EF4-FFF2-40B4-BE49-F238E27FC236}">
-                      <a16:creationId xmlns:a16="http://schemas.microsoft.com/office/drawing/2014/main" id="{E0766EAF-139E-0549-9ACF-1C9C78F75A26}"/>
+                      <a16:creationId xmlns:a16="http://schemas.microsoft.com/office/drawing/2014/main" xmlns="" id="{E0766EAF-139E-0549-9ACF-1C9C78F75A26}"/>
                     </a:ext>
                   </a:extLst>
                 </p:cNvPr>
@@ -12823,7 +12813,7 @@
                 <p:cNvPr id="38" name="Group 37">
                   <a:extLst>
                     <a:ext uri="{FF2B5EF4-FFF2-40B4-BE49-F238E27FC236}">
-                      <a16:creationId xmlns:a16="http://schemas.microsoft.com/office/drawing/2014/main" id="{70F61CF3-6095-6743-9688-97AE869475E1}"/>
+                      <a16:creationId xmlns:a16="http://schemas.microsoft.com/office/drawing/2014/main" xmlns="" id="{70F61CF3-6095-6743-9688-97AE869475E1}"/>
                     </a:ext>
                   </a:extLst>
                 </p:cNvPr>
@@ -12843,7 +12833,7 @@
                   <p:cNvPr id="39" name="Group 38">
                     <a:extLst>
                       <a:ext uri="{FF2B5EF4-FFF2-40B4-BE49-F238E27FC236}">
-                        <a16:creationId xmlns:a16="http://schemas.microsoft.com/office/drawing/2014/main" id="{FC7A3559-C477-EA46-8397-C57F777BD18D}"/>
+                        <a16:creationId xmlns:a16="http://schemas.microsoft.com/office/drawing/2014/main" xmlns="" id="{FC7A3559-C477-EA46-8397-C57F777BD18D}"/>
                       </a:ext>
                     </a:extLst>
                   </p:cNvPr>
@@ -12863,7 +12853,7 @@
                     <p:cNvPr id="41" name="Rectangle 40">
                       <a:extLst>
                         <a:ext uri="{FF2B5EF4-FFF2-40B4-BE49-F238E27FC236}">
-                          <a16:creationId xmlns:a16="http://schemas.microsoft.com/office/drawing/2014/main" id="{D6F58FAF-AAB4-524F-9A35-24E168D74782}"/>
+                          <a16:creationId xmlns:a16="http://schemas.microsoft.com/office/drawing/2014/main" xmlns="" id="{D6F58FAF-AAB4-524F-9A35-24E168D74782}"/>
                         </a:ext>
                       </a:extLst>
                     </p:cNvPr>
@@ -12912,7 +12902,7 @@
                     <p:cNvPr id="42" name="Rectangle 41">
                       <a:extLst>
                         <a:ext uri="{FF2B5EF4-FFF2-40B4-BE49-F238E27FC236}">
-                          <a16:creationId xmlns:a16="http://schemas.microsoft.com/office/drawing/2014/main" id="{DCB64CBA-1A1A-1F46-B831-AD2E3AA53BED}"/>
+                          <a16:creationId xmlns:a16="http://schemas.microsoft.com/office/drawing/2014/main" xmlns="" id="{DCB64CBA-1A1A-1F46-B831-AD2E3AA53BED}"/>
                         </a:ext>
                       </a:extLst>
                     </p:cNvPr>
@@ -12967,7 +12957,7 @@
                   <p:cNvPr id="40" name="Picture 39">
                     <a:extLst>
                       <a:ext uri="{FF2B5EF4-FFF2-40B4-BE49-F238E27FC236}">
-                        <a16:creationId xmlns:a16="http://schemas.microsoft.com/office/drawing/2014/main" id="{4EE8B434-1908-6F40-8745-A74186A664FF}"/>
+                        <a16:creationId xmlns:a16="http://schemas.microsoft.com/office/drawing/2014/main" xmlns="" id="{4EE8B434-1908-6F40-8745-A74186A664FF}"/>
                       </a:ext>
                     </a:extLst>
                   </p:cNvPr>
@@ -13019,7 +13009,7 @@
               <p:cNvPr id="34" name="Group 33">
                 <a:extLst>
                   <a:ext uri="{FF2B5EF4-FFF2-40B4-BE49-F238E27FC236}">
-                    <a16:creationId xmlns:a16="http://schemas.microsoft.com/office/drawing/2014/main" id="{618D9CE1-C4A1-8A48-B22A-1744DFFD47DB}"/>
+                    <a16:creationId xmlns:a16="http://schemas.microsoft.com/office/drawing/2014/main" xmlns="" id="{618D9CE1-C4A1-8A48-B22A-1744DFFD47DB}"/>
                   </a:ext>
                 </a:extLst>
               </p:cNvPr>
@@ -13039,7 +13029,7 @@
                 <p:cNvPr id="35" name="Rectangle 34">
                   <a:extLst>
                     <a:ext uri="{FF2B5EF4-FFF2-40B4-BE49-F238E27FC236}">
-                      <a16:creationId xmlns:a16="http://schemas.microsoft.com/office/drawing/2014/main" id="{ABA1217C-F9F7-BD44-865A-B1C103045F4B}"/>
+                      <a16:creationId xmlns:a16="http://schemas.microsoft.com/office/drawing/2014/main" xmlns="" id="{ABA1217C-F9F7-BD44-865A-B1C103045F4B}"/>
                     </a:ext>
                   </a:extLst>
                 </p:cNvPr>
@@ -13083,7 +13073,7 @@
                 <p:cNvPr id="36" name="Rectangle 35">
                   <a:extLst>
                     <a:ext uri="{FF2B5EF4-FFF2-40B4-BE49-F238E27FC236}">
-                      <a16:creationId xmlns:a16="http://schemas.microsoft.com/office/drawing/2014/main" id="{70B6BED9-1355-DC4E-A1BC-63E833E33DC5}"/>
+                      <a16:creationId xmlns:a16="http://schemas.microsoft.com/office/drawing/2014/main" xmlns="" id="{70B6BED9-1355-DC4E-A1BC-63E833E33DC5}"/>
                     </a:ext>
                   </a:extLst>
                 </p:cNvPr>
@@ -13139,7 +13129,7 @@
             <p:cNvPr id="43" name="Picture 42">
               <a:extLst>
                 <a:ext uri="{FF2B5EF4-FFF2-40B4-BE49-F238E27FC236}">
-                  <a16:creationId xmlns:a16="http://schemas.microsoft.com/office/drawing/2014/main" id="{2C4C59C3-7727-A740-AAD5-6819D535E95A}"/>
+                  <a16:creationId xmlns:a16="http://schemas.microsoft.com/office/drawing/2014/main" xmlns="" id="{2C4C59C3-7727-A740-AAD5-6819D535E95A}"/>
                 </a:ext>
               </a:extLst>
             </p:cNvPr>
@@ -13169,7 +13159,7 @@
           <p:cNvPr id="18" name="Straight Connector 17">
             <a:extLst>
               <a:ext uri="{FF2B5EF4-FFF2-40B4-BE49-F238E27FC236}">
-                <a16:creationId xmlns:a16="http://schemas.microsoft.com/office/drawing/2014/main" id="{072E6C88-846D-B743-BC8B-02C5C4C3197E}"/>
+                <a16:creationId xmlns:a16="http://schemas.microsoft.com/office/drawing/2014/main" xmlns="" id="{072E6C88-846D-B743-BC8B-02C5C4C3197E}"/>
               </a:ext>
             </a:extLst>
           </p:cNvPr>
@@ -13208,7 +13198,7 @@
           <p:cNvPr id="19" name="Picture 18">
             <a:extLst>
               <a:ext uri="{FF2B5EF4-FFF2-40B4-BE49-F238E27FC236}">
-                <a16:creationId xmlns:a16="http://schemas.microsoft.com/office/drawing/2014/main" id="{C3E8AC4E-BD89-224C-A64A-23475F247B39}"/>
+                <a16:creationId xmlns:a16="http://schemas.microsoft.com/office/drawing/2014/main" xmlns="" id="{C3E8AC4E-BD89-224C-A64A-23475F247B39}"/>
               </a:ext>
             </a:extLst>
           </p:cNvPr>

--- a/instructions.pptx
+++ b/instructions.pptx
@@ -230,7 +230,7 @@
           <a:p>
             <a:fld id="{92CEA86C-46A4-B54F-8A61-C6B98DADAF97}" type="datetimeFigureOut">
               <a:rPr lang="en-US" smtClean="0"/>
-              <a:t>1/28/20</a:t>
+              <a:t>2/11/20</a:t>
             </a:fld>
             <a:endParaRPr lang="en-US"/>
           </a:p>
@@ -2174,7 +2174,7 @@
           <a:p>
             <a:fld id="{20197029-4C51-4F4A-ACDB-F133846F9A96}" type="datetimeFigureOut">
               <a:rPr lang="en-US" smtClean="0"/>
-              <a:t>1/28/20</a:t>
+              <a:t>2/11/20</a:t>
             </a:fld>
             <a:endParaRPr lang="en-US"/>
           </a:p>
@@ -2344,7 +2344,7 @@
           <a:p>
             <a:fld id="{20197029-4C51-4F4A-ACDB-F133846F9A96}" type="datetimeFigureOut">
               <a:rPr lang="en-US" smtClean="0"/>
-              <a:t>1/28/20</a:t>
+              <a:t>2/11/20</a:t>
             </a:fld>
             <a:endParaRPr lang="en-US"/>
           </a:p>
@@ -2524,7 +2524,7 @@
           <a:p>
             <a:fld id="{20197029-4C51-4F4A-ACDB-F133846F9A96}" type="datetimeFigureOut">
               <a:rPr lang="en-US" smtClean="0"/>
-              <a:t>1/28/20</a:t>
+              <a:t>2/11/20</a:t>
             </a:fld>
             <a:endParaRPr lang="en-US"/>
           </a:p>
@@ -2694,7 +2694,7 @@
           <a:p>
             <a:fld id="{20197029-4C51-4F4A-ACDB-F133846F9A96}" type="datetimeFigureOut">
               <a:rPr lang="en-US" smtClean="0"/>
-              <a:t>1/28/20</a:t>
+              <a:t>2/11/20</a:t>
             </a:fld>
             <a:endParaRPr lang="en-US"/>
           </a:p>
@@ -2940,7 +2940,7 @@
           <a:p>
             <a:fld id="{20197029-4C51-4F4A-ACDB-F133846F9A96}" type="datetimeFigureOut">
               <a:rPr lang="en-US" smtClean="0"/>
-              <a:t>1/28/20</a:t>
+              <a:t>2/11/20</a:t>
             </a:fld>
             <a:endParaRPr lang="en-US"/>
           </a:p>
@@ -3172,7 +3172,7 @@
           <a:p>
             <a:fld id="{20197029-4C51-4F4A-ACDB-F133846F9A96}" type="datetimeFigureOut">
               <a:rPr lang="en-US" smtClean="0"/>
-              <a:t>1/28/20</a:t>
+              <a:t>2/11/20</a:t>
             </a:fld>
             <a:endParaRPr lang="en-US"/>
           </a:p>
@@ -3539,7 +3539,7 @@
           <a:p>
             <a:fld id="{20197029-4C51-4F4A-ACDB-F133846F9A96}" type="datetimeFigureOut">
               <a:rPr lang="en-US" smtClean="0"/>
-              <a:t>1/28/20</a:t>
+              <a:t>2/11/20</a:t>
             </a:fld>
             <a:endParaRPr lang="en-US"/>
           </a:p>
@@ -3657,7 +3657,7 @@
           <a:p>
             <a:fld id="{20197029-4C51-4F4A-ACDB-F133846F9A96}" type="datetimeFigureOut">
               <a:rPr lang="en-US" smtClean="0"/>
-              <a:t>1/28/20</a:t>
+              <a:t>2/11/20</a:t>
             </a:fld>
             <a:endParaRPr lang="en-US"/>
           </a:p>
@@ -3752,7 +3752,7 @@
           <a:p>
             <a:fld id="{20197029-4C51-4F4A-ACDB-F133846F9A96}" type="datetimeFigureOut">
               <a:rPr lang="en-US" smtClean="0"/>
-              <a:t>1/28/20</a:t>
+              <a:t>2/11/20</a:t>
             </a:fld>
             <a:endParaRPr lang="en-US"/>
           </a:p>
@@ -4029,7 +4029,7 @@
           <a:p>
             <a:fld id="{20197029-4C51-4F4A-ACDB-F133846F9A96}" type="datetimeFigureOut">
               <a:rPr lang="en-US" smtClean="0"/>
-              <a:t>1/28/20</a:t>
+              <a:t>2/11/20</a:t>
             </a:fld>
             <a:endParaRPr lang="en-US"/>
           </a:p>
@@ -4286,7 +4286,7 @@
           <a:p>
             <a:fld id="{20197029-4C51-4F4A-ACDB-F133846F9A96}" type="datetimeFigureOut">
               <a:rPr lang="en-US" smtClean="0"/>
-              <a:t>1/28/20</a:t>
+              <a:t>2/11/20</a:t>
             </a:fld>
             <a:endParaRPr lang="en-US"/>
           </a:p>
@@ -4499,7 +4499,7 @@
           <a:p>
             <a:fld id="{20197029-4C51-4F4A-ACDB-F133846F9A96}" type="datetimeFigureOut">
               <a:rPr lang="en-US" smtClean="0"/>
-              <a:t>1/28/20</a:t>
+              <a:t>2/11/20</a:t>
             </a:fld>
             <a:endParaRPr lang="en-US"/>
           </a:p>
@@ -5854,7 +5854,7 @@
             <a:pPr algn="just"/>
             <a:r>
               <a:rPr lang="en-US" sz="2800" dirty="0"/>
-              <a:t>You might either recycle a coda can (1 point) or a coda bottle (3 points), with a 50 – 50 chance.</a:t>
+              <a:t>You might either recycle a soda can (1 point) or a soda bottle (3 points).</a:t>
             </a:r>
           </a:p>
         </p:txBody>
@@ -8990,7 +8990,7 @@
         <p:spPr>
           <a:xfrm>
             <a:off x="959618" y="979468"/>
-            <a:ext cx="10378486" cy="5447645"/>
+            <a:ext cx="10378486" cy="5016758"/>
           </a:xfrm>
           <a:prstGeom prst="rect">
             <a:avLst/>
@@ -9044,7 +9044,7 @@
             </a:pPr>
             <a:r>
               <a:rPr lang="en-US" sz="2800" dirty="0"/>
-              <a:t>You can either find a coda can or coda bottle (1 pt. or 3 pt.), which is randomly decided (50 – 50 chance) and unpredictable. </a:t>
+              <a:t>You can either find a soda can or soda bottle (1 pt. or 3 pt.).</a:t>
             </a:r>
           </a:p>
           <a:p>
@@ -9180,7 +9180,7 @@
         <p:spPr>
           <a:xfrm>
             <a:off x="1070517" y="1516566"/>
-            <a:ext cx="8943278" cy="3970318"/>
+            <a:ext cx="8943278" cy="1815882"/>
           </a:xfrm>
           <a:prstGeom prst="rect">
             <a:avLst/>
@@ -9221,33 +9221,6 @@
               <a:rPr lang="en-US" sz="2800" dirty="0"/>
               <a:t> </a:t>
             </a:r>
-          </a:p>
-          <a:p>
-            <a:r>
-              <a:rPr lang="en-US" sz="2800" dirty="0"/>
-              <a:t>2.Does the payment for recycling a trashcan depend on the amount of trash in it?</a:t>
-            </a:r>
-          </a:p>
-          <a:p>
-            <a:pPr marL="514350" indent="-514350">
-              <a:buAutoNum type="alphaUcPeriod"/>
-            </a:pPr>
-            <a:r>
-              <a:rPr lang="en-US" sz="2800" dirty="0"/>
-              <a:t>Yes</a:t>
-            </a:r>
-          </a:p>
-          <a:p>
-            <a:pPr marL="514350" indent="-514350">
-              <a:buAutoNum type="alphaUcPeriod"/>
-            </a:pPr>
-            <a:r>
-              <a:rPr lang="en-US" sz="2800" dirty="0"/>
-              <a:t>No</a:t>
-            </a:r>
-          </a:p>
-          <a:p>
-            <a:endParaRPr lang="en-US" sz="2800" dirty="0"/>
           </a:p>
         </p:txBody>
       </p:sp>
@@ -10897,7 +10870,7 @@
         <p:spPr>
           <a:xfrm>
             <a:off x="938771" y="90458"/>
-            <a:ext cx="10105293" cy="6124754"/>
+            <a:ext cx="10105293" cy="5693866"/>
           </a:xfrm>
           <a:prstGeom prst="rect">
             <a:avLst/>
@@ -10950,12 +10923,8 @@
             <a:pPr algn="just"/>
             <a:r>
               <a:rPr lang="en-US" sz="2800" dirty="0"/>
-              <a:t>After removing all the trash, you can find either a soda can which worth 1 point, or a soda bottle which worth 3 points. (50-50 chance)</a:t>
-            </a:r>
-          </a:p>
-          <a:p>
-            <a:pPr algn="just"/>
-            <a:endParaRPr lang="en-US" sz="2800" dirty="0"/>
+              <a:t>After removing all the trash, you can find either a soda can which worth 1 point, or a soda bottle which worth 3 points. </a:t>
+            </a:r>
           </a:p>
         </p:txBody>
       </p:sp>

--- a/instructions.pptx
+++ b/instructions.pptx
@@ -139,7 +139,11 @@
 <file path=ppt/commentAuthors.xml><?xml version="1.0" encoding="utf-8"?>
 <p:cmAuthorLst xmlns:a="http://schemas.openxmlformats.org/drawingml/2006/main" xmlns:r="http://schemas.openxmlformats.org/officeDocument/2006/relationships" xmlns:p="http://schemas.openxmlformats.org/presentationml/2006/main">
   <p:cmAuthor id="1" name="Microsoft Office User" initials="MOU" lastIdx="1" clrIdx="0">
-    <p:extLst/>
+    <p:extLst>
+      <p:ext uri="{19B8F6BF-5375-455C-9EA6-DF929625EA0E}">
+        <p15:presenceInfo xmlns:p15="http://schemas.microsoft.com/office/powerpoint/2012/main" userId="Microsoft Office User" providerId="None"/>
+      </p:ext>
+    </p:extLst>
   </p:cmAuthor>
 </p:cmAuthorLst>
 </file>
@@ -226,7 +230,7 @@
           <a:p>
             <a:fld id="{92CEA86C-46A4-B54F-8A61-C6B98DADAF97}" type="datetimeFigureOut">
               <a:rPr lang="en-US" smtClean="0"/>
-              <a:t>2/5/20</a:t>
+              <a:t>2/11/20</a:t>
             </a:fld>
             <a:endParaRPr lang="en-US"/>
           </a:p>
@@ -2170,7 +2174,7 @@
           <a:p>
             <a:fld id="{20197029-4C51-4F4A-ACDB-F133846F9A96}" type="datetimeFigureOut">
               <a:rPr lang="en-US" smtClean="0"/>
-              <a:t>2/5/20</a:t>
+              <a:t>2/11/20</a:t>
             </a:fld>
             <a:endParaRPr lang="en-US"/>
           </a:p>
@@ -2340,7 +2344,7 @@
           <a:p>
             <a:fld id="{20197029-4C51-4F4A-ACDB-F133846F9A96}" type="datetimeFigureOut">
               <a:rPr lang="en-US" smtClean="0"/>
-              <a:t>2/5/20</a:t>
+              <a:t>2/11/20</a:t>
             </a:fld>
             <a:endParaRPr lang="en-US"/>
           </a:p>
@@ -2520,7 +2524,7 @@
           <a:p>
             <a:fld id="{20197029-4C51-4F4A-ACDB-F133846F9A96}" type="datetimeFigureOut">
               <a:rPr lang="en-US" smtClean="0"/>
-              <a:t>2/5/20</a:t>
+              <a:t>2/11/20</a:t>
             </a:fld>
             <a:endParaRPr lang="en-US"/>
           </a:p>
@@ -2690,7 +2694,7 @@
           <a:p>
             <a:fld id="{20197029-4C51-4F4A-ACDB-F133846F9A96}" type="datetimeFigureOut">
               <a:rPr lang="en-US" smtClean="0"/>
-              <a:t>2/5/20</a:t>
+              <a:t>2/11/20</a:t>
             </a:fld>
             <a:endParaRPr lang="en-US"/>
           </a:p>
@@ -2936,7 +2940,7 @@
           <a:p>
             <a:fld id="{20197029-4C51-4F4A-ACDB-F133846F9A96}" type="datetimeFigureOut">
               <a:rPr lang="en-US" smtClean="0"/>
-              <a:t>2/5/20</a:t>
+              <a:t>2/11/20</a:t>
             </a:fld>
             <a:endParaRPr lang="en-US"/>
           </a:p>
@@ -3168,7 +3172,7 @@
           <a:p>
             <a:fld id="{20197029-4C51-4F4A-ACDB-F133846F9A96}" type="datetimeFigureOut">
               <a:rPr lang="en-US" smtClean="0"/>
-              <a:t>2/5/20</a:t>
+              <a:t>2/11/20</a:t>
             </a:fld>
             <a:endParaRPr lang="en-US"/>
           </a:p>
@@ -3535,7 +3539,7 @@
           <a:p>
             <a:fld id="{20197029-4C51-4F4A-ACDB-F133846F9A96}" type="datetimeFigureOut">
               <a:rPr lang="en-US" smtClean="0"/>
-              <a:t>2/5/20</a:t>
+              <a:t>2/11/20</a:t>
             </a:fld>
             <a:endParaRPr lang="en-US"/>
           </a:p>
@@ -3653,7 +3657,7 @@
           <a:p>
             <a:fld id="{20197029-4C51-4F4A-ACDB-F133846F9A96}" type="datetimeFigureOut">
               <a:rPr lang="en-US" smtClean="0"/>
-              <a:t>2/5/20</a:t>
+              <a:t>2/11/20</a:t>
             </a:fld>
             <a:endParaRPr lang="en-US"/>
           </a:p>
@@ -3748,7 +3752,7 @@
           <a:p>
             <a:fld id="{20197029-4C51-4F4A-ACDB-F133846F9A96}" type="datetimeFigureOut">
               <a:rPr lang="en-US" smtClean="0"/>
-              <a:t>2/5/20</a:t>
+              <a:t>2/11/20</a:t>
             </a:fld>
             <a:endParaRPr lang="en-US"/>
           </a:p>
@@ -4025,7 +4029,7 @@
           <a:p>
             <a:fld id="{20197029-4C51-4F4A-ACDB-F133846F9A96}" type="datetimeFigureOut">
               <a:rPr lang="en-US" smtClean="0"/>
-              <a:t>2/5/20</a:t>
+              <a:t>2/11/20</a:t>
             </a:fld>
             <a:endParaRPr lang="en-US"/>
           </a:p>
@@ -4282,7 +4286,7 @@
           <a:p>
             <a:fld id="{20197029-4C51-4F4A-ACDB-F133846F9A96}" type="datetimeFigureOut">
               <a:rPr lang="en-US" smtClean="0"/>
-              <a:t>2/5/20</a:t>
+              <a:t>2/11/20</a:t>
             </a:fld>
             <a:endParaRPr lang="en-US"/>
           </a:p>
@@ -4495,7 +4499,7 @@
           <a:p>
             <a:fld id="{20197029-4C51-4F4A-ACDB-F133846F9A96}" type="datetimeFigureOut">
               <a:rPr lang="en-US" smtClean="0"/>
-              <a:t>2/5/20</a:t>
+              <a:t>2/11/20</a:t>
             </a:fld>
             <a:endParaRPr lang="en-US"/>
           </a:p>
@@ -4905,7 +4909,7 @@
           <p:cNvPr id="2" name="Title 1">
             <a:extLst>
               <a:ext uri="{FF2B5EF4-FFF2-40B4-BE49-F238E27FC236}">
-                <a16:creationId xmlns:a16="http://schemas.microsoft.com/office/drawing/2014/main" xmlns="" id="{303D35F4-EF59-EA4D-A357-7F16E7309AA3}"/>
+                <a16:creationId xmlns:a16="http://schemas.microsoft.com/office/drawing/2014/main" id="{303D35F4-EF59-EA4D-A357-7F16E7309AA3}"/>
               </a:ext>
             </a:extLst>
           </p:cNvPr>
@@ -4933,7 +4937,7 @@
           <p:cNvPr id="3" name="Text Placeholder 2">
             <a:extLst>
               <a:ext uri="{FF2B5EF4-FFF2-40B4-BE49-F238E27FC236}">
-                <a16:creationId xmlns:a16="http://schemas.microsoft.com/office/drawing/2014/main" xmlns="" id="{B315834C-658F-344E-B9EB-EB68112E7429}"/>
+                <a16:creationId xmlns:a16="http://schemas.microsoft.com/office/drawing/2014/main" id="{B315834C-658F-344E-B9EB-EB68112E7429}"/>
               </a:ext>
             </a:extLst>
           </p:cNvPr>
@@ -5096,7 +5100,7 @@
           <p:cNvPr id="28" name="Group 27">
             <a:extLst>
               <a:ext uri="{FF2B5EF4-FFF2-40B4-BE49-F238E27FC236}">
-                <a16:creationId xmlns:a16="http://schemas.microsoft.com/office/drawing/2014/main" xmlns="" id="{5560067D-B746-3744-94CC-82FF46DA7DA6}"/>
+                <a16:creationId xmlns:a16="http://schemas.microsoft.com/office/drawing/2014/main" id="{5560067D-B746-3744-94CC-82FF46DA7DA6}"/>
               </a:ext>
             </a:extLst>
           </p:cNvPr>
@@ -5116,7 +5120,7 @@
             <p:cNvPr id="31" name="Group 30">
               <a:extLst>
                 <a:ext uri="{FF2B5EF4-FFF2-40B4-BE49-F238E27FC236}">
-                  <a16:creationId xmlns:a16="http://schemas.microsoft.com/office/drawing/2014/main" xmlns="" id="{EFAC32EF-ABA8-0C45-82C6-C2AEDF398095}"/>
+                  <a16:creationId xmlns:a16="http://schemas.microsoft.com/office/drawing/2014/main" id="{EFAC32EF-ABA8-0C45-82C6-C2AEDF398095}"/>
                 </a:ext>
               </a:extLst>
             </p:cNvPr>
@@ -5136,7 +5140,7 @@
               <p:cNvPr id="35" name="Rectangle 34">
                 <a:extLst>
                   <a:ext uri="{FF2B5EF4-FFF2-40B4-BE49-F238E27FC236}">
-                    <a16:creationId xmlns:a16="http://schemas.microsoft.com/office/drawing/2014/main" xmlns="" id="{3D79B715-9144-0E4D-A5D5-9B24A4BFB916}"/>
+                    <a16:creationId xmlns:a16="http://schemas.microsoft.com/office/drawing/2014/main" id="{3D79B715-9144-0E4D-A5D5-9B24A4BFB916}"/>
                   </a:ext>
                 </a:extLst>
               </p:cNvPr>
@@ -5188,7 +5192,7 @@
               <p:cNvPr id="36" name="Group 35">
                 <a:extLst>
                   <a:ext uri="{FF2B5EF4-FFF2-40B4-BE49-F238E27FC236}">
-                    <a16:creationId xmlns:a16="http://schemas.microsoft.com/office/drawing/2014/main" xmlns="" id="{5379045C-D088-3D49-A28F-CC5954786C28}"/>
+                    <a16:creationId xmlns:a16="http://schemas.microsoft.com/office/drawing/2014/main" id="{5379045C-D088-3D49-A28F-CC5954786C28}"/>
                   </a:ext>
                 </a:extLst>
               </p:cNvPr>
@@ -5208,7 +5212,7 @@
                 <p:cNvPr id="37" name="Group 36">
                   <a:extLst>
                     <a:ext uri="{FF2B5EF4-FFF2-40B4-BE49-F238E27FC236}">
-                      <a16:creationId xmlns:a16="http://schemas.microsoft.com/office/drawing/2014/main" xmlns="" id="{2072DF1A-0826-4045-9BED-7DD3971553B2}"/>
+                      <a16:creationId xmlns:a16="http://schemas.microsoft.com/office/drawing/2014/main" id="{2072DF1A-0826-4045-9BED-7DD3971553B2}"/>
                     </a:ext>
                   </a:extLst>
                 </p:cNvPr>
@@ -5228,7 +5232,7 @@
                   <p:cNvPr id="39" name="Rectangle 38">
                     <a:extLst>
                       <a:ext uri="{FF2B5EF4-FFF2-40B4-BE49-F238E27FC236}">
-                        <a16:creationId xmlns:a16="http://schemas.microsoft.com/office/drawing/2014/main" xmlns="" id="{3C66AE2E-B7E7-9547-95DE-FC5B1F3A693D}"/>
+                        <a16:creationId xmlns:a16="http://schemas.microsoft.com/office/drawing/2014/main" id="{3C66AE2E-B7E7-9547-95DE-FC5B1F3A693D}"/>
                       </a:ext>
                     </a:extLst>
                   </p:cNvPr>
@@ -5277,7 +5281,7 @@
                   <p:cNvPr id="40" name="Rectangle 39">
                     <a:extLst>
                       <a:ext uri="{FF2B5EF4-FFF2-40B4-BE49-F238E27FC236}">
-                        <a16:creationId xmlns:a16="http://schemas.microsoft.com/office/drawing/2014/main" xmlns="" id="{88ECF0DB-CF77-7D45-85B1-C53EE9D3F683}"/>
+                        <a16:creationId xmlns:a16="http://schemas.microsoft.com/office/drawing/2014/main" id="{88ECF0DB-CF77-7D45-85B1-C53EE9D3F683}"/>
                       </a:ext>
                     </a:extLst>
                   </p:cNvPr>
@@ -5332,7 +5336,7 @@
                 <p:cNvPr id="38" name="Picture 37">
                   <a:extLst>
                     <a:ext uri="{FF2B5EF4-FFF2-40B4-BE49-F238E27FC236}">
-                      <a16:creationId xmlns:a16="http://schemas.microsoft.com/office/drawing/2014/main" xmlns="" id="{7064A0CC-80FE-8145-AD65-EE35FC4DEBFF}"/>
+                      <a16:creationId xmlns:a16="http://schemas.microsoft.com/office/drawing/2014/main" id="{7064A0CC-80FE-8145-AD65-EE35FC4DEBFF}"/>
                     </a:ext>
                   </a:extLst>
                 </p:cNvPr>
@@ -5384,7 +5388,7 @@
             <p:cNvPr id="30" name="Picture 29">
               <a:extLst>
                 <a:ext uri="{FF2B5EF4-FFF2-40B4-BE49-F238E27FC236}">
-                  <a16:creationId xmlns:a16="http://schemas.microsoft.com/office/drawing/2014/main" xmlns="" id="{96F047E3-6C8D-3B44-950D-6F5459DD82C4}"/>
+                  <a16:creationId xmlns:a16="http://schemas.microsoft.com/office/drawing/2014/main" id="{96F047E3-6C8D-3B44-950D-6F5459DD82C4}"/>
                 </a:ext>
               </a:extLst>
             </p:cNvPr>
@@ -5531,7 +5535,7 @@
           <p:cNvPr id="7" name="Group 6">
             <a:extLst>
               <a:ext uri="{FF2B5EF4-FFF2-40B4-BE49-F238E27FC236}">
-                <a16:creationId xmlns:a16="http://schemas.microsoft.com/office/drawing/2014/main" xmlns="" id="{A68B2867-71D7-3643-BFD9-691C78B28DAB}"/>
+                <a16:creationId xmlns:a16="http://schemas.microsoft.com/office/drawing/2014/main" id="{A68B2867-71D7-3643-BFD9-691C78B28DAB}"/>
               </a:ext>
             </a:extLst>
           </p:cNvPr>
@@ -5601,7 +5605,7 @@
             <p:cNvPr id="14" name="Rectangle 13">
               <a:extLst>
                 <a:ext uri="{FF2B5EF4-FFF2-40B4-BE49-F238E27FC236}">
-                  <a16:creationId xmlns:a16="http://schemas.microsoft.com/office/drawing/2014/main" xmlns="" id="{7A8A0CF4-067E-0949-A2AA-C7342A43F73C}"/>
+                  <a16:creationId xmlns:a16="http://schemas.microsoft.com/office/drawing/2014/main" id="{7A8A0CF4-067E-0949-A2AA-C7342A43F73C}"/>
                 </a:ext>
               </a:extLst>
             </p:cNvPr>
@@ -5645,7 +5649,7 @@
             <p:cNvPr id="15" name="Rectangle 14">
               <a:extLst>
                 <a:ext uri="{FF2B5EF4-FFF2-40B4-BE49-F238E27FC236}">
-                  <a16:creationId xmlns:a16="http://schemas.microsoft.com/office/drawing/2014/main" xmlns="" id="{0583BB15-0046-5C44-BB29-FC24C523509B}"/>
+                  <a16:creationId xmlns:a16="http://schemas.microsoft.com/office/drawing/2014/main" id="{0583BB15-0046-5C44-BB29-FC24C523509B}"/>
                 </a:ext>
               </a:extLst>
             </p:cNvPr>
@@ -5700,7 +5704,7 @@
           <p:cNvPr id="8" name="Straight Connector 7">
             <a:extLst>
               <a:ext uri="{FF2B5EF4-FFF2-40B4-BE49-F238E27FC236}">
-                <a16:creationId xmlns:a16="http://schemas.microsoft.com/office/drawing/2014/main" xmlns="" id="{63B6DCC2-AF72-8241-BA47-8228FAC5881A}"/>
+                <a16:creationId xmlns:a16="http://schemas.microsoft.com/office/drawing/2014/main" id="{63B6DCC2-AF72-8241-BA47-8228FAC5881A}"/>
               </a:ext>
             </a:extLst>
           </p:cNvPr>
@@ -5739,7 +5743,7 @@
           <p:cNvPr id="9" name="Picture 8">
             <a:extLst>
               <a:ext uri="{FF2B5EF4-FFF2-40B4-BE49-F238E27FC236}">
-                <a16:creationId xmlns:a16="http://schemas.microsoft.com/office/drawing/2014/main" xmlns="" id="{23FC1010-F3D7-3D46-8D53-550BC3B36E20}"/>
+                <a16:creationId xmlns:a16="http://schemas.microsoft.com/office/drawing/2014/main" id="{23FC1010-F3D7-3D46-8D53-550BC3B36E20}"/>
               </a:ext>
             </a:extLst>
           </p:cNvPr>
@@ -5850,7 +5854,7 @@
             <a:pPr algn="just"/>
             <a:r>
               <a:rPr lang="en-US" sz="2800" dirty="0"/>
-              <a:t>You might either recycle a coda can (1 point) or a coda bottle (3 points), with a 50 – 50 chance.</a:t>
+              <a:t>You might either recycle a soda can (1 point) or a soda bottle (3 points).</a:t>
             </a:r>
           </a:p>
         </p:txBody>
@@ -5860,7 +5864,7 @@
           <p:cNvPr id="7" name="Group 6">
             <a:extLst>
               <a:ext uri="{FF2B5EF4-FFF2-40B4-BE49-F238E27FC236}">
-                <a16:creationId xmlns:a16="http://schemas.microsoft.com/office/drawing/2014/main" xmlns="" id="{A68B2867-71D7-3643-BFD9-691C78B28DAB}"/>
+                <a16:creationId xmlns:a16="http://schemas.microsoft.com/office/drawing/2014/main" id="{A68B2867-71D7-3643-BFD9-691C78B28DAB}"/>
               </a:ext>
             </a:extLst>
           </p:cNvPr>
@@ -5926,7 +5930,7 @@
             <p:cNvPr id="14" name="Rectangle 13">
               <a:extLst>
                 <a:ext uri="{FF2B5EF4-FFF2-40B4-BE49-F238E27FC236}">
-                  <a16:creationId xmlns:a16="http://schemas.microsoft.com/office/drawing/2014/main" xmlns="" id="{7A8A0CF4-067E-0949-A2AA-C7342A43F73C}"/>
+                  <a16:creationId xmlns:a16="http://schemas.microsoft.com/office/drawing/2014/main" id="{7A8A0CF4-067E-0949-A2AA-C7342A43F73C}"/>
                 </a:ext>
               </a:extLst>
             </p:cNvPr>
@@ -5970,7 +5974,7 @@
             <p:cNvPr id="15" name="Rectangle 14">
               <a:extLst>
                 <a:ext uri="{FF2B5EF4-FFF2-40B4-BE49-F238E27FC236}">
-                  <a16:creationId xmlns:a16="http://schemas.microsoft.com/office/drawing/2014/main" xmlns="" id="{0583BB15-0046-5C44-BB29-FC24C523509B}"/>
+                  <a16:creationId xmlns:a16="http://schemas.microsoft.com/office/drawing/2014/main" id="{0583BB15-0046-5C44-BB29-FC24C523509B}"/>
                 </a:ext>
               </a:extLst>
             </p:cNvPr>
@@ -6025,7 +6029,7 @@
           <p:cNvPr id="18" name="Group 17">
             <a:extLst>
               <a:ext uri="{FF2B5EF4-FFF2-40B4-BE49-F238E27FC236}">
-                <a16:creationId xmlns:a16="http://schemas.microsoft.com/office/drawing/2014/main" xmlns="" id="{21452EC3-225C-F44D-AAB4-1E1E18C68732}"/>
+                <a16:creationId xmlns:a16="http://schemas.microsoft.com/office/drawing/2014/main" id="{21452EC3-225C-F44D-AAB4-1E1E18C68732}"/>
               </a:ext>
             </a:extLst>
           </p:cNvPr>
@@ -6045,7 +6049,7 @@
             <p:cNvPr id="19" name="Rectangle 18">
               <a:extLst>
                 <a:ext uri="{FF2B5EF4-FFF2-40B4-BE49-F238E27FC236}">
-                  <a16:creationId xmlns:a16="http://schemas.microsoft.com/office/drawing/2014/main" xmlns="" id="{5C69B1DA-96CD-D546-92E2-CF4C37A4CF4C}"/>
+                  <a16:creationId xmlns:a16="http://schemas.microsoft.com/office/drawing/2014/main" id="{5C69B1DA-96CD-D546-92E2-CF4C37A4CF4C}"/>
                 </a:ext>
               </a:extLst>
             </p:cNvPr>
@@ -6097,7 +6101,7 @@
             <p:cNvPr id="21" name="Rectangle 20">
               <a:extLst>
                 <a:ext uri="{FF2B5EF4-FFF2-40B4-BE49-F238E27FC236}">
-                  <a16:creationId xmlns:a16="http://schemas.microsoft.com/office/drawing/2014/main" xmlns="" id="{098FFFC6-37DE-D545-AEED-1570E2C2C25C}"/>
+                  <a16:creationId xmlns:a16="http://schemas.microsoft.com/office/drawing/2014/main" id="{098FFFC6-37DE-D545-AEED-1570E2C2C25C}"/>
                 </a:ext>
               </a:extLst>
             </p:cNvPr>
@@ -6141,7 +6145,7 @@
             <p:cNvPr id="22" name="Rectangle 21">
               <a:extLst>
                 <a:ext uri="{FF2B5EF4-FFF2-40B4-BE49-F238E27FC236}">
-                  <a16:creationId xmlns:a16="http://schemas.microsoft.com/office/drawing/2014/main" xmlns="" id="{DF2C9D2E-2CA3-C948-AA11-0E277960788F}"/>
+                  <a16:creationId xmlns:a16="http://schemas.microsoft.com/office/drawing/2014/main" id="{DF2C9D2E-2CA3-C948-AA11-0E277960788F}"/>
                 </a:ext>
               </a:extLst>
             </p:cNvPr>
@@ -6196,7 +6200,7 @@
           <p:cNvPr id="3" name="Picture 2">
             <a:extLst>
               <a:ext uri="{FF2B5EF4-FFF2-40B4-BE49-F238E27FC236}">
-                <a16:creationId xmlns:a16="http://schemas.microsoft.com/office/drawing/2014/main" xmlns="" id="{39938297-F981-6D47-A759-61E9FEA6C5F1}"/>
+                <a16:creationId xmlns:a16="http://schemas.microsoft.com/office/drawing/2014/main" id="{39938297-F981-6D47-A759-61E9FEA6C5F1}"/>
               </a:ext>
             </a:extLst>
           </p:cNvPr>
@@ -6226,7 +6230,7 @@
           <p:cNvPr id="9" name="Picture 8">
             <a:extLst>
               <a:ext uri="{FF2B5EF4-FFF2-40B4-BE49-F238E27FC236}">
-                <a16:creationId xmlns:a16="http://schemas.microsoft.com/office/drawing/2014/main" xmlns="" id="{3C310922-2BCE-6944-A025-8086A0802B68}"/>
+                <a16:creationId xmlns:a16="http://schemas.microsoft.com/office/drawing/2014/main" id="{3C310922-2BCE-6944-A025-8086A0802B68}"/>
               </a:ext>
             </a:extLst>
           </p:cNvPr>
@@ -6256,7 +6260,7 @@
           <p:cNvPr id="12" name="TextBox 11">
             <a:extLst>
               <a:ext uri="{FF2B5EF4-FFF2-40B4-BE49-F238E27FC236}">
-                <a16:creationId xmlns:a16="http://schemas.microsoft.com/office/drawing/2014/main" xmlns="" id="{A4C71ABC-256E-824D-97DA-684C0A3FF9CB}"/>
+                <a16:creationId xmlns:a16="http://schemas.microsoft.com/office/drawing/2014/main" id="{A4C71ABC-256E-824D-97DA-684C0A3FF9CB}"/>
               </a:ext>
             </a:extLst>
           </p:cNvPr>
@@ -6292,7 +6296,7 @@
           <p:cNvPr id="25" name="TextBox 24">
             <a:extLst>
               <a:ext uri="{FF2B5EF4-FFF2-40B4-BE49-F238E27FC236}">
-                <a16:creationId xmlns:a16="http://schemas.microsoft.com/office/drawing/2014/main" xmlns="" id="{C55775A8-5ABE-6548-9548-E1F77C874342}"/>
+                <a16:creationId xmlns:a16="http://schemas.microsoft.com/office/drawing/2014/main" id="{C55775A8-5ABE-6548-9548-E1F77C874342}"/>
               </a:ext>
             </a:extLst>
           </p:cNvPr>
@@ -6328,7 +6332,7 @@
           <p:cNvPr id="26" name="Straight Connector 25">
             <a:extLst>
               <a:ext uri="{FF2B5EF4-FFF2-40B4-BE49-F238E27FC236}">
-                <a16:creationId xmlns:a16="http://schemas.microsoft.com/office/drawing/2014/main" xmlns="" id="{E894BE6E-55D8-C142-94D3-68D25A40749E}"/>
+                <a16:creationId xmlns:a16="http://schemas.microsoft.com/office/drawing/2014/main" id="{E894BE6E-55D8-C142-94D3-68D25A40749E}"/>
               </a:ext>
             </a:extLst>
           </p:cNvPr>
@@ -6367,7 +6371,7 @@
           <p:cNvPr id="27" name="Picture 26">
             <a:extLst>
               <a:ext uri="{FF2B5EF4-FFF2-40B4-BE49-F238E27FC236}">
-                <a16:creationId xmlns:a16="http://schemas.microsoft.com/office/drawing/2014/main" xmlns="" id="{781E2FD1-428E-7D44-89C5-9093DEB40378}"/>
+                <a16:creationId xmlns:a16="http://schemas.microsoft.com/office/drawing/2014/main" id="{781E2FD1-428E-7D44-89C5-9093DEB40378}"/>
               </a:ext>
             </a:extLst>
           </p:cNvPr>
@@ -6417,7 +6421,7 @@
           <p:cNvPr id="28" name="Straight Connector 27">
             <a:extLst>
               <a:ext uri="{FF2B5EF4-FFF2-40B4-BE49-F238E27FC236}">
-                <a16:creationId xmlns:a16="http://schemas.microsoft.com/office/drawing/2014/main" xmlns="" id="{1533CF9E-F952-4B45-B664-4C3F0BFDDABA}"/>
+                <a16:creationId xmlns:a16="http://schemas.microsoft.com/office/drawing/2014/main" id="{1533CF9E-F952-4B45-B664-4C3F0BFDDABA}"/>
               </a:ext>
             </a:extLst>
           </p:cNvPr>
@@ -6456,7 +6460,7 @@
           <p:cNvPr id="29" name="Picture 28">
             <a:extLst>
               <a:ext uri="{FF2B5EF4-FFF2-40B4-BE49-F238E27FC236}">
-                <a16:creationId xmlns:a16="http://schemas.microsoft.com/office/drawing/2014/main" xmlns="" id="{449D74E8-170A-334B-839B-CB6AFEACA9A4}"/>
+                <a16:creationId xmlns:a16="http://schemas.microsoft.com/office/drawing/2014/main" id="{449D74E8-170A-334B-839B-CB6AFEACA9A4}"/>
               </a:ext>
             </a:extLst>
           </p:cNvPr>
@@ -6597,7 +6601,7 @@
           <p:cNvPr id="3" name="Group 2">
             <a:extLst>
               <a:ext uri="{FF2B5EF4-FFF2-40B4-BE49-F238E27FC236}">
-                <a16:creationId xmlns:a16="http://schemas.microsoft.com/office/drawing/2014/main" xmlns="" id="{C344F5E1-1428-FD49-870E-114B28C2735C}"/>
+                <a16:creationId xmlns:a16="http://schemas.microsoft.com/office/drawing/2014/main" id="{C344F5E1-1428-FD49-870E-114B28C2735C}"/>
               </a:ext>
             </a:extLst>
           </p:cNvPr>
@@ -6973,7 +6977,7 @@
           <p:cNvPr id="19" name="Straight Connector 18">
             <a:extLst>
               <a:ext uri="{FF2B5EF4-FFF2-40B4-BE49-F238E27FC236}">
-                <a16:creationId xmlns:a16="http://schemas.microsoft.com/office/drawing/2014/main" xmlns="" id="{697C1A87-98CF-CA4D-B441-8F7EE5D0F6F1}"/>
+                <a16:creationId xmlns:a16="http://schemas.microsoft.com/office/drawing/2014/main" id="{697C1A87-98CF-CA4D-B441-8F7EE5D0F6F1}"/>
               </a:ext>
             </a:extLst>
           </p:cNvPr>
@@ -7012,7 +7016,7 @@
           <p:cNvPr id="20" name="Picture 19">
             <a:extLst>
               <a:ext uri="{FF2B5EF4-FFF2-40B4-BE49-F238E27FC236}">
-                <a16:creationId xmlns:a16="http://schemas.microsoft.com/office/drawing/2014/main" xmlns="" id="{289CFEB4-3819-9341-8F14-99ADE99DE6D5}"/>
+                <a16:creationId xmlns:a16="http://schemas.microsoft.com/office/drawing/2014/main" id="{289CFEB4-3819-9341-8F14-99ADE99DE6D5}"/>
               </a:ext>
             </a:extLst>
           </p:cNvPr>
@@ -7190,7 +7194,7 @@
           <p:cNvPr id="15" name="Group 14">
             <a:extLst>
               <a:ext uri="{FF2B5EF4-FFF2-40B4-BE49-F238E27FC236}">
-                <a16:creationId xmlns:a16="http://schemas.microsoft.com/office/drawing/2014/main" xmlns="" id="{1A3B53ED-61BE-9C49-8A45-4A8C448DEB26}"/>
+                <a16:creationId xmlns:a16="http://schemas.microsoft.com/office/drawing/2014/main" id="{1A3B53ED-61BE-9C49-8A45-4A8C448DEB26}"/>
               </a:ext>
             </a:extLst>
           </p:cNvPr>
@@ -7210,7 +7214,7 @@
             <p:cNvPr id="17" name="Rectangle 16">
               <a:extLst>
                 <a:ext uri="{FF2B5EF4-FFF2-40B4-BE49-F238E27FC236}">
-                  <a16:creationId xmlns:a16="http://schemas.microsoft.com/office/drawing/2014/main" xmlns="" id="{24FC7DA2-4F30-7C4C-8158-507B442E1016}"/>
+                  <a16:creationId xmlns:a16="http://schemas.microsoft.com/office/drawing/2014/main" id="{24FC7DA2-4F30-7C4C-8158-507B442E1016}"/>
                 </a:ext>
               </a:extLst>
             </p:cNvPr>
@@ -7262,7 +7266,7 @@
             <p:cNvPr id="20" name="Rectangle 19">
               <a:extLst>
                 <a:ext uri="{FF2B5EF4-FFF2-40B4-BE49-F238E27FC236}">
-                  <a16:creationId xmlns:a16="http://schemas.microsoft.com/office/drawing/2014/main" xmlns="" id="{9CD7E27B-011E-A040-B844-F737257D8D1E}"/>
+                  <a16:creationId xmlns:a16="http://schemas.microsoft.com/office/drawing/2014/main" id="{9CD7E27B-011E-A040-B844-F737257D8D1E}"/>
                 </a:ext>
               </a:extLst>
             </p:cNvPr>
@@ -7306,7 +7310,7 @@
             <p:cNvPr id="21" name="Rectangle 20">
               <a:extLst>
                 <a:ext uri="{FF2B5EF4-FFF2-40B4-BE49-F238E27FC236}">
-                  <a16:creationId xmlns:a16="http://schemas.microsoft.com/office/drawing/2014/main" xmlns="" id="{857DCCFA-9949-C246-BB9C-60F45091E100}"/>
+                  <a16:creationId xmlns:a16="http://schemas.microsoft.com/office/drawing/2014/main" id="{857DCCFA-9949-C246-BB9C-60F45091E100}"/>
                 </a:ext>
               </a:extLst>
             </p:cNvPr>
@@ -7361,7 +7365,7 @@
           <p:cNvPr id="11" name="Straight Connector 10">
             <a:extLst>
               <a:ext uri="{FF2B5EF4-FFF2-40B4-BE49-F238E27FC236}">
-                <a16:creationId xmlns:a16="http://schemas.microsoft.com/office/drawing/2014/main" xmlns="" id="{A832D687-9E21-344F-A8D5-F37B804856B0}"/>
+                <a16:creationId xmlns:a16="http://schemas.microsoft.com/office/drawing/2014/main" id="{A832D687-9E21-344F-A8D5-F37B804856B0}"/>
               </a:ext>
             </a:extLst>
           </p:cNvPr>
@@ -7400,7 +7404,7 @@
           <p:cNvPr id="12" name="Picture 11">
             <a:extLst>
               <a:ext uri="{FF2B5EF4-FFF2-40B4-BE49-F238E27FC236}">
-                <a16:creationId xmlns:a16="http://schemas.microsoft.com/office/drawing/2014/main" xmlns="" id="{EE45724E-FA24-FB4B-B751-BA140E8A38A3}"/>
+                <a16:creationId xmlns:a16="http://schemas.microsoft.com/office/drawing/2014/main" id="{EE45724E-FA24-FB4B-B751-BA140E8A38A3}"/>
               </a:ext>
             </a:extLst>
           </p:cNvPr>
@@ -7450,7 +7454,7 @@
           <p:cNvPr id="4" name="TextBox 3">
             <a:extLst>
               <a:ext uri="{FF2B5EF4-FFF2-40B4-BE49-F238E27FC236}">
-                <a16:creationId xmlns:a16="http://schemas.microsoft.com/office/drawing/2014/main" xmlns="" id="{DA61081F-F749-3543-817F-871E3E71B9F8}"/>
+                <a16:creationId xmlns:a16="http://schemas.microsoft.com/office/drawing/2014/main" id="{DA61081F-F749-3543-817F-871E3E71B9F8}"/>
               </a:ext>
             </a:extLst>
           </p:cNvPr>
@@ -7569,7 +7573,7 @@
           <p:cNvPr id="6" name="Group 5">
             <a:extLst>
               <a:ext uri="{FF2B5EF4-FFF2-40B4-BE49-F238E27FC236}">
-                <a16:creationId xmlns:a16="http://schemas.microsoft.com/office/drawing/2014/main" xmlns="" id="{13A3785B-9FA9-384C-A3A8-1ACE88C8136D}"/>
+                <a16:creationId xmlns:a16="http://schemas.microsoft.com/office/drawing/2014/main" id="{13A3785B-9FA9-384C-A3A8-1ACE88C8136D}"/>
               </a:ext>
             </a:extLst>
           </p:cNvPr>
@@ -7589,7 +7593,7 @@
             <p:cNvPr id="4" name="Group 3">
               <a:extLst>
                 <a:ext uri="{FF2B5EF4-FFF2-40B4-BE49-F238E27FC236}">
-                  <a16:creationId xmlns:a16="http://schemas.microsoft.com/office/drawing/2014/main" xmlns="" id="{7650BA6B-0200-F247-936C-D92D157A90DB}"/>
+                  <a16:creationId xmlns:a16="http://schemas.microsoft.com/office/drawing/2014/main" id="{7650BA6B-0200-F247-936C-D92D157A90DB}"/>
                 </a:ext>
               </a:extLst>
             </p:cNvPr>
@@ -7726,7 +7730,7 @@
                   <p:cNvPr id="13" name="Picture 12">
                     <a:extLst>
                       <a:ext uri="{FF2B5EF4-FFF2-40B4-BE49-F238E27FC236}">
-                        <a16:creationId xmlns:a16="http://schemas.microsoft.com/office/drawing/2014/main" xmlns="" id="{285C9102-3522-3547-805E-9DA73DC64DDB}"/>
+                        <a16:creationId xmlns:a16="http://schemas.microsoft.com/office/drawing/2014/main" id="{285C9102-3522-3547-805E-9DA73DC64DDB}"/>
                       </a:ext>
                     </a:extLst>
                   </p:cNvPr>
@@ -7817,7 +7821,7 @@
             <p:cNvPr id="18" name="Rectangle 17">
               <a:extLst>
                 <a:ext uri="{FF2B5EF4-FFF2-40B4-BE49-F238E27FC236}">
-                  <a16:creationId xmlns:a16="http://schemas.microsoft.com/office/drawing/2014/main" xmlns="" id="{A7F5E3A5-EFD9-3741-ADD3-868CF91A1BE9}"/>
+                  <a16:creationId xmlns:a16="http://schemas.microsoft.com/office/drawing/2014/main" id="{A7F5E3A5-EFD9-3741-ADD3-868CF91A1BE9}"/>
                 </a:ext>
               </a:extLst>
             </p:cNvPr>
@@ -7872,7 +7876,7 @@
           <p:cNvPr id="15" name="Straight Connector 14">
             <a:extLst>
               <a:ext uri="{FF2B5EF4-FFF2-40B4-BE49-F238E27FC236}">
-                <a16:creationId xmlns:a16="http://schemas.microsoft.com/office/drawing/2014/main" xmlns="" id="{121BB70D-CD03-BB46-B902-33FB0ABEC8D4}"/>
+                <a16:creationId xmlns:a16="http://schemas.microsoft.com/office/drawing/2014/main" id="{121BB70D-CD03-BB46-B902-33FB0ABEC8D4}"/>
               </a:ext>
             </a:extLst>
           </p:cNvPr>
@@ -7911,7 +7915,7 @@
           <p:cNvPr id="19" name="Picture 18">
             <a:extLst>
               <a:ext uri="{FF2B5EF4-FFF2-40B4-BE49-F238E27FC236}">
-                <a16:creationId xmlns:a16="http://schemas.microsoft.com/office/drawing/2014/main" xmlns="" id="{4907BAC3-60FC-D84C-92DE-592B8366B8C4}"/>
+                <a16:creationId xmlns:a16="http://schemas.microsoft.com/office/drawing/2014/main" id="{4907BAC3-60FC-D84C-92DE-592B8366B8C4}"/>
               </a:ext>
             </a:extLst>
           </p:cNvPr>
@@ -8045,7 +8049,7 @@
           <p:cNvPr id="12" name="Group 11">
             <a:extLst>
               <a:ext uri="{FF2B5EF4-FFF2-40B4-BE49-F238E27FC236}">
-                <a16:creationId xmlns:a16="http://schemas.microsoft.com/office/drawing/2014/main" xmlns="" id="{EE47BFAA-42DB-BC45-9A0F-8E697498F0FE}"/>
+                <a16:creationId xmlns:a16="http://schemas.microsoft.com/office/drawing/2014/main" id="{EE47BFAA-42DB-BC45-9A0F-8E697498F0FE}"/>
               </a:ext>
             </a:extLst>
           </p:cNvPr>
@@ -8065,7 +8069,7 @@
             <p:cNvPr id="13" name="Rectangle 12">
               <a:extLst>
                 <a:ext uri="{FF2B5EF4-FFF2-40B4-BE49-F238E27FC236}">
-                  <a16:creationId xmlns:a16="http://schemas.microsoft.com/office/drawing/2014/main" xmlns="" id="{09B3025D-BFFA-2447-BB21-D3ABDE638701}"/>
+                  <a16:creationId xmlns:a16="http://schemas.microsoft.com/office/drawing/2014/main" id="{09B3025D-BFFA-2447-BB21-D3ABDE638701}"/>
                 </a:ext>
               </a:extLst>
             </p:cNvPr>
@@ -8117,7 +8121,7 @@
             <p:cNvPr id="14" name="Rectangle 13">
               <a:extLst>
                 <a:ext uri="{FF2B5EF4-FFF2-40B4-BE49-F238E27FC236}">
-                  <a16:creationId xmlns:a16="http://schemas.microsoft.com/office/drawing/2014/main" xmlns="" id="{A33761B8-DE8E-8D4F-8190-F6CA90409F21}"/>
+                  <a16:creationId xmlns:a16="http://schemas.microsoft.com/office/drawing/2014/main" id="{A33761B8-DE8E-8D4F-8190-F6CA90409F21}"/>
                 </a:ext>
               </a:extLst>
             </p:cNvPr>
@@ -8161,7 +8165,7 @@
             <p:cNvPr id="15" name="Rectangle 14">
               <a:extLst>
                 <a:ext uri="{FF2B5EF4-FFF2-40B4-BE49-F238E27FC236}">
-                  <a16:creationId xmlns:a16="http://schemas.microsoft.com/office/drawing/2014/main" xmlns="" id="{936E4F3F-1DD1-644B-8C6B-3C6A26F08B6C}"/>
+                  <a16:creationId xmlns:a16="http://schemas.microsoft.com/office/drawing/2014/main" id="{936E4F3F-1DD1-644B-8C6B-3C6A26F08B6C}"/>
                 </a:ext>
               </a:extLst>
             </p:cNvPr>
@@ -8216,7 +8220,7 @@
           <p:cNvPr id="17" name="Straight Connector 16">
             <a:extLst>
               <a:ext uri="{FF2B5EF4-FFF2-40B4-BE49-F238E27FC236}">
-                <a16:creationId xmlns:a16="http://schemas.microsoft.com/office/drawing/2014/main" xmlns="" id="{90FB6F54-06E2-2049-97ED-423B79138DA0}"/>
+                <a16:creationId xmlns:a16="http://schemas.microsoft.com/office/drawing/2014/main" id="{90FB6F54-06E2-2049-97ED-423B79138DA0}"/>
               </a:ext>
             </a:extLst>
           </p:cNvPr>
@@ -8255,7 +8259,7 @@
           <p:cNvPr id="22" name="Picture 21">
             <a:extLst>
               <a:ext uri="{FF2B5EF4-FFF2-40B4-BE49-F238E27FC236}">
-                <a16:creationId xmlns:a16="http://schemas.microsoft.com/office/drawing/2014/main" xmlns="" id="{E8E3CA6A-B502-D34C-BEFE-0C0A667CA43A}"/>
+                <a16:creationId xmlns:a16="http://schemas.microsoft.com/office/drawing/2014/main" id="{E8E3CA6A-B502-D34C-BEFE-0C0A667CA43A}"/>
               </a:ext>
             </a:extLst>
           </p:cNvPr>
@@ -8305,7 +8309,7 @@
           <p:cNvPr id="23" name="TextBox 22">
             <a:extLst>
               <a:ext uri="{FF2B5EF4-FFF2-40B4-BE49-F238E27FC236}">
-                <a16:creationId xmlns:a16="http://schemas.microsoft.com/office/drawing/2014/main" xmlns="" id="{B186E2B0-17E0-1549-B0F1-53E30C5FED02}"/>
+                <a16:creationId xmlns:a16="http://schemas.microsoft.com/office/drawing/2014/main" id="{B186E2B0-17E0-1549-B0F1-53E30C5FED02}"/>
               </a:ext>
             </a:extLst>
           </p:cNvPr>
@@ -8910,7 +8914,7 @@
           <p:cNvPr id="9" name="TextBox 8">
             <a:extLst>
               <a:ext uri="{FF2B5EF4-FFF2-40B4-BE49-F238E27FC236}">
-                <a16:creationId xmlns:a16="http://schemas.microsoft.com/office/drawing/2014/main" xmlns="" id="{A076F46F-719D-934F-8E02-ED0EA600A027}"/>
+                <a16:creationId xmlns:a16="http://schemas.microsoft.com/office/drawing/2014/main" id="{A076F46F-719D-934F-8E02-ED0EA600A027}"/>
               </a:ext>
             </a:extLst>
           </p:cNvPr>
@@ -8976,7 +8980,7 @@
           <p:cNvPr id="11" name="TextBox 10">
             <a:extLst>
               <a:ext uri="{FF2B5EF4-FFF2-40B4-BE49-F238E27FC236}">
-                <a16:creationId xmlns:a16="http://schemas.microsoft.com/office/drawing/2014/main" xmlns="" id="{B54E4A4D-5DBA-9E4C-B79E-8F251835DAC8}"/>
+                <a16:creationId xmlns:a16="http://schemas.microsoft.com/office/drawing/2014/main" id="{B54E4A4D-5DBA-9E4C-B79E-8F251835DAC8}"/>
               </a:ext>
             </a:extLst>
           </p:cNvPr>
@@ -8986,7 +8990,7 @@
         <p:spPr>
           <a:xfrm>
             <a:off x="959618" y="979468"/>
-            <a:ext cx="10378486" cy="5447645"/>
+            <a:ext cx="10378486" cy="5016758"/>
           </a:xfrm>
           <a:prstGeom prst="rect">
             <a:avLst/>
@@ -9040,7 +9044,7 @@
             </a:pPr>
             <a:r>
               <a:rPr lang="en-US" sz="2800" dirty="0"/>
-              <a:t>You can either find a coda can or coda bottle (1 pt. or 3 pt.), which is randomly decided (50 – 50 chance) and unpredictable. </a:t>
+              <a:t>You can either find a soda can or soda bottle (1 pt. or 3 pt.).</a:t>
             </a:r>
           </a:p>
           <a:p>
@@ -9072,7 +9076,7 @@
           <p:cNvPr id="4" name="TextBox 3">
             <a:extLst>
               <a:ext uri="{FF2B5EF4-FFF2-40B4-BE49-F238E27FC236}">
-                <a16:creationId xmlns:a16="http://schemas.microsoft.com/office/drawing/2014/main" xmlns="" id="{B39B56B0-6D9B-2148-8092-864D313EA084}"/>
+                <a16:creationId xmlns:a16="http://schemas.microsoft.com/office/drawing/2014/main" id="{B39B56B0-6D9B-2148-8092-864D313EA084}"/>
               </a:ext>
             </a:extLst>
           </p:cNvPr>
@@ -9138,7 +9142,7 @@
           <p:cNvPr id="2" name="Title 1">
             <a:extLst>
               <a:ext uri="{FF2B5EF4-FFF2-40B4-BE49-F238E27FC236}">
-                <a16:creationId xmlns:a16="http://schemas.microsoft.com/office/drawing/2014/main" xmlns="" id="{F97D1597-5DF4-A641-BC44-E339FB483E86}"/>
+                <a16:creationId xmlns:a16="http://schemas.microsoft.com/office/drawing/2014/main" id="{F97D1597-5DF4-A641-BC44-E339FB483E86}"/>
               </a:ext>
             </a:extLst>
           </p:cNvPr>
@@ -9166,7 +9170,7 @@
           <p:cNvPr id="3" name="TextBox 2">
             <a:extLst>
               <a:ext uri="{FF2B5EF4-FFF2-40B4-BE49-F238E27FC236}">
-                <a16:creationId xmlns:a16="http://schemas.microsoft.com/office/drawing/2014/main" xmlns="" id="{807C1E46-9399-3049-838C-4DA65A514E76}"/>
+                <a16:creationId xmlns:a16="http://schemas.microsoft.com/office/drawing/2014/main" id="{807C1E46-9399-3049-838C-4DA65A514E76}"/>
               </a:ext>
             </a:extLst>
           </p:cNvPr>
@@ -9176,7 +9180,7 @@
         <p:spPr>
           <a:xfrm>
             <a:off x="1070517" y="1516566"/>
-            <a:ext cx="8943278" cy="3970318"/>
+            <a:ext cx="8943278" cy="1815882"/>
           </a:xfrm>
           <a:prstGeom prst="rect">
             <a:avLst/>
@@ -9217,33 +9221,6 @@
               <a:rPr lang="en-US" sz="2800" dirty="0"/>
               <a:t> </a:t>
             </a:r>
-          </a:p>
-          <a:p>
-            <a:r>
-              <a:rPr lang="en-US" sz="2800" dirty="0"/>
-              <a:t>2.Does the payment for recycling a trashcan depend on the amount of trash in it?</a:t>
-            </a:r>
-          </a:p>
-          <a:p>
-            <a:pPr marL="514350" indent="-514350">
-              <a:buAutoNum type="alphaUcPeriod"/>
-            </a:pPr>
-            <a:r>
-              <a:rPr lang="en-US" sz="2800" dirty="0"/>
-              <a:t>Yes</a:t>
-            </a:r>
-          </a:p>
-          <a:p>
-            <a:pPr marL="514350" indent="-514350">
-              <a:buAutoNum type="alphaUcPeriod"/>
-            </a:pPr>
-            <a:r>
-              <a:rPr lang="en-US" sz="2800" dirty="0"/>
-              <a:t>No</a:t>
-            </a:r>
-          </a:p>
-          <a:p>
-            <a:endParaRPr lang="en-US" sz="2800" dirty="0"/>
           </a:p>
         </p:txBody>
       </p:sp>
@@ -9282,7 +9259,7 @@
           <p:cNvPr id="2" name="TextBox 1">
             <a:extLst>
               <a:ext uri="{FF2B5EF4-FFF2-40B4-BE49-F238E27FC236}">
-                <a16:creationId xmlns:a16="http://schemas.microsoft.com/office/drawing/2014/main" xmlns="" id="{9E06337A-1EF2-1D47-8A30-46833909EF89}"/>
+                <a16:creationId xmlns:a16="http://schemas.microsoft.com/office/drawing/2014/main" id="{9E06337A-1EF2-1D47-8A30-46833909EF89}"/>
               </a:ext>
             </a:extLst>
           </p:cNvPr>
@@ -9370,7 +9347,7 @@
           <p:cNvPr id="2" name="Title 1">
             <a:extLst>
               <a:ext uri="{FF2B5EF4-FFF2-40B4-BE49-F238E27FC236}">
-                <a16:creationId xmlns:a16="http://schemas.microsoft.com/office/drawing/2014/main" xmlns="" id="{59C55C8B-1E26-B846-B511-25FF552C5E92}"/>
+                <a16:creationId xmlns:a16="http://schemas.microsoft.com/office/drawing/2014/main" id="{59C55C8B-1E26-B846-B511-25FF552C5E92}"/>
               </a:ext>
             </a:extLst>
           </p:cNvPr>
@@ -9398,7 +9375,7 @@
           <p:cNvPr id="3" name="TextBox 2">
             <a:extLst>
               <a:ext uri="{FF2B5EF4-FFF2-40B4-BE49-F238E27FC236}">
-                <a16:creationId xmlns:a16="http://schemas.microsoft.com/office/drawing/2014/main" xmlns="" id="{B3DB914E-9B6B-0F4F-B99D-03CBB15A5197}"/>
+                <a16:creationId xmlns:a16="http://schemas.microsoft.com/office/drawing/2014/main" id="{B3DB914E-9B6B-0F4F-B99D-03CBB15A5197}"/>
               </a:ext>
             </a:extLst>
           </p:cNvPr>
@@ -9472,7 +9449,7 @@
           <p:cNvPr id="2" name="TextBox 1">
             <a:extLst>
               <a:ext uri="{FF2B5EF4-FFF2-40B4-BE49-F238E27FC236}">
-                <a16:creationId xmlns:a16="http://schemas.microsoft.com/office/drawing/2014/main" xmlns="" id="{43396881-96C8-554A-B5E8-FF250F813023}"/>
+                <a16:creationId xmlns:a16="http://schemas.microsoft.com/office/drawing/2014/main" id="{43396881-96C8-554A-B5E8-FF250F813023}"/>
               </a:ext>
             </a:extLst>
           </p:cNvPr>
@@ -9482,7 +9459,7 @@
         <p:spPr>
           <a:xfrm>
             <a:off x="627529" y="555812"/>
-            <a:ext cx="9932895" cy="2677656"/>
+            <a:ext cx="9932895" cy="3539430"/>
           </a:xfrm>
           <a:prstGeom prst="rect">
             <a:avLst/>
@@ -9511,6 +9488,12 @@
           </a:p>
           <a:p>
             <a:endParaRPr lang="en-US" sz="2800" dirty="0"/>
+          </a:p>
+          <a:p>
+            <a:r>
+              <a:rPr lang="en-US" sz="2800" dirty="0"/>
+              <a:t>In different campuses, the amount of trash in the trashcan differ. Consequently, the recycling time is different across blocks. </a:t>
+            </a:r>
           </a:p>
           <a:p>
             <a:endParaRPr lang="en-US" sz="2800" dirty="0"/>
@@ -9552,7 +9535,7 @@
           <p:cNvPr id="2" name="TextBox 1">
             <a:extLst>
               <a:ext uri="{FF2B5EF4-FFF2-40B4-BE49-F238E27FC236}">
-                <a16:creationId xmlns:a16="http://schemas.microsoft.com/office/drawing/2014/main" xmlns="" id="{43396881-96C8-554A-B5E8-FF250F813023}"/>
+                <a16:creationId xmlns:a16="http://schemas.microsoft.com/office/drawing/2014/main" id="{43396881-96C8-554A-B5E8-FF250F813023}"/>
               </a:ext>
             </a:extLst>
           </p:cNvPr>
@@ -9587,7 +9570,7 @@
           <p:cNvPr id="27" name="Group 26">
             <a:extLst>
               <a:ext uri="{FF2B5EF4-FFF2-40B4-BE49-F238E27FC236}">
-                <a16:creationId xmlns:a16="http://schemas.microsoft.com/office/drawing/2014/main" xmlns="" id="{448ED054-19D1-C14B-85EE-960E5148F4EE}"/>
+                <a16:creationId xmlns:a16="http://schemas.microsoft.com/office/drawing/2014/main" id="{448ED054-19D1-C14B-85EE-960E5148F4EE}"/>
               </a:ext>
             </a:extLst>
           </p:cNvPr>
@@ -9607,7 +9590,7 @@
             <p:cNvPr id="28" name="Group 27">
               <a:extLst>
                 <a:ext uri="{FF2B5EF4-FFF2-40B4-BE49-F238E27FC236}">
-                  <a16:creationId xmlns:a16="http://schemas.microsoft.com/office/drawing/2014/main" xmlns="" id="{230CCBDC-BDD4-DA40-84F4-95BFB74B332D}"/>
+                  <a16:creationId xmlns:a16="http://schemas.microsoft.com/office/drawing/2014/main" id="{230CCBDC-BDD4-DA40-84F4-95BFB74B332D}"/>
                 </a:ext>
               </a:extLst>
             </p:cNvPr>
@@ -9627,7 +9610,7 @@
               <p:cNvPr id="32" name="Rectangle 31">
                 <a:extLst>
                   <a:ext uri="{FF2B5EF4-FFF2-40B4-BE49-F238E27FC236}">
-                    <a16:creationId xmlns:a16="http://schemas.microsoft.com/office/drawing/2014/main" xmlns="" id="{AA324A52-815C-2B46-8645-92DED6C45314}"/>
+                    <a16:creationId xmlns:a16="http://schemas.microsoft.com/office/drawing/2014/main" id="{AA324A52-815C-2B46-8645-92DED6C45314}"/>
                   </a:ext>
                 </a:extLst>
               </p:cNvPr>
@@ -9690,7 +9673,7 @@
               <p:cNvPr id="33" name="Group 32">
                 <a:extLst>
                   <a:ext uri="{FF2B5EF4-FFF2-40B4-BE49-F238E27FC236}">
-                    <a16:creationId xmlns:a16="http://schemas.microsoft.com/office/drawing/2014/main" xmlns="" id="{C9D3870C-A1B7-1642-AD54-9FFCCDDEDE42}"/>
+                    <a16:creationId xmlns:a16="http://schemas.microsoft.com/office/drawing/2014/main" id="{C9D3870C-A1B7-1642-AD54-9FFCCDDEDE42}"/>
                   </a:ext>
                 </a:extLst>
               </p:cNvPr>
@@ -9710,7 +9693,7 @@
                 <p:cNvPr id="34" name="Group 33">
                   <a:extLst>
                     <a:ext uri="{FF2B5EF4-FFF2-40B4-BE49-F238E27FC236}">
-                      <a16:creationId xmlns:a16="http://schemas.microsoft.com/office/drawing/2014/main" xmlns="" id="{652C0698-0654-5647-8172-8C21CA618D89}"/>
+                      <a16:creationId xmlns:a16="http://schemas.microsoft.com/office/drawing/2014/main" id="{652C0698-0654-5647-8172-8C21CA618D89}"/>
                     </a:ext>
                   </a:extLst>
                 </p:cNvPr>
@@ -9730,7 +9713,7 @@
                   <p:cNvPr id="36" name="Rectangle 35">
                     <a:extLst>
                       <a:ext uri="{FF2B5EF4-FFF2-40B4-BE49-F238E27FC236}">
-                        <a16:creationId xmlns:a16="http://schemas.microsoft.com/office/drawing/2014/main" xmlns="" id="{C9F88596-CD19-FA45-B04E-85D3B299A4A4}"/>
+                        <a16:creationId xmlns:a16="http://schemas.microsoft.com/office/drawing/2014/main" id="{C9F88596-CD19-FA45-B04E-85D3B299A4A4}"/>
                       </a:ext>
                     </a:extLst>
                   </p:cNvPr>
@@ -9779,7 +9762,7 @@
                   <p:cNvPr id="37" name="Rectangle 36">
                     <a:extLst>
                       <a:ext uri="{FF2B5EF4-FFF2-40B4-BE49-F238E27FC236}">
-                        <a16:creationId xmlns:a16="http://schemas.microsoft.com/office/drawing/2014/main" xmlns="" id="{E22DA420-C72C-3645-9AEA-B881AECD5AF3}"/>
+                        <a16:creationId xmlns:a16="http://schemas.microsoft.com/office/drawing/2014/main" id="{E22DA420-C72C-3645-9AEA-B881AECD5AF3}"/>
                       </a:ext>
                     </a:extLst>
                   </p:cNvPr>
@@ -9834,7 +9817,7 @@
                 <p:cNvPr id="35" name="Picture 34">
                   <a:extLst>
                     <a:ext uri="{FF2B5EF4-FFF2-40B4-BE49-F238E27FC236}">
-                      <a16:creationId xmlns:a16="http://schemas.microsoft.com/office/drawing/2014/main" xmlns="" id="{33D76B92-88DD-6E40-B807-00AE04546D14}"/>
+                      <a16:creationId xmlns:a16="http://schemas.microsoft.com/office/drawing/2014/main" id="{33D76B92-88DD-6E40-B807-00AE04546D14}"/>
                     </a:ext>
                   </a:extLst>
                 </p:cNvPr>
@@ -9886,7 +9869,7 @@
             <p:cNvPr id="29" name="Group 28">
               <a:extLst>
                 <a:ext uri="{FF2B5EF4-FFF2-40B4-BE49-F238E27FC236}">
-                  <a16:creationId xmlns:a16="http://schemas.microsoft.com/office/drawing/2014/main" xmlns="" id="{BDC96595-C6F2-7342-BE12-F98F44F561E8}"/>
+                  <a16:creationId xmlns:a16="http://schemas.microsoft.com/office/drawing/2014/main" id="{BDC96595-C6F2-7342-BE12-F98F44F561E8}"/>
                 </a:ext>
               </a:extLst>
             </p:cNvPr>
@@ -9906,7 +9889,7 @@
               <p:cNvPr id="30" name="Rectangle 29">
                 <a:extLst>
                   <a:ext uri="{FF2B5EF4-FFF2-40B4-BE49-F238E27FC236}">
-                    <a16:creationId xmlns:a16="http://schemas.microsoft.com/office/drawing/2014/main" xmlns="" id="{54342F9A-C34C-714D-B87A-68E51DA2F42E}"/>
+                    <a16:creationId xmlns:a16="http://schemas.microsoft.com/office/drawing/2014/main" id="{54342F9A-C34C-714D-B87A-68E51DA2F42E}"/>
                   </a:ext>
                 </a:extLst>
               </p:cNvPr>
@@ -9950,7 +9933,7 @@
               <p:cNvPr id="31" name="Rectangle 30">
                 <a:extLst>
                   <a:ext uri="{FF2B5EF4-FFF2-40B4-BE49-F238E27FC236}">
-                    <a16:creationId xmlns:a16="http://schemas.microsoft.com/office/drawing/2014/main" xmlns="" id="{C837E596-FE00-E844-B34A-C021523A8922}"/>
+                    <a16:creationId xmlns:a16="http://schemas.microsoft.com/office/drawing/2014/main" id="{C837E596-FE00-E844-B34A-C021523A8922}"/>
                   </a:ext>
                 </a:extLst>
               </p:cNvPr>
@@ -10006,7 +9989,7 @@
           <p:cNvPr id="38" name="Group 37">
             <a:extLst>
               <a:ext uri="{FF2B5EF4-FFF2-40B4-BE49-F238E27FC236}">
-                <a16:creationId xmlns:a16="http://schemas.microsoft.com/office/drawing/2014/main" xmlns="" id="{22C42ABB-345C-7046-B7F4-AC8337E4A443}"/>
+                <a16:creationId xmlns:a16="http://schemas.microsoft.com/office/drawing/2014/main" id="{22C42ABB-345C-7046-B7F4-AC8337E4A443}"/>
               </a:ext>
             </a:extLst>
           </p:cNvPr>
@@ -10026,7 +10009,7 @@
             <p:cNvPr id="39" name="Group 38">
               <a:extLst>
                 <a:ext uri="{FF2B5EF4-FFF2-40B4-BE49-F238E27FC236}">
-                  <a16:creationId xmlns:a16="http://schemas.microsoft.com/office/drawing/2014/main" xmlns="" id="{8C4422E5-F8BB-9243-BCAD-7016A12275C4}"/>
+                  <a16:creationId xmlns:a16="http://schemas.microsoft.com/office/drawing/2014/main" id="{8C4422E5-F8BB-9243-BCAD-7016A12275C4}"/>
                 </a:ext>
               </a:extLst>
             </p:cNvPr>
@@ -10046,7 +10029,7 @@
               <p:cNvPr id="43" name="Rectangle 42">
                 <a:extLst>
                   <a:ext uri="{FF2B5EF4-FFF2-40B4-BE49-F238E27FC236}">
-                    <a16:creationId xmlns:a16="http://schemas.microsoft.com/office/drawing/2014/main" xmlns="" id="{A1A50BBE-03C4-6543-A400-EDBCA0C7D167}"/>
+                    <a16:creationId xmlns:a16="http://schemas.microsoft.com/office/drawing/2014/main" id="{A1A50BBE-03C4-6543-A400-EDBCA0C7D167}"/>
                   </a:ext>
                 </a:extLst>
               </p:cNvPr>
@@ -10108,7 +10091,7 @@
               <p:cNvPr id="44" name="Group 43">
                 <a:extLst>
                   <a:ext uri="{FF2B5EF4-FFF2-40B4-BE49-F238E27FC236}">
-                    <a16:creationId xmlns:a16="http://schemas.microsoft.com/office/drawing/2014/main" xmlns="" id="{7A149F71-7C5D-A847-B4D3-7D9B709ED895}"/>
+                    <a16:creationId xmlns:a16="http://schemas.microsoft.com/office/drawing/2014/main" id="{7A149F71-7C5D-A847-B4D3-7D9B709ED895}"/>
                   </a:ext>
                 </a:extLst>
               </p:cNvPr>
@@ -10128,7 +10111,7 @@
                 <p:cNvPr id="45" name="Group 44">
                   <a:extLst>
                     <a:ext uri="{FF2B5EF4-FFF2-40B4-BE49-F238E27FC236}">
-                      <a16:creationId xmlns:a16="http://schemas.microsoft.com/office/drawing/2014/main" xmlns="" id="{3B45698F-348A-2D45-B6EC-11EC99AAD481}"/>
+                      <a16:creationId xmlns:a16="http://schemas.microsoft.com/office/drawing/2014/main" id="{3B45698F-348A-2D45-B6EC-11EC99AAD481}"/>
                     </a:ext>
                   </a:extLst>
                 </p:cNvPr>
@@ -10148,7 +10131,7 @@
                   <p:cNvPr id="47" name="Rectangle 46">
                     <a:extLst>
                       <a:ext uri="{FF2B5EF4-FFF2-40B4-BE49-F238E27FC236}">
-                        <a16:creationId xmlns:a16="http://schemas.microsoft.com/office/drawing/2014/main" xmlns="" id="{E27BC8FC-8C9E-9547-B2C1-65049F0AAFEF}"/>
+                        <a16:creationId xmlns:a16="http://schemas.microsoft.com/office/drawing/2014/main" id="{E27BC8FC-8C9E-9547-B2C1-65049F0AAFEF}"/>
                       </a:ext>
                     </a:extLst>
                   </p:cNvPr>
@@ -10197,7 +10180,7 @@
                   <p:cNvPr id="48" name="Rectangle 47">
                     <a:extLst>
                       <a:ext uri="{FF2B5EF4-FFF2-40B4-BE49-F238E27FC236}">
-                        <a16:creationId xmlns:a16="http://schemas.microsoft.com/office/drawing/2014/main" xmlns="" id="{A511C743-7070-134E-B8B3-E5F7ED6AF9FF}"/>
+                        <a16:creationId xmlns:a16="http://schemas.microsoft.com/office/drawing/2014/main" id="{A511C743-7070-134E-B8B3-E5F7ED6AF9FF}"/>
                       </a:ext>
                     </a:extLst>
                   </p:cNvPr>
@@ -10252,7 +10235,7 @@
                 <p:cNvPr id="46" name="Picture 45">
                   <a:extLst>
                     <a:ext uri="{FF2B5EF4-FFF2-40B4-BE49-F238E27FC236}">
-                      <a16:creationId xmlns:a16="http://schemas.microsoft.com/office/drawing/2014/main" xmlns="" id="{38265A14-462B-0440-9DC7-C0849143AE6A}"/>
+                      <a16:creationId xmlns:a16="http://schemas.microsoft.com/office/drawing/2014/main" id="{38265A14-462B-0440-9DC7-C0849143AE6A}"/>
                     </a:ext>
                   </a:extLst>
                 </p:cNvPr>
@@ -10304,7 +10287,7 @@
             <p:cNvPr id="40" name="Group 39">
               <a:extLst>
                 <a:ext uri="{FF2B5EF4-FFF2-40B4-BE49-F238E27FC236}">
-                  <a16:creationId xmlns:a16="http://schemas.microsoft.com/office/drawing/2014/main" xmlns="" id="{DBDD27CB-0FC4-9A4E-826E-F55BA88CBBF2}"/>
+                  <a16:creationId xmlns:a16="http://schemas.microsoft.com/office/drawing/2014/main" id="{DBDD27CB-0FC4-9A4E-826E-F55BA88CBBF2}"/>
                 </a:ext>
               </a:extLst>
             </p:cNvPr>
@@ -10324,7 +10307,7 @@
               <p:cNvPr id="41" name="Rectangle 40">
                 <a:extLst>
                   <a:ext uri="{FF2B5EF4-FFF2-40B4-BE49-F238E27FC236}">
-                    <a16:creationId xmlns:a16="http://schemas.microsoft.com/office/drawing/2014/main" xmlns="" id="{D2306690-F18E-7B4B-ADE2-31CD9E5718B7}"/>
+                    <a16:creationId xmlns:a16="http://schemas.microsoft.com/office/drawing/2014/main" id="{D2306690-F18E-7B4B-ADE2-31CD9E5718B7}"/>
                   </a:ext>
                 </a:extLst>
               </p:cNvPr>
@@ -10368,7 +10351,7 @@
               <p:cNvPr id="42" name="Rectangle 41">
                 <a:extLst>
                   <a:ext uri="{FF2B5EF4-FFF2-40B4-BE49-F238E27FC236}">
-                    <a16:creationId xmlns:a16="http://schemas.microsoft.com/office/drawing/2014/main" xmlns="" id="{228408A7-5FC8-1E45-9169-1C92CFBCF0AA}"/>
+                    <a16:creationId xmlns:a16="http://schemas.microsoft.com/office/drawing/2014/main" id="{228408A7-5FC8-1E45-9169-1C92CFBCF0AA}"/>
                   </a:ext>
                 </a:extLst>
               </p:cNvPr>
@@ -10424,7 +10407,7 @@
           <p:cNvPr id="49" name="TextBox 48">
             <a:extLst>
               <a:ext uri="{FF2B5EF4-FFF2-40B4-BE49-F238E27FC236}">
-                <a16:creationId xmlns:a16="http://schemas.microsoft.com/office/drawing/2014/main" xmlns="" id="{F5D45B35-9E90-1E4D-A0F7-C5B6EFE5DF36}"/>
+                <a16:creationId xmlns:a16="http://schemas.microsoft.com/office/drawing/2014/main" id="{F5D45B35-9E90-1E4D-A0F7-C5B6EFE5DF36}"/>
               </a:ext>
             </a:extLst>
           </p:cNvPr>
@@ -10459,7 +10442,7 @@
           <p:cNvPr id="50" name="TextBox 49">
             <a:extLst>
               <a:ext uri="{FF2B5EF4-FFF2-40B4-BE49-F238E27FC236}">
-                <a16:creationId xmlns:a16="http://schemas.microsoft.com/office/drawing/2014/main" xmlns="" id="{4EE1AB23-E478-824B-B910-79B97370DC69}"/>
+                <a16:creationId xmlns:a16="http://schemas.microsoft.com/office/drawing/2014/main" id="{4EE1AB23-E478-824B-B910-79B97370DC69}"/>
               </a:ext>
             </a:extLst>
           </p:cNvPr>
@@ -10494,7 +10477,7 @@
           <p:cNvPr id="51" name="TextBox 50">
             <a:extLst>
               <a:ext uri="{FF2B5EF4-FFF2-40B4-BE49-F238E27FC236}">
-                <a16:creationId xmlns:a16="http://schemas.microsoft.com/office/drawing/2014/main" xmlns="" id="{70778EB6-48E4-7744-9B6F-E23073E9D7B4}"/>
+                <a16:creationId xmlns:a16="http://schemas.microsoft.com/office/drawing/2014/main" id="{70778EB6-48E4-7744-9B6F-E23073E9D7B4}"/>
               </a:ext>
             </a:extLst>
           </p:cNvPr>
@@ -10543,7 +10526,7 @@
           <p:cNvPr id="52" name="TextBox 51">
             <a:extLst>
               <a:ext uri="{FF2B5EF4-FFF2-40B4-BE49-F238E27FC236}">
-                <a16:creationId xmlns:a16="http://schemas.microsoft.com/office/drawing/2014/main" xmlns="" id="{2A4225FF-A4FE-6A45-B86A-DD9CF5BAF5FC}"/>
+                <a16:creationId xmlns:a16="http://schemas.microsoft.com/office/drawing/2014/main" id="{2A4225FF-A4FE-6A45-B86A-DD9CF5BAF5FC}"/>
               </a:ext>
             </a:extLst>
           </p:cNvPr>
@@ -10592,7 +10575,7 @@
           <p:cNvPr id="55" name="Straight Connector 54">
             <a:extLst>
               <a:ext uri="{FF2B5EF4-FFF2-40B4-BE49-F238E27FC236}">
-                <a16:creationId xmlns:a16="http://schemas.microsoft.com/office/drawing/2014/main" xmlns="" id="{4241DCB0-9C66-1347-B156-49AC2112ADF7}"/>
+                <a16:creationId xmlns:a16="http://schemas.microsoft.com/office/drawing/2014/main" id="{4241DCB0-9C66-1347-B156-49AC2112ADF7}"/>
               </a:ext>
             </a:extLst>
           </p:cNvPr>
@@ -10631,7 +10614,7 @@
           <p:cNvPr id="56" name="Picture 55">
             <a:extLst>
               <a:ext uri="{FF2B5EF4-FFF2-40B4-BE49-F238E27FC236}">
-                <a16:creationId xmlns:a16="http://schemas.microsoft.com/office/drawing/2014/main" xmlns="" id="{4B7711D1-97E8-314C-AB62-10122600F372}"/>
+                <a16:creationId xmlns:a16="http://schemas.microsoft.com/office/drawing/2014/main" id="{4B7711D1-97E8-314C-AB62-10122600F372}"/>
               </a:ext>
             </a:extLst>
           </p:cNvPr>
@@ -10681,7 +10664,7 @@
           <p:cNvPr id="57" name="Straight Connector 56">
             <a:extLst>
               <a:ext uri="{FF2B5EF4-FFF2-40B4-BE49-F238E27FC236}">
-                <a16:creationId xmlns:a16="http://schemas.microsoft.com/office/drawing/2014/main" xmlns="" id="{1B0786A4-49F8-FA44-951D-C167F2EC6C0A}"/>
+                <a16:creationId xmlns:a16="http://schemas.microsoft.com/office/drawing/2014/main" id="{1B0786A4-49F8-FA44-951D-C167F2EC6C0A}"/>
               </a:ext>
             </a:extLst>
           </p:cNvPr>
@@ -10720,7 +10703,7 @@
           <p:cNvPr id="58" name="Picture 57">
             <a:extLst>
               <a:ext uri="{FF2B5EF4-FFF2-40B4-BE49-F238E27FC236}">
-                <a16:creationId xmlns:a16="http://schemas.microsoft.com/office/drawing/2014/main" xmlns="" id="{461C6B0E-F1D4-9345-880B-55A4FD3BD752}"/>
+                <a16:creationId xmlns:a16="http://schemas.microsoft.com/office/drawing/2014/main" id="{461C6B0E-F1D4-9345-880B-55A4FD3BD752}"/>
               </a:ext>
             </a:extLst>
           </p:cNvPr>
@@ -10800,7 +10783,7 @@
           <p:cNvPr id="7" name="TextBox 6">
             <a:extLst>
               <a:ext uri="{FF2B5EF4-FFF2-40B4-BE49-F238E27FC236}">
-                <a16:creationId xmlns:a16="http://schemas.microsoft.com/office/drawing/2014/main" xmlns="" id="{D225D477-B75C-2F4D-B80E-849F7F89C84E}"/>
+                <a16:creationId xmlns:a16="http://schemas.microsoft.com/office/drawing/2014/main" id="{D225D477-B75C-2F4D-B80E-849F7F89C84E}"/>
               </a:ext>
             </a:extLst>
           </p:cNvPr>
@@ -10877,7 +10860,7 @@
           <p:cNvPr id="23" name="TextBox 22">
             <a:extLst>
               <a:ext uri="{FF2B5EF4-FFF2-40B4-BE49-F238E27FC236}">
-                <a16:creationId xmlns:a16="http://schemas.microsoft.com/office/drawing/2014/main" xmlns="" id="{BFD7D309-4DE6-5F49-B0AC-5BB11CF38902}"/>
+                <a16:creationId xmlns:a16="http://schemas.microsoft.com/office/drawing/2014/main" id="{BFD7D309-4DE6-5F49-B0AC-5BB11CF38902}"/>
               </a:ext>
             </a:extLst>
           </p:cNvPr>
@@ -10887,7 +10870,7 @@
         <p:spPr>
           <a:xfrm>
             <a:off x="938771" y="90458"/>
-            <a:ext cx="10105293" cy="6124754"/>
+            <a:ext cx="10105293" cy="5693866"/>
           </a:xfrm>
           <a:prstGeom prst="rect">
             <a:avLst/>
@@ -10940,12 +10923,8 @@
             <a:pPr algn="just"/>
             <a:r>
               <a:rPr lang="en-US" sz="2800" dirty="0"/>
-              <a:t>After removing all the trash, you can find either a soda can which worth 1 point, or a soda bottle which worth 3 points. (50-50 chance)</a:t>
-            </a:r>
-          </a:p>
-          <a:p>
-            <a:pPr algn="just"/>
-            <a:endParaRPr lang="en-US" sz="2800" dirty="0"/>
+              <a:t>After removing all the trash, you can find either a soda can which worth 1 point, or a soda bottle which worth 3 points. </a:t>
+            </a:r>
           </a:p>
         </p:txBody>
       </p:sp>
@@ -10984,7 +10963,7 @@
           <p:cNvPr id="2" name="Rectangle 1">
             <a:extLst>
               <a:ext uri="{FF2B5EF4-FFF2-40B4-BE49-F238E27FC236}">
-                <a16:creationId xmlns:a16="http://schemas.microsoft.com/office/drawing/2014/main" xmlns="" id="{D0732851-5A53-0C43-9B25-FCFBD4D4F583}"/>
+                <a16:creationId xmlns:a16="http://schemas.microsoft.com/office/drawing/2014/main" id="{D0732851-5A53-0C43-9B25-FCFBD4D4F583}"/>
               </a:ext>
             </a:extLst>
           </p:cNvPr>
@@ -11137,7 +11116,7 @@
           <p:cNvPr id="17" name="Group 16">
             <a:extLst>
               <a:ext uri="{FF2B5EF4-FFF2-40B4-BE49-F238E27FC236}">
-                <a16:creationId xmlns:a16="http://schemas.microsoft.com/office/drawing/2014/main" xmlns="" id="{33134089-27A8-2944-8C2C-722E17DB11CD}"/>
+                <a16:creationId xmlns:a16="http://schemas.microsoft.com/office/drawing/2014/main" id="{33134089-27A8-2944-8C2C-722E17DB11CD}"/>
               </a:ext>
             </a:extLst>
           </p:cNvPr>
@@ -11157,7 +11136,7 @@
             <p:cNvPr id="9" name="Group 8">
               <a:extLst>
                 <a:ext uri="{FF2B5EF4-FFF2-40B4-BE49-F238E27FC236}">
-                  <a16:creationId xmlns:a16="http://schemas.microsoft.com/office/drawing/2014/main" xmlns="" id="{CB3EFDAD-124D-124D-BDA6-C9B2C3B8A779}"/>
+                  <a16:creationId xmlns:a16="http://schemas.microsoft.com/office/drawing/2014/main" id="{CB3EFDAD-124D-124D-BDA6-C9B2C3B8A779}"/>
                 </a:ext>
               </a:extLst>
             </p:cNvPr>
@@ -11177,7 +11156,7 @@
               <p:cNvPr id="14" name="Rectangle 13">
                 <a:extLst>
                   <a:ext uri="{FF2B5EF4-FFF2-40B4-BE49-F238E27FC236}">
-                    <a16:creationId xmlns:a16="http://schemas.microsoft.com/office/drawing/2014/main" xmlns="" id="{6CB783F2-F6EC-9E43-B5C8-A6384D3C9F25}"/>
+                    <a16:creationId xmlns:a16="http://schemas.microsoft.com/office/drawing/2014/main" id="{6CB783F2-F6EC-9E43-B5C8-A6384D3C9F25}"/>
                   </a:ext>
                 </a:extLst>
               </p:cNvPr>
@@ -11229,7 +11208,7 @@
               <p:cNvPr id="11" name="Group 10">
                 <a:extLst>
                   <a:ext uri="{FF2B5EF4-FFF2-40B4-BE49-F238E27FC236}">
-                    <a16:creationId xmlns:a16="http://schemas.microsoft.com/office/drawing/2014/main" xmlns="" id="{C06CCFEE-FF58-2541-AC37-6BAAF8D34868}"/>
+                    <a16:creationId xmlns:a16="http://schemas.microsoft.com/office/drawing/2014/main" id="{C06CCFEE-FF58-2541-AC37-6BAAF8D34868}"/>
                   </a:ext>
                 </a:extLst>
               </p:cNvPr>
@@ -11249,7 +11228,7 @@
                 <p:cNvPr id="12" name="Rectangle 11">
                   <a:extLst>
                     <a:ext uri="{FF2B5EF4-FFF2-40B4-BE49-F238E27FC236}">
-                      <a16:creationId xmlns:a16="http://schemas.microsoft.com/office/drawing/2014/main" xmlns="" id="{A567BA71-4B2E-6845-A188-7302FD01661A}"/>
+                      <a16:creationId xmlns:a16="http://schemas.microsoft.com/office/drawing/2014/main" id="{A567BA71-4B2E-6845-A188-7302FD01661A}"/>
                     </a:ext>
                   </a:extLst>
                 </p:cNvPr>
@@ -11293,7 +11272,7 @@
                 <p:cNvPr id="13" name="Rectangle 12">
                   <a:extLst>
                     <a:ext uri="{FF2B5EF4-FFF2-40B4-BE49-F238E27FC236}">
-                      <a16:creationId xmlns:a16="http://schemas.microsoft.com/office/drawing/2014/main" xmlns="" id="{78A91A13-300A-1D46-83F0-9FDCDC1E5089}"/>
+                      <a16:creationId xmlns:a16="http://schemas.microsoft.com/office/drawing/2014/main" id="{78A91A13-300A-1D46-83F0-9FDCDC1E5089}"/>
                     </a:ext>
                   </a:extLst>
                 </p:cNvPr>
@@ -11349,7 +11328,7 @@
             <p:cNvPr id="6" name="Straight Connector 5">
               <a:extLst>
                 <a:ext uri="{FF2B5EF4-FFF2-40B4-BE49-F238E27FC236}">
-                  <a16:creationId xmlns:a16="http://schemas.microsoft.com/office/drawing/2014/main" xmlns="" id="{F6555F21-29EB-D643-B31C-D3ABA159D7F5}"/>
+                  <a16:creationId xmlns:a16="http://schemas.microsoft.com/office/drawing/2014/main" id="{F6555F21-29EB-D643-B31C-D3ABA159D7F5}"/>
                 </a:ext>
               </a:extLst>
             </p:cNvPr>
@@ -11388,7 +11367,7 @@
             <p:cNvPr id="15" name="Picture 14">
               <a:extLst>
                 <a:ext uri="{FF2B5EF4-FFF2-40B4-BE49-F238E27FC236}">
-                  <a16:creationId xmlns:a16="http://schemas.microsoft.com/office/drawing/2014/main" xmlns="" id="{624170F1-A36C-B449-ABAF-E52B0050CDE8}"/>
+                  <a16:creationId xmlns:a16="http://schemas.microsoft.com/office/drawing/2014/main" id="{624170F1-A36C-B449-ABAF-E52B0050CDE8}"/>
                 </a:ext>
               </a:extLst>
             </p:cNvPr>
@@ -11514,7 +11493,7 @@
           <p:cNvPr id="2" name="Group 1">
             <a:extLst>
               <a:ext uri="{FF2B5EF4-FFF2-40B4-BE49-F238E27FC236}">
-                <a16:creationId xmlns:a16="http://schemas.microsoft.com/office/drawing/2014/main" xmlns="" id="{C94012DE-1ADF-404D-8D0D-A22CCF04E0E0}"/>
+                <a16:creationId xmlns:a16="http://schemas.microsoft.com/office/drawing/2014/main" id="{C94012DE-1ADF-404D-8D0D-A22CCF04E0E0}"/>
               </a:ext>
             </a:extLst>
           </p:cNvPr>
@@ -11726,7 +11705,7 @@
                 <p:cNvPr id="13" name="Picture 12">
                   <a:extLst>
                     <a:ext uri="{FF2B5EF4-FFF2-40B4-BE49-F238E27FC236}">
-                      <a16:creationId xmlns:a16="http://schemas.microsoft.com/office/drawing/2014/main" xmlns="" id="{285C9102-3522-3547-805E-9DA73DC64DDB}"/>
+                      <a16:creationId xmlns:a16="http://schemas.microsoft.com/office/drawing/2014/main" id="{285C9102-3522-3547-805E-9DA73DC64DDB}"/>
                     </a:ext>
                   </a:extLst>
                 </p:cNvPr>
@@ -11778,7 +11757,7 @@
             <p:cNvPr id="24" name="Group 23">
               <a:extLst>
                 <a:ext uri="{FF2B5EF4-FFF2-40B4-BE49-F238E27FC236}">
-                  <a16:creationId xmlns:a16="http://schemas.microsoft.com/office/drawing/2014/main" xmlns="" id="{D0AFDAC7-1FE5-EB42-8181-C65BAA6FDB73}"/>
+                  <a16:creationId xmlns:a16="http://schemas.microsoft.com/office/drawing/2014/main" id="{D0AFDAC7-1FE5-EB42-8181-C65BAA6FDB73}"/>
                 </a:ext>
               </a:extLst>
             </p:cNvPr>
@@ -11798,7 +11777,7 @@
               <p:cNvPr id="25" name="Rectangle 24">
                 <a:extLst>
                   <a:ext uri="{FF2B5EF4-FFF2-40B4-BE49-F238E27FC236}">
-                    <a16:creationId xmlns:a16="http://schemas.microsoft.com/office/drawing/2014/main" xmlns="" id="{12194E41-85FA-9045-955F-5B8400C47194}"/>
+                    <a16:creationId xmlns:a16="http://schemas.microsoft.com/office/drawing/2014/main" id="{12194E41-85FA-9045-955F-5B8400C47194}"/>
                   </a:ext>
                 </a:extLst>
               </p:cNvPr>
@@ -11846,7 +11825,7 @@
               <p:cNvPr id="26" name="Rectangle 25">
                 <a:extLst>
                   <a:ext uri="{FF2B5EF4-FFF2-40B4-BE49-F238E27FC236}">
-                    <a16:creationId xmlns:a16="http://schemas.microsoft.com/office/drawing/2014/main" xmlns="" id="{84A1C552-903D-084D-9B4E-0FF69DB7ECB0}"/>
+                    <a16:creationId xmlns:a16="http://schemas.microsoft.com/office/drawing/2014/main" id="{84A1C552-903D-084D-9B4E-0FF69DB7ECB0}"/>
                   </a:ext>
                 </a:extLst>
               </p:cNvPr>
@@ -11906,7 +11885,7 @@
           <p:cNvPr id="16" name="Straight Connector 15">
             <a:extLst>
               <a:ext uri="{FF2B5EF4-FFF2-40B4-BE49-F238E27FC236}">
-                <a16:creationId xmlns:a16="http://schemas.microsoft.com/office/drawing/2014/main" xmlns="" id="{FAF34530-E477-074E-ABF6-842CAC6DF9C1}"/>
+                <a16:creationId xmlns:a16="http://schemas.microsoft.com/office/drawing/2014/main" id="{FAF34530-E477-074E-ABF6-842CAC6DF9C1}"/>
               </a:ext>
             </a:extLst>
           </p:cNvPr>
@@ -11945,7 +11924,7 @@
           <p:cNvPr id="18" name="Picture 17">
             <a:extLst>
               <a:ext uri="{FF2B5EF4-FFF2-40B4-BE49-F238E27FC236}">
-                <a16:creationId xmlns:a16="http://schemas.microsoft.com/office/drawing/2014/main" xmlns="" id="{C0A6F961-1865-A742-90FC-2B9F69866B67}"/>
+                <a16:creationId xmlns:a16="http://schemas.microsoft.com/office/drawing/2014/main" id="{C0A6F961-1865-A742-90FC-2B9F69866B67}"/>
               </a:ext>
             </a:extLst>
           </p:cNvPr>
@@ -12091,7 +12070,7 @@
           <p:cNvPr id="2" name="Group 1">
             <a:extLst>
               <a:ext uri="{FF2B5EF4-FFF2-40B4-BE49-F238E27FC236}">
-                <a16:creationId xmlns:a16="http://schemas.microsoft.com/office/drawing/2014/main" xmlns="" id="{C94012DE-1ADF-404D-8D0D-A22CCF04E0E0}"/>
+                <a16:creationId xmlns:a16="http://schemas.microsoft.com/office/drawing/2014/main" id="{C94012DE-1ADF-404D-8D0D-A22CCF04E0E0}"/>
               </a:ext>
             </a:extLst>
           </p:cNvPr>
@@ -12303,7 +12282,7 @@
                 <p:cNvPr id="13" name="Picture 12">
                   <a:extLst>
                     <a:ext uri="{FF2B5EF4-FFF2-40B4-BE49-F238E27FC236}">
-                      <a16:creationId xmlns:a16="http://schemas.microsoft.com/office/drawing/2014/main" xmlns="" id="{285C9102-3522-3547-805E-9DA73DC64DDB}"/>
+                      <a16:creationId xmlns:a16="http://schemas.microsoft.com/office/drawing/2014/main" id="{285C9102-3522-3547-805E-9DA73DC64DDB}"/>
                     </a:ext>
                   </a:extLst>
                 </p:cNvPr>
@@ -12355,7 +12334,7 @@
             <p:cNvPr id="24" name="Group 23">
               <a:extLst>
                 <a:ext uri="{FF2B5EF4-FFF2-40B4-BE49-F238E27FC236}">
-                  <a16:creationId xmlns:a16="http://schemas.microsoft.com/office/drawing/2014/main" xmlns="" id="{D0AFDAC7-1FE5-EB42-8181-C65BAA6FDB73}"/>
+                  <a16:creationId xmlns:a16="http://schemas.microsoft.com/office/drawing/2014/main" id="{D0AFDAC7-1FE5-EB42-8181-C65BAA6FDB73}"/>
                 </a:ext>
               </a:extLst>
             </p:cNvPr>
@@ -12375,7 +12354,7 @@
               <p:cNvPr id="25" name="Rectangle 24">
                 <a:extLst>
                   <a:ext uri="{FF2B5EF4-FFF2-40B4-BE49-F238E27FC236}">
-                    <a16:creationId xmlns:a16="http://schemas.microsoft.com/office/drawing/2014/main" xmlns="" id="{12194E41-85FA-9045-955F-5B8400C47194}"/>
+                    <a16:creationId xmlns:a16="http://schemas.microsoft.com/office/drawing/2014/main" id="{12194E41-85FA-9045-955F-5B8400C47194}"/>
                   </a:ext>
                 </a:extLst>
               </p:cNvPr>
@@ -12423,7 +12402,7 @@
               <p:cNvPr id="26" name="Rectangle 25">
                 <a:extLst>
                   <a:ext uri="{FF2B5EF4-FFF2-40B4-BE49-F238E27FC236}">
-                    <a16:creationId xmlns:a16="http://schemas.microsoft.com/office/drawing/2014/main" xmlns="" id="{84A1C552-903D-084D-9B4E-0FF69DB7ECB0}"/>
+                    <a16:creationId xmlns:a16="http://schemas.microsoft.com/office/drawing/2014/main" id="{84A1C552-903D-084D-9B4E-0FF69DB7ECB0}"/>
                   </a:ext>
                 </a:extLst>
               </p:cNvPr>
@@ -12483,7 +12462,7 @@
           <p:cNvPr id="16" name="Straight Connector 15">
             <a:extLst>
               <a:ext uri="{FF2B5EF4-FFF2-40B4-BE49-F238E27FC236}">
-                <a16:creationId xmlns:a16="http://schemas.microsoft.com/office/drawing/2014/main" xmlns="" id="{FAF34530-E477-074E-ABF6-842CAC6DF9C1}"/>
+                <a16:creationId xmlns:a16="http://schemas.microsoft.com/office/drawing/2014/main" id="{FAF34530-E477-074E-ABF6-842CAC6DF9C1}"/>
               </a:ext>
             </a:extLst>
           </p:cNvPr>
@@ -12522,7 +12501,7 @@
           <p:cNvPr id="18" name="Picture 17">
             <a:extLst>
               <a:ext uri="{FF2B5EF4-FFF2-40B4-BE49-F238E27FC236}">
-                <a16:creationId xmlns:a16="http://schemas.microsoft.com/office/drawing/2014/main" xmlns="" id="{C0A6F961-1865-A742-90FC-2B9F69866B67}"/>
+                <a16:creationId xmlns:a16="http://schemas.microsoft.com/office/drawing/2014/main" id="{C0A6F961-1865-A742-90FC-2B9F69866B67}"/>
               </a:ext>
             </a:extLst>
           </p:cNvPr>
@@ -12701,7 +12680,7 @@
           <p:cNvPr id="6" name="Group 5">
             <a:extLst>
               <a:ext uri="{FF2B5EF4-FFF2-40B4-BE49-F238E27FC236}">
-                <a16:creationId xmlns:a16="http://schemas.microsoft.com/office/drawing/2014/main" xmlns="" id="{49085939-83B9-C441-B235-03DB8BE11586}"/>
+                <a16:creationId xmlns:a16="http://schemas.microsoft.com/office/drawing/2014/main" id="{49085939-83B9-C441-B235-03DB8BE11586}"/>
               </a:ext>
             </a:extLst>
           </p:cNvPr>
@@ -12721,7 +12700,7 @@
             <p:cNvPr id="32" name="Group 31">
               <a:extLst>
                 <a:ext uri="{FF2B5EF4-FFF2-40B4-BE49-F238E27FC236}">
-                  <a16:creationId xmlns:a16="http://schemas.microsoft.com/office/drawing/2014/main" xmlns="" id="{1DC740C9-F53A-9F44-BE1C-14F155C44F68}"/>
+                  <a16:creationId xmlns:a16="http://schemas.microsoft.com/office/drawing/2014/main" id="{1DC740C9-F53A-9F44-BE1C-14F155C44F68}"/>
                 </a:ext>
               </a:extLst>
             </p:cNvPr>
@@ -12741,7 +12720,7 @@
               <p:cNvPr id="33" name="Group 32">
                 <a:extLst>
                   <a:ext uri="{FF2B5EF4-FFF2-40B4-BE49-F238E27FC236}">
-                    <a16:creationId xmlns:a16="http://schemas.microsoft.com/office/drawing/2014/main" xmlns="" id="{ABB1D0DA-C6D6-924F-8305-FF40397506D0}"/>
+                    <a16:creationId xmlns:a16="http://schemas.microsoft.com/office/drawing/2014/main" id="{ABB1D0DA-C6D6-924F-8305-FF40397506D0}"/>
                   </a:ext>
                 </a:extLst>
               </p:cNvPr>
@@ -12761,7 +12740,7 @@
                 <p:cNvPr id="37" name="Rectangle 36">
                   <a:extLst>
                     <a:ext uri="{FF2B5EF4-FFF2-40B4-BE49-F238E27FC236}">
-                      <a16:creationId xmlns:a16="http://schemas.microsoft.com/office/drawing/2014/main" xmlns="" id="{E0766EAF-139E-0549-9ACF-1C9C78F75A26}"/>
+                      <a16:creationId xmlns:a16="http://schemas.microsoft.com/office/drawing/2014/main" id="{E0766EAF-139E-0549-9ACF-1C9C78F75A26}"/>
                     </a:ext>
                   </a:extLst>
                 </p:cNvPr>
@@ -12813,7 +12792,7 @@
                 <p:cNvPr id="38" name="Group 37">
                   <a:extLst>
                     <a:ext uri="{FF2B5EF4-FFF2-40B4-BE49-F238E27FC236}">
-                      <a16:creationId xmlns:a16="http://schemas.microsoft.com/office/drawing/2014/main" xmlns="" id="{70F61CF3-6095-6743-9688-97AE869475E1}"/>
+                      <a16:creationId xmlns:a16="http://schemas.microsoft.com/office/drawing/2014/main" id="{70F61CF3-6095-6743-9688-97AE869475E1}"/>
                     </a:ext>
                   </a:extLst>
                 </p:cNvPr>
@@ -12833,7 +12812,7 @@
                   <p:cNvPr id="39" name="Group 38">
                     <a:extLst>
                       <a:ext uri="{FF2B5EF4-FFF2-40B4-BE49-F238E27FC236}">
-                        <a16:creationId xmlns:a16="http://schemas.microsoft.com/office/drawing/2014/main" xmlns="" id="{FC7A3559-C477-EA46-8397-C57F777BD18D}"/>
+                        <a16:creationId xmlns:a16="http://schemas.microsoft.com/office/drawing/2014/main" id="{FC7A3559-C477-EA46-8397-C57F777BD18D}"/>
                       </a:ext>
                     </a:extLst>
                   </p:cNvPr>
@@ -12853,7 +12832,7 @@
                     <p:cNvPr id="41" name="Rectangle 40">
                       <a:extLst>
                         <a:ext uri="{FF2B5EF4-FFF2-40B4-BE49-F238E27FC236}">
-                          <a16:creationId xmlns:a16="http://schemas.microsoft.com/office/drawing/2014/main" xmlns="" id="{D6F58FAF-AAB4-524F-9A35-24E168D74782}"/>
+                          <a16:creationId xmlns:a16="http://schemas.microsoft.com/office/drawing/2014/main" id="{D6F58FAF-AAB4-524F-9A35-24E168D74782}"/>
                         </a:ext>
                       </a:extLst>
                     </p:cNvPr>
@@ -12902,7 +12881,7 @@
                     <p:cNvPr id="42" name="Rectangle 41">
                       <a:extLst>
                         <a:ext uri="{FF2B5EF4-FFF2-40B4-BE49-F238E27FC236}">
-                          <a16:creationId xmlns:a16="http://schemas.microsoft.com/office/drawing/2014/main" xmlns="" id="{DCB64CBA-1A1A-1F46-B831-AD2E3AA53BED}"/>
+                          <a16:creationId xmlns:a16="http://schemas.microsoft.com/office/drawing/2014/main" id="{DCB64CBA-1A1A-1F46-B831-AD2E3AA53BED}"/>
                         </a:ext>
                       </a:extLst>
                     </p:cNvPr>
@@ -12957,7 +12936,7 @@
                   <p:cNvPr id="40" name="Picture 39">
                     <a:extLst>
                       <a:ext uri="{FF2B5EF4-FFF2-40B4-BE49-F238E27FC236}">
-                        <a16:creationId xmlns:a16="http://schemas.microsoft.com/office/drawing/2014/main" xmlns="" id="{4EE8B434-1908-6F40-8745-A74186A664FF}"/>
+                        <a16:creationId xmlns:a16="http://schemas.microsoft.com/office/drawing/2014/main" id="{4EE8B434-1908-6F40-8745-A74186A664FF}"/>
                       </a:ext>
                     </a:extLst>
                   </p:cNvPr>
@@ -13009,7 +12988,7 @@
               <p:cNvPr id="34" name="Group 33">
                 <a:extLst>
                   <a:ext uri="{FF2B5EF4-FFF2-40B4-BE49-F238E27FC236}">
-                    <a16:creationId xmlns:a16="http://schemas.microsoft.com/office/drawing/2014/main" xmlns="" id="{618D9CE1-C4A1-8A48-B22A-1744DFFD47DB}"/>
+                    <a16:creationId xmlns:a16="http://schemas.microsoft.com/office/drawing/2014/main" id="{618D9CE1-C4A1-8A48-B22A-1744DFFD47DB}"/>
                   </a:ext>
                 </a:extLst>
               </p:cNvPr>
@@ -13029,7 +13008,7 @@
                 <p:cNvPr id="35" name="Rectangle 34">
                   <a:extLst>
                     <a:ext uri="{FF2B5EF4-FFF2-40B4-BE49-F238E27FC236}">
-                      <a16:creationId xmlns:a16="http://schemas.microsoft.com/office/drawing/2014/main" xmlns="" id="{ABA1217C-F9F7-BD44-865A-B1C103045F4B}"/>
+                      <a16:creationId xmlns:a16="http://schemas.microsoft.com/office/drawing/2014/main" id="{ABA1217C-F9F7-BD44-865A-B1C103045F4B}"/>
                     </a:ext>
                   </a:extLst>
                 </p:cNvPr>
@@ -13073,7 +13052,7 @@
                 <p:cNvPr id="36" name="Rectangle 35">
                   <a:extLst>
                     <a:ext uri="{FF2B5EF4-FFF2-40B4-BE49-F238E27FC236}">
-                      <a16:creationId xmlns:a16="http://schemas.microsoft.com/office/drawing/2014/main" xmlns="" id="{70B6BED9-1355-DC4E-A1BC-63E833E33DC5}"/>
+                      <a16:creationId xmlns:a16="http://schemas.microsoft.com/office/drawing/2014/main" id="{70B6BED9-1355-DC4E-A1BC-63E833E33DC5}"/>
                     </a:ext>
                   </a:extLst>
                 </p:cNvPr>
@@ -13129,7 +13108,7 @@
             <p:cNvPr id="43" name="Picture 42">
               <a:extLst>
                 <a:ext uri="{FF2B5EF4-FFF2-40B4-BE49-F238E27FC236}">
-                  <a16:creationId xmlns:a16="http://schemas.microsoft.com/office/drawing/2014/main" xmlns="" id="{2C4C59C3-7727-A740-AAD5-6819D535E95A}"/>
+                  <a16:creationId xmlns:a16="http://schemas.microsoft.com/office/drawing/2014/main" id="{2C4C59C3-7727-A740-AAD5-6819D535E95A}"/>
                 </a:ext>
               </a:extLst>
             </p:cNvPr>
@@ -13159,7 +13138,7 @@
           <p:cNvPr id="18" name="Straight Connector 17">
             <a:extLst>
               <a:ext uri="{FF2B5EF4-FFF2-40B4-BE49-F238E27FC236}">
-                <a16:creationId xmlns:a16="http://schemas.microsoft.com/office/drawing/2014/main" xmlns="" id="{072E6C88-846D-B743-BC8B-02C5C4C3197E}"/>
+                <a16:creationId xmlns:a16="http://schemas.microsoft.com/office/drawing/2014/main" id="{072E6C88-846D-B743-BC8B-02C5C4C3197E}"/>
               </a:ext>
             </a:extLst>
           </p:cNvPr>
@@ -13198,7 +13177,7 @@
           <p:cNvPr id="19" name="Picture 18">
             <a:extLst>
               <a:ext uri="{FF2B5EF4-FFF2-40B4-BE49-F238E27FC236}">
-                <a16:creationId xmlns:a16="http://schemas.microsoft.com/office/drawing/2014/main" xmlns="" id="{C3E8AC4E-BD89-224C-A64A-23475F247B39}"/>
+                <a16:creationId xmlns:a16="http://schemas.microsoft.com/office/drawing/2014/main" id="{C3E8AC4E-BD89-224C-A64A-23475F247B39}"/>
               </a:ext>
             </a:extLst>
           </p:cNvPr>

--- a/instructions.pptx
+++ b/instructions.pptx
@@ -5,7 +5,7 @@
     <p:sldMasterId id="2147483720" r:id="rId1"/>
   </p:sldMasterIdLst>
   <p:notesMasterIdLst>
-    <p:notesMasterId r:id="rId24"/>
+    <p:notesMasterId r:id="rId25"/>
   </p:notesMasterIdLst>
   <p:sldIdLst>
     <p:sldId id="313" r:id="rId2"/>
@@ -20,16 +20,17 @@
     <p:sldId id="297" r:id="rId11"/>
     <p:sldId id="319" r:id="rId12"/>
     <p:sldId id="311" r:id="rId13"/>
-    <p:sldId id="300" r:id="rId14"/>
-    <p:sldId id="301" r:id="rId15"/>
-    <p:sldId id="306" r:id="rId16"/>
-    <p:sldId id="307" r:id="rId17"/>
-    <p:sldId id="292" r:id="rId18"/>
-    <p:sldId id="315" r:id="rId19"/>
-    <p:sldId id="322" r:id="rId20"/>
-    <p:sldId id="323" r:id="rId21"/>
-    <p:sldId id="317" r:id="rId22"/>
-    <p:sldId id="316" r:id="rId23"/>
+    <p:sldId id="352" r:id="rId14"/>
+    <p:sldId id="300" r:id="rId15"/>
+    <p:sldId id="301" r:id="rId16"/>
+    <p:sldId id="306" r:id="rId17"/>
+    <p:sldId id="307" r:id="rId18"/>
+    <p:sldId id="292" r:id="rId19"/>
+    <p:sldId id="315" r:id="rId20"/>
+    <p:sldId id="322" r:id="rId21"/>
+    <p:sldId id="323" r:id="rId22"/>
+    <p:sldId id="317" r:id="rId23"/>
+    <p:sldId id="316" r:id="rId24"/>
   </p:sldIdLst>
   <p:sldSz cx="12192000" cy="6858000"/>
   <p:notesSz cx="6858000" cy="9144000"/>
@@ -230,7 +231,7 @@
           <a:p>
             <a:fld id="{92CEA86C-46A4-B54F-8A61-C6B98DADAF97}" type="datetimeFigureOut">
               <a:rPr lang="en-US" smtClean="0"/>
-              <a:t>2/11/20</a:t>
+              <a:t>3/3/20</a:t>
             </a:fld>
             <a:endParaRPr lang="en-US"/>
           </a:p>
@@ -709,6 +710,94 @@
           <a:bodyPr/>
           <a:lstStyle/>
           <a:p>
+            <a:r>
+              <a:rPr lang="en-US" dirty="0"/>
+              <a:t>On each trial, you get 1 / 3 points; or 0 if. </a:t>
+            </a:r>
+          </a:p>
+          <a:p>
+            <a:endParaRPr lang="en-US" dirty="0"/>
+          </a:p>
+          <a:p>
+            <a:r>
+              <a:rPr lang="en-US" dirty="0"/>
+              <a:t>What does it mean. </a:t>
+            </a:r>
+          </a:p>
+          <a:p>
+            <a:endParaRPr lang="en-US" dirty="0"/>
+          </a:p>
+          <a:p>
+            <a:pPr marL="0" marR="0" lvl="0" indent="0" algn="l" defTabSz="914400" rtl="0" eaLnBrk="1" fontAlgn="auto" latinLnBrk="0" hangingPunct="1">
+              <a:lnSpc>
+                <a:spcPct val="100000"/>
+              </a:lnSpc>
+              <a:spcBef>
+                <a:spcPts val="0"/>
+              </a:spcBef>
+              <a:spcAft>
+                <a:spcPts val="0"/>
+              </a:spcAft>
+              <a:buClrTx/>
+              <a:buSzTx/>
+              <a:buFontTx/>
+              <a:buNone/>
+              <a:tabLst/>
+              <a:defRPr/>
+            </a:pPr>
+            <a:r>
+              <a:rPr lang="en-US" dirty="0"/>
+              <a:t>A trial includes all processes we mentioned before. It includes the time for you to search for the trashcan, decide whether to recycle it, and complete the recycling if you determine to recycle it. And</a:t>
+            </a:r>
+            <a:r>
+              <a:rPr lang="en-US" baseline="0" dirty="0"/>
+              <a:t> you get the payoff for the all these processes. </a:t>
+            </a:r>
+          </a:p>
+          <a:p>
+            <a:pPr marL="0" marR="0" lvl="0" indent="0" algn="l" defTabSz="914400" rtl="0" eaLnBrk="1" fontAlgn="auto" latinLnBrk="0" hangingPunct="1">
+              <a:lnSpc>
+                <a:spcPct val="100000"/>
+              </a:lnSpc>
+              <a:spcBef>
+                <a:spcPts val="0"/>
+              </a:spcBef>
+              <a:spcAft>
+                <a:spcPts val="0"/>
+              </a:spcAft>
+              <a:buClrTx/>
+              <a:buSzTx/>
+              <a:buFontTx/>
+              <a:buNone/>
+              <a:tabLst/>
+              <a:defRPr/>
+            </a:pPr>
+            <a:endParaRPr lang="en-US" baseline="0" dirty="0"/>
+          </a:p>
+          <a:p>
+            <a:pPr marL="0" marR="0" lvl="0" indent="0" algn="l" defTabSz="914400" rtl="0" eaLnBrk="1" fontAlgn="auto" latinLnBrk="0" hangingPunct="1">
+              <a:lnSpc>
+                <a:spcPct val="100000"/>
+              </a:lnSpc>
+              <a:spcBef>
+                <a:spcPts val="0"/>
+              </a:spcBef>
+              <a:spcAft>
+                <a:spcPts val="0"/>
+              </a:spcAft>
+              <a:buClrTx/>
+              <a:buSzTx/>
+              <a:buFontTx/>
+              <a:buNone/>
+              <a:tabLst/>
+              <a:defRPr/>
+            </a:pPr>
+            <a:r>
+              <a:rPr lang="en-US" baseline="0" dirty="0"/>
+              <a:t>Trials are back to back</a:t>
+            </a:r>
+          </a:p>
+          <a:p>
             <a:endParaRPr lang="en-US" dirty="0"/>
           </a:p>
         </p:txBody>
@@ -720,7 +809,7 @@
             <a:spLocks noGrp="1"/>
           </p:cNvSpPr>
           <p:nvPr>
-            <p:ph type="sldNum" sz="quarter" idx="10"/>
+            <p:ph type="sldNum" sz="quarter" idx="5"/>
           </p:nvPr>
         </p:nvSpPr>
         <p:spPr/>
@@ -739,7 +828,7 @@
     </p:spTree>
     <p:extLst>
       <p:ext uri="{BB962C8B-B14F-4D97-AF65-F5344CB8AC3E}">
-        <p14:creationId xmlns:p14="http://schemas.microsoft.com/office/powerpoint/2010/main" val="2925965086"/>
+        <p14:creationId xmlns:p14="http://schemas.microsoft.com/office/powerpoint/2010/main" val="84901424"/>
       </p:ext>
     </p:extLst>
   </p:cSld>
@@ -823,7 +912,7 @@
     </p:spTree>
     <p:extLst>
       <p:ext uri="{BB962C8B-B14F-4D97-AF65-F5344CB8AC3E}">
-        <p14:creationId xmlns:p14="http://schemas.microsoft.com/office/powerpoint/2010/main" val="1217300930"/>
+        <p14:creationId xmlns:p14="http://schemas.microsoft.com/office/powerpoint/2010/main" val="2925965086"/>
       </p:ext>
     </p:extLst>
   </p:cSld>
@@ -907,7 +996,7 @@
     </p:spTree>
     <p:extLst>
       <p:ext uri="{BB962C8B-B14F-4D97-AF65-F5344CB8AC3E}">
-        <p14:creationId xmlns:p14="http://schemas.microsoft.com/office/powerpoint/2010/main" val="1490813797"/>
+        <p14:creationId xmlns:p14="http://schemas.microsoft.com/office/powerpoint/2010/main" val="1217300930"/>
       </p:ext>
     </p:extLst>
   </p:cSld>
@@ -991,7 +1080,7 @@
     </p:spTree>
     <p:extLst>
       <p:ext uri="{BB962C8B-B14F-4D97-AF65-F5344CB8AC3E}">
-        <p14:creationId xmlns:p14="http://schemas.microsoft.com/office/powerpoint/2010/main" val="1188723217"/>
+        <p14:creationId xmlns:p14="http://schemas.microsoft.com/office/powerpoint/2010/main" val="1490813797"/>
       </p:ext>
     </p:extLst>
   </p:cSld>
@@ -1056,7 +1145,7 @@
             <a:spLocks noGrp="1"/>
           </p:cNvSpPr>
           <p:nvPr>
-            <p:ph type="sldNum" sz="quarter" idx="5"/>
+            <p:ph type="sldNum" sz="quarter" idx="10"/>
           </p:nvPr>
         </p:nvSpPr>
         <p:spPr/>
@@ -1075,7 +1164,7 @@
     </p:spTree>
     <p:extLst>
       <p:ext uri="{BB962C8B-B14F-4D97-AF65-F5344CB8AC3E}">
-        <p14:creationId xmlns:p14="http://schemas.microsoft.com/office/powerpoint/2010/main" val="512407564"/>
+        <p14:creationId xmlns:p14="http://schemas.microsoft.com/office/powerpoint/2010/main" val="1188723217"/>
       </p:ext>
     </p:extLst>
   </p:cSld>
@@ -1129,18 +1218,7 @@
           <a:bodyPr/>
           <a:lstStyle/>
           <a:p>
-            <a:r>
-              <a:rPr lang="en-US" dirty="0"/>
-              <a:t>Emphasize it is not helpful to try to </a:t>
-            </a:r>
-            <a:r>
-              <a:rPr lang="en-US" dirty="0" err="1"/>
-              <a:t>preidic</a:t>
-            </a:r>
-            <a:r>
-              <a:rPr lang="en-US" dirty="0"/>
-              <a:t> the reward and </a:t>
-            </a:r>
+            <a:endParaRPr lang="en-US" dirty="0"/>
           </a:p>
         </p:txBody>
       </p:sp>
@@ -1170,7 +1248,7 @@
     </p:spTree>
     <p:extLst>
       <p:ext uri="{BB962C8B-B14F-4D97-AF65-F5344CB8AC3E}">
-        <p14:creationId xmlns:p14="http://schemas.microsoft.com/office/powerpoint/2010/main" val="3235450752"/>
+        <p14:creationId xmlns:p14="http://schemas.microsoft.com/office/powerpoint/2010/main" val="512407564"/>
       </p:ext>
     </p:extLst>
   </p:cSld>
@@ -1224,7 +1302,18 @@
           <a:bodyPr/>
           <a:lstStyle/>
           <a:p>
-            <a:endParaRPr lang="en-US" dirty="0"/>
+            <a:r>
+              <a:rPr lang="en-US" dirty="0"/>
+              <a:t>Emphasize it is not helpful to try to </a:t>
+            </a:r>
+            <a:r>
+              <a:rPr lang="en-US" dirty="0" err="1"/>
+              <a:t>preidic</a:t>
+            </a:r>
+            <a:r>
+              <a:rPr lang="en-US" dirty="0"/>
+              <a:t> the reward and </a:t>
+            </a:r>
           </a:p>
         </p:txBody>
       </p:sp>
@@ -1245,7 +1334,7 @@
           <a:p>
             <a:fld id="{C4518003-0FA4-4F4C-AF0F-9D7422333DF0}" type="slidenum">
               <a:rPr lang="en-US" smtClean="0"/>
-              <a:t>21</a:t>
+              <a:t>19</a:t>
             </a:fld>
             <a:endParaRPr lang="en-US"/>
           </a:p>
@@ -1254,7 +1343,7 @@
     </p:spTree>
     <p:extLst>
       <p:ext uri="{BB962C8B-B14F-4D97-AF65-F5344CB8AC3E}">
-        <p14:creationId xmlns:p14="http://schemas.microsoft.com/office/powerpoint/2010/main" val="3784432947"/>
+        <p14:creationId xmlns:p14="http://schemas.microsoft.com/office/powerpoint/2010/main" val="3235450752"/>
       </p:ext>
     </p:extLst>
   </p:cSld>
@@ -1330,6 +1419,90 @@
             <a:fld id="{C4518003-0FA4-4F4C-AF0F-9D7422333DF0}" type="slidenum">
               <a:rPr lang="en-US" smtClean="0"/>
               <a:t>22</a:t>
+            </a:fld>
+            <a:endParaRPr lang="en-US"/>
+          </a:p>
+        </p:txBody>
+      </p:sp>
+    </p:spTree>
+    <p:extLst>
+      <p:ext uri="{BB962C8B-B14F-4D97-AF65-F5344CB8AC3E}">
+        <p14:creationId xmlns:p14="http://schemas.microsoft.com/office/powerpoint/2010/main" val="3784432947"/>
+      </p:ext>
+    </p:extLst>
+  </p:cSld>
+  <p:clrMapOvr>
+    <a:masterClrMapping/>
+  </p:clrMapOvr>
+</p:notes>
+</file>
+
+<file path=ppt/notesSlides/notesSlide19.xml><?xml version="1.0" encoding="utf-8"?>
+<p:notes xmlns:a="http://schemas.openxmlformats.org/drawingml/2006/main" xmlns:r="http://schemas.openxmlformats.org/officeDocument/2006/relationships" xmlns:p="http://schemas.openxmlformats.org/presentationml/2006/main">
+  <p:cSld>
+    <p:spTree>
+      <p:nvGrpSpPr>
+        <p:cNvPr id="1" name=""/>
+        <p:cNvGrpSpPr/>
+        <p:nvPr/>
+      </p:nvGrpSpPr>
+      <p:grpSpPr>
+        <a:xfrm>
+          <a:off x="0" y="0"/>
+          <a:ext cx="0" cy="0"/>
+          <a:chOff x="0" y="0"/>
+          <a:chExt cx="0" cy="0"/>
+        </a:xfrm>
+      </p:grpSpPr>
+      <p:sp>
+        <p:nvSpPr>
+          <p:cNvPr id="2" name="Slide Image Placeholder 1"/>
+          <p:cNvSpPr>
+            <a:spLocks noGrp="1" noRot="1" noChangeAspect="1"/>
+          </p:cNvSpPr>
+          <p:nvPr>
+            <p:ph type="sldImg"/>
+          </p:nvPr>
+        </p:nvSpPr>
+        <p:spPr/>
+      </p:sp>
+      <p:sp>
+        <p:nvSpPr>
+          <p:cNvPr id="3" name="Notes Placeholder 2"/>
+          <p:cNvSpPr>
+            <a:spLocks noGrp="1"/>
+          </p:cNvSpPr>
+          <p:nvPr>
+            <p:ph type="body" idx="1"/>
+          </p:nvPr>
+        </p:nvSpPr>
+        <p:spPr/>
+        <p:txBody>
+          <a:bodyPr/>
+          <a:lstStyle/>
+          <a:p>
+            <a:endParaRPr lang="en-US" dirty="0"/>
+          </a:p>
+        </p:txBody>
+      </p:sp>
+      <p:sp>
+        <p:nvSpPr>
+          <p:cNvPr id="4" name="Slide Number Placeholder 3"/>
+          <p:cNvSpPr>
+            <a:spLocks noGrp="1"/>
+          </p:cNvSpPr>
+          <p:nvPr>
+            <p:ph type="sldNum" sz="quarter" idx="5"/>
+          </p:nvPr>
+        </p:nvSpPr>
+        <p:spPr/>
+        <p:txBody>
+          <a:bodyPr/>
+          <a:lstStyle/>
+          <a:p>
+            <a:fld id="{C4518003-0FA4-4F4C-AF0F-9D7422333DF0}" type="slidenum">
+              <a:rPr lang="en-US" smtClean="0"/>
+              <a:t>23</a:t>
             </a:fld>
             <a:endParaRPr lang="en-US"/>
           </a:p>
@@ -2174,7 +2347,7 @@
           <a:p>
             <a:fld id="{20197029-4C51-4F4A-ACDB-F133846F9A96}" type="datetimeFigureOut">
               <a:rPr lang="en-US" smtClean="0"/>
-              <a:t>2/11/20</a:t>
+              <a:t>3/3/20</a:t>
             </a:fld>
             <a:endParaRPr lang="en-US"/>
           </a:p>
@@ -2344,7 +2517,7 @@
           <a:p>
             <a:fld id="{20197029-4C51-4F4A-ACDB-F133846F9A96}" type="datetimeFigureOut">
               <a:rPr lang="en-US" smtClean="0"/>
-              <a:t>2/11/20</a:t>
+              <a:t>3/3/20</a:t>
             </a:fld>
             <a:endParaRPr lang="en-US"/>
           </a:p>
@@ -2524,7 +2697,7 @@
           <a:p>
             <a:fld id="{20197029-4C51-4F4A-ACDB-F133846F9A96}" type="datetimeFigureOut">
               <a:rPr lang="en-US" smtClean="0"/>
-              <a:t>2/11/20</a:t>
+              <a:t>3/3/20</a:t>
             </a:fld>
             <a:endParaRPr lang="en-US"/>
           </a:p>
@@ -2694,7 +2867,7 @@
           <a:p>
             <a:fld id="{20197029-4C51-4F4A-ACDB-F133846F9A96}" type="datetimeFigureOut">
               <a:rPr lang="en-US" smtClean="0"/>
-              <a:t>2/11/20</a:t>
+              <a:t>3/3/20</a:t>
             </a:fld>
             <a:endParaRPr lang="en-US"/>
           </a:p>
@@ -2940,7 +3113,7 @@
           <a:p>
             <a:fld id="{20197029-4C51-4F4A-ACDB-F133846F9A96}" type="datetimeFigureOut">
               <a:rPr lang="en-US" smtClean="0"/>
-              <a:t>2/11/20</a:t>
+              <a:t>3/3/20</a:t>
             </a:fld>
             <a:endParaRPr lang="en-US"/>
           </a:p>
@@ -3172,7 +3345,7 @@
           <a:p>
             <a:fld id="{20197029-4C51-4F4A-ACDB-F133846F9A96}" type="datetimeFigureOut">
               <a:rPr lang="en-US" smtClean="0"/>
-              <a:t>2/11/20</a:t>
+              <a:t>3/3/20</a:t>
             </a:fld>
             <a:endParaRPr lang="en-US"/>
           </a:p>
@@ -3539,7 +3712,7 @@
           <a:p>
             <a:fld id="{20197029-4C51-4F4A-ACDB-F133846F9A96}" type="datetimeFigureOut">
               <a:rPr lang="en-US" smtClean="0"/>
-              <a:t>2/11/20</a:t>
+              <a:t>3/3/20</a:t>
             </a:fld>
             <a:endParaRPr lang="en-US"/>
           </a:p>
@@ -3657,7 +3830,7 @@
           <a:p>
             <a:fld id="{20197029-4C51-4F4A-ACDB-F133846F9A96}" type="datetimeFigureOut">
               <a:rPr lang="en-US" smtClean="0"/>
-              <a:t>2/11/20</a:t>
+              <a:t>3/3/20</a:t>
             </a:fld>
             <a:endParaRPr lang="en-US"/>
           </a:p>
@@ -3752,7 +3925,7 @@
           <a:p>
             <a:fld id="{20197029-4C51-4F4A-ACDB-F133846F9A96}" type="datetimeFigureOut">
               <a:rPr lang="en-US" smtClean="0"/>
-              <a:t>2/11/20</a:t>
+              <a:t>3/3/20</a:t>
             </a:fld>
             <a:endParaRPr lang="en-US"/>
           </a:p>
@@ -4029,7 +4202,7 @@
           <a:p>
             <a:fld id="{20197029-4C51-4F4A-ACDB-F133846F9A96}" type="datetimeFigureOut">
               <a:rPr lang="en-US" smtClean="0"/>
-              <a:t>2/11/20</a:t>
+              <a:t>3/3/20</a:t>
             </a:fld>
             <a:endParaRPr lang="en-US"/>
           </a:p>
@@ -4286,7 +4459,7 @@
           <a:p>
             <a:fld id="{20197029-4C51-4F4A-ACDB-F133846F9A96}" type="datetimeFigureOut">
               <a:rPr lang="en-US" smtClean="0"/>
-              <a:t>2/11/20</a:t>
+              <a:t>3/3/20</a:t>
             </a:fld>
             <a:endParaRPr lang="en-US"/>
           </a:p>
@@ -4499,7 +4672,7 @@
           <a:p>
             <a:fld id="{20197029-4C51-4F4A-ACDB-F133846F9A96}" type="datetimeFigureOut">
               <a:rPr lang="en-US" smtClean="0"/>
-              <a:t>2/11/20</a:t>
+              <a:t>3/3/20</a:t>
             </a:fld>
             <a:endParaRPr lang="en-US"/>
           </a:p>
@@ -6535,6 +6708,799 @@
           <a:chExt cx="0" cy="0"/>
         </a:xfrm>
       </p:grpSpPr>
+      <p:grpSp>
+        <p:nvGrpSpPr>
+          <p:cNvPr id="5" name="Group 4">
+            <a:extLst>
+              <a:ext uri="{FF2B5EF4-FFF2-40B4-BE49-F238E27FC236}">
+                <a16:creationId xmlns:a16="http://schemas.microsoft.com/office/drawing/2014/main" id="{65E8FAEF-1EFF-5341-A01F-B7906A58EB9D}"/>
+              </a:ext>
+            </a:extLst>
+          </p:cNvPr>
+          <p:cNvGrpSpPr/>
+          <p:nvPr/>
+        </p:nvGrpSpPr>
+        <p:grpSpPr>
+          <a:xfrm>
+            <a:off x="2747642" y="1463612"/>
+            <a:ext cx="8796658" cy="1477380"/>
+            <a:chOff x="995042" y="1819396"/>
+            <a:chExt cx="8796658" cy="1477380"/>
+          </a:xfrm>
+        </p:grpSpPr>
+        <p:sp>
+          <p:nvSpPr>
+            <p:cNvPr id="31" name="TextBox 30">
+              <a:extLst>
+                <a:ext uri="{FF2B5EF4-FFF2-40B4-BE49-F238E27FC236}">
+                  <a16:creationId xmlns:a16="http://schemas.microsoft.com/office/drawing/2014/main" id="{798A05C9-6A49-FC4D-96E1-A53BFAFD491E}"/>
+                </a:ext>
+              </a:extLst>
+            </p:cNvPr>
+            <p:cNvSpPr txBox="1"/>
+            <p:nvPr/>
+          </p:nvSpPr>
+          <p:spPr>
+            <a:xfrm>
+              <a:off x="2082480" y="1972539"/>
+              <a:ext cx="1056959" cy="369332"/>
+            </a:xfrm>
+            <a:prstGeom prst="rect">
+              <a:avLst/>
+            </a:prstGeom>
+            <a:noFill/>
+          </p:spPr>
+          <p:txBody>
+            <a:bodyPr wrap="square" rtlCol="0">
+              <a:spAutoFit/>
+            </a:bodyPr>
+            <a:lstStyle/>
+            <a:p>
+              <a:r>
+                <a:rPr lang="en-US" dirty="0"/>
+                <a:t>Trial t - 1</a:t>
+              </a:r>
+            </a:p>
+          </p:txBody>
+        </p:sp>
+        <p:sp>
+          <p:nvSpPr>
+            <p:cNvPr id="32" name="TextBox 31">
+              <a:extLst>
+                <a:ext uri="{FF2B5EF4-FFF2-40B4-BE49-F238E27FC236}">
+                  <a16:creationId xmlns:a16="http://schemas.microsoft.com/office/drawing/2014/main" id="{F9151361-650B-AD47-BB90-C08E4570C777}"/>
+                </a:ext>
+              </a:extLst>
+            </p:cNvPr>
+            <p:cNvSpPr txBox="1"/>
+            <p:nvPr/>
+          </p:nvSpPr>
+          <p:spPr>
+            <a:xfrm>
+              <a:off x="4368481" y="1972539"/>
+              <a:ext cx="731520" cy="369332"/>
+            </a:xfrm>
+            <a:prstGeom prst="rect">
+              <a:avLst/>
+            </a:prstGeom>
+            <a:noFill/>
+          </p:spPr>
+          <p:txBody>
+            <a:bodyPr wrap="square" rtlCol="0">
+              <a:spAutoFit/>
+            </a:bodyPr>
+            <a:lstStyle/>
+            <a:p>
+              <a:r>
+                <a:rPr lang="en-US" dirty="0"/>
+                <a:t>Trial t</a:t>
+              </a:r>
+            </a:p>
+          </p:txBody>
+        </p:sp>
+        <p:sp>
+          <p:nvSpPr>
+            <p:cNvPr id="33" name="TextBox 32">
+              <a:extLst>
+                <a:ext uri="{FF2B5EF4-FFF2-40B4-BE49-F238E27FC236}">
+                  <a16:creationId xmlns:a16="http://schemas.microsoft.com/office/drawing/2014/main" id="{D4A04E46-8942-2142-9BAC-F80BF417D3F0}"/>
+                </a:ext>
+              </a:extLst>
+            </p:cNvPr>
+            <p:cNvSpPr txBox="1"/>
+            <p:nvPr/>
+          </p:nvSpPr>
+          <p:spPr>
+            <a:xfrm>
+              <a:off x="7081200" y="1972539"/>
+              <a:ext cx="1255079" cy="369332"/>
+            </a:xfrm>
+            <a:prstGeom prst="rect">
+              <a:avLst/>
+            </a:prstGeom>
+            <a:noFill/>
+          </p:spPr>
+          <p:txBody>
+            <a:bodyPr wrap="square" rtlCol="0">
+              <a:spAutoFit/>
+            </a:bodyPr>
+            <a:lstStyle/>
+            <a:p>
+              <a:r>
+                <a:rPr lang="en-US" dirty="0"/>
+                <a:t>Trial t + 1</a:t>
+              </a:r>
+            </a:p>
+          </p:txBody>
+        </p:sp>
+        <p:sp>
+          <p:nvSpPr>
+            <p:cNvPr id="35" name="Left Brace 34">
+              <a:extLst>
+                <a:ext uri="{FF2B5EF4-FFF2-40B4-BE49-F238E27FC236}">
+                  <a16:creationId xmlns:a16="http://schemas.microsoft.com/office/drawing/2014/main" id="{8239E507-3D0B-684A-A7AF-AF9FB3D750CE}"/>
+                </a:ext>
+              </a:extLst>
+            </p:cNvPr>
+            <p:cNvSpPr/>
+            <p:nvPr/>
+          </p:nvSpPr>
+          <p:spPr>
+            <a:xfrm rot="5400000">
+              <a:off x="2394901" y="2157796"/>
+              <a:ext cx="259080" cy="1143000"/>
+            </a:xfrm>
+            <a:prstGeom prst="leftBrace">
+              <a:avLst/>
+            </a:prstGeom>
+            <a:ln w="25400">
+              <a:solidFill>
+                <a:schemeClr val="tx1"/>
+              </a:solidFill>
+            </a:ln>
+          </p:spPr>
+          <p:style>
+            <a:lnRef idx="1">
+              <a:schemeClr val="accent1"/>
+            </a:lnRef>
+            <a:fillRef idx="0">
+              <a:schemeClr val="accent1"/>
+            </a:fillRef>
+            <a:effectRef idx="0">
+              <a:schemeClr val="accent1"/>
+            </a:effectRef>
+            <a:fontRef idx="minor">
+              <a:schemeClr val="tx1"/>
+            </a:fontRef>
+          </p:style>
+          <p:txBody>
+            <a:bodyPr rtlCol="0" anchor="ctr"/>
+            <a:lstStyle/>
+            <a:p>
+              <a:pPr algn="ctr"/>
+              <a:endParaRPr lang="en-US"/>
+            </a:p>
+          </p:txBody>
+        </p:sp>
+        <p:sp>
+          <p:nvSpPr>
+            <p:cNvPr id="36" name="TextBox 35">
+              <a:extLst>
+                <a:ext uri="{FF2B5EF4-FFF2-40B4-BE49-F238E27FC236}">
+                  <a16:creationId xmlns:a16="http://schemas.microsoft.com/office/drawing/2014/main" id="{7A516F30-4FCF-6E47-A222-DFA951AB5E9A}"/>
+                </a:ext>
+              </a:extLst>
+            </p:cNvPr>
+            <p:cNvSpPr txBox="1"/>
+            <p:nvPr/>
+          </p:nvSpPr>
+          <p:spPr>
+            <a:xfrm>
+              <a:off x="1073069" y="2958222"/>
+              <a:ext cx="4285141" cy="338554"/>
+            </a:xfrm>
+            <a:prstGeom prst="rect">
+              <a:avLst/>
+            </a:prstGeom>
+            <a:noFill/>
+          </p:spPr>
+          <p:txBody>
+            <a:bodyPr wrap="square" rtlCol="0">
+              <a:spAutoFit/>
+            </a:bodyPr>
+            <a:lstStyle/>
+            <a:p>
+              <a:r>
+                <a:rPr lang="en-US" sz="1600" dirty="0"/>
+                <a:t>searching, deciding and recycling. </a:t>
+              </a:r>
+            </a:p>
+          </p:txBody>
+        </p:sp>
+        <p:sp>
+          <p:nvSpPr>
+            <p:cNvPr id="4" name="TextBox 3">
+              <a:extLst>
+                <a:ext uri="{FF2B5EF4-FFF2-40B4-BE49-F238E27FC236}">
+                  <a16:creationId xmlns:a16="http://schemas.microsoft.com/office/drawing/2014/main" id="{2AF08CC0-3F31-DF4B-9CEA-6EC50A47F804}"/>
+                </a:ext>
+              </a:extLst>
+            </p:cNvPr>
+            <p:cNvSpPr txBox="1"/>
+            <p:nvPr/>
+          </p:nvSpPr>
+          <p:spPr>
+            <a:xfrm>
+              <a:off x="8953500" y="1833146"/>
+              <a:ext cx="838200" cy="461665"/>
+            </a:xfrm>
+            <a:prstGeom prst="rect">
+              <a:avLst/>
+            </a:prstGeom>
+            <a:noFill/>
+          </p:spPr>
+          <p:txBody>
+            <a:bodyPr wrap="square" rtlCol="0">
+              <a:spAutoFit/>
+            </a:bodyPr>
+            <a:lstStyle/>
+            <a:p>
+              <a:r>
+                <a:rPr lang="en-US" sz="2400" dirty="0"/>
+                <a:t>...</a:t>
+              </a:r>
+            </a:p>
+          </p:txBody>
+        </p:sp>
+        <p:sp>
+          <p:nvSpPr>
+            <p:cNvPr id="13" name="TextBox 12">
+              <a:extLst>
+                <a:ext uri="{FF2B5EF4-FFF2-40B4-BE49-F238E27FC236}">
+                  <a16:creationId xmlns:a16="http://schemas.microsoft.com/office/drawing/2014/main" id="{C1B94B09-62AD-2D40-8D6D-4147B3CF67CC}"/>
+                </a:ext>
+              </a:extLst>
+            </p:cNvPr>
+            <p:cNvSpPr txBox="1"/>
+            <p:nvPr/>
+          </p:nvSpPr>
+          <p:spPr>
+            <a:xfrm>
+              <a:off x="995042" y="1819396"/>
+              <a:ext cx="838200" cy="461665"/>
+            </a:xfrm>
+            <a:prstGeom prst="rect">
+              <a:avLst/>
+            </a:prstGeom>
+            <a:noFill/>
+          </p:spPr>
+          <p:txBody>
+            <a:bodyPr wrap="square" rtlCol="0">
+              <a:spAutoFit/>
+            </a:bodyPr>
+            <a:lstStyle/>
+            <a:p>
+              <a:r>
+                <a:rPr lang="en-US" sz="2400" dirty="0"/>
+                <a:t>...</a:t>
+              </a:r>
+            </a:p>
+          </p:txBody>
+        </p:sp>
+      </p:grpSp>
+      <p:cxnSp>
+        <p:nvCxnSpPr>
+          <p:cNvPr id="8" name="Straight Connector 7">
+            <a:extLst>
+              <a:ext uri="{FF2B5EF4-FFF2-40B4-BE49-F238E27FC236}">
+                <a16:creationId xmlns:a16="http://schemas.microsoft.com/office/drawing/2014/main" id="{C31CC10D-73EE-B241-B9C9-57C477E95860}"/>
+              </a:ext>
+            </a:extLst>
+          </p:cNvPr>
+          <p:cNvCxnSpPr>
+            <a:cxnSpLocks/>
+          </p:cNvCxnSpPr>
+          <p:nvPr/>
+        </p:nvCxnSpPr>
+        <p:spPr>
+          <a:xfrm>
+            <a:off x="2011680" y="929640"/>
+            <a:ext cx="0" cy="2561705"/>
+          </a:xfrm>
+          <a:prstGeom prst="line">
+            <a:avLst/>
+          </a:prstGeom>
+          <a:ln w="25400">
+            <a:solidFill>
+              <a:schemeClr val="tx1"/>
+            </a:solidFill>
+            <a:prstDash val="sysDot"/>
+          </a:ln>
+        </p:spPr>
+        <p:style>
+          <a:lnRef idx="1">
+            <a:schemeClr val="accent1"/>
+          </a:lnRef>
+          <a:fillRef idx="0">
+            <a:schemeClr val="accent1"/>
+          </a:fillRef>
+          <a:effectRef idx="0">
+            <a:schemeClr val="accent1"/>
+          </a:effectRef>
+          <a:fontRef idx="minor">
+            <a:schemeClr val="tx1"/>
+          </a:fontRef>
+        </p:style>
+      </p:cxnSp>
+      <p:sp>
+        <p:nvSpPr>
+          <p:cNvPr id="9" name="TextBox 8">
+            <a:extLst>
+              <a:ext uri="{FF2B5EF4-FFF2-40B4-BE49-F238E27FC236}">
+                <a16:creationId xmlns:a16="http://schemas.microsoft.com/office/drawing/2014/main" id="{D291145D-B17C-524C-AA9A-9537BA07CFC1}"/>
+              </a:ext>
+            </a:extLst>
+          </p:cNvPr>
+          <p:cNvSpPr txBox="1"/>
+          <p:nvPr/>
+        </p:nvSpPr>
+        <p:spPr>
+          <a:xfrm>
+            <a:off x="1377869" y="433449"/>
+            <a:ext cx="1386840" cy="369332"/>
+          </a:xfrm>
+          <a:prstGeom prst="rect">
+            <a:avLst/>
+          </a:prstGeom>
+          <a:noFill/>
+        </p:spPr>
+        <p:txBody>
+          <a:bodyPr wrap="square" rtlCol="0">
+            <a:spAutoFit/>
+          </a:bodyPr>
+          <a:lstStyle/>
+          <a:p>
+            <a:r>
+              <a:rPr lang="en-US" dirty="0"/>
+              <a:t>Task Starts</a:t>
+            </a:r>
+          </a:p>
+        </p:txBody>
+      </p:sp>
+      <p:grpSp>
+        <p:nvGrpSpPr>
+          <p:cNvPr id="12" name="Group 11">
+            <a:extLst>
+              <a:ext uri="{FF2B5EF4-FFF2-40B4-BE49-F238E27FC236}">
+                <a16:creationId xmlns:a16="http://schemas.microsoft.com/office/drawing/2014/main" id="{D0025525-C36E-1C47-A746-5FC26B1D8BF6}"/>
+              </a:ext>
+            </a:extLst>
+          </p:cNvPr>
+          <p:cNvGrpSpPr/>
+          <p:nvPr/>
+        </p:nvGrpSpPr>
+        <p:grpSpPr>
+          <a:xfrm>
+            <a:off x="1214190" y="1532208"/>
+            <a:ext cx="789624" cy="1102227"/>
+            <a:chOff x="742049" y="1556693"/>
+            <a:chExt cx="789624" cy="1102227"/>
+          </a:xfrm>
+        </p:grpSpPr>
+        <p:sp>
+          <p:nvSpPr>
+            <p:cNvPr id="34" name="Oval 33">
+              <a:extLst>
+                <a:ext uri="{FF2B5EF4-FFF2-40B4-BE49-F238E27FC236}">
+                  <a16:creationId xmlns:a16="http://schemas.microsoft.com/office/drawing/2014/main" id="{E6321CBF-B199-3640-BCFB-588232AFBC07}"/>
+                </a:ext>
+              </a:extLst>
+            </p:cNvPr>
+            <p:cNvSpPr/>
+            <p:nvPr/>
+          </p:nvSpPr>
+          <p:spPr>
+            <a:xfrm>
+              <a:off x="802911" y="1556693"/>
+              <a:ext cx="485065" cy="485065"/>
+            </a:xfrm>
+            <a:prstGeom prst="ellipse">
+              <a:avLst/>
+            </a:prstGeom>
+            <a:solidFill>
+              <a:schemeClr val="tx1">
+                <a:lumMod val="75000"/>
+                <a:lumOff val="25000"/>
+              </a:schemeClr>
+            </a:solidFill>
+            <a:ln>
+              <a:solidFill>
+                <a:schemeClr val="tx1">
+                  <a:lumMod val="75000"/>
+                  <a:lumOff val="25000"/>
+                </a:schemeClr>
+              </a:solidFill>
+            </a:ln>
+          </p:spPr>
+          <p:style>
+            <a:lnRef idx="2">
+              <a:schemeClr val="accent1">
+                <a:shade val="50000"/>
+              </a:schemeClr>
+            </a:lnRef>
+            <a:fillRef idx="1">
+              <a:schemeClr val="accent1"/>
+            </a:fillRef>
+            <a:effectRef idx="0">
+              <a:schemeClr val="accent1"/>
+            </a:effectRef>
+            <a:fontRef idx="minor">
+              <a:schemeClr val="lt1"/>
+            </a:fontRef>
+          </p:style>
+          <p:txBody>
+            <a:bodyPr rtlCol="0" anchor="ctr"/>
+            <a:lstStyle/>
+            <a:p>
+              <a:pPr algn="ctr"/>
+              <a:endParaRPr lang="en-US">
+                <a:solidFill>
+                  <a:schemeClr val="tx1">
+                    <a:lumMod val="50000"/>
+                    <a:lumOff val="50000"/>
+                  </a:schemeClr>
+                </a:solidFill>
+              </a:endParaRPr>
+            </a:p>
+          </p:txBody>
+        </p:sp>
+        <p:sp>
+          <p:nvSpPr>
+            <p:cNvPr id="37" name="Chord 36">
+              <a:extLst>
+                <a:ext uri="{FF2B5EF4-FFF2-40B4-BE49-F238E27FC236}">
+                  <a16:creationId xmlns:a16="http://schemas.microsoft.com/office/drawing/2014/main" id="{097E5BEA-6346-AA48-B8EB-8D2041EFC3BE}"/>
+                </a:ext>
+              </a:extLst>
+            </p:cNvPr>
+            <p:cNvSpPr/>
+            <p:nvPr/>
+          </p:nvSpPr>
+          <p:spPr>
+            <a:xfrm rot="8100000">
+              <a:off x="742049" y="2019066"/>
+              <a:ext cx="639854" cy="639854"/>
+            </a:xfrm>
+            <a:prstGeom prst="chord">
+              <a:avLst>
+                <a:gd name="adj1" fmla="val 58550"/>
+                <a:gd name="adj2" fmla="val 16200000"/>
+              </a:avLst>
+            </a:prstGeom>
+            <a:solidFill>
+              <a:schemeClr val="tx1">
+                <a:lumMod val="75000"/>
+                <a:lumOff val="25000"/>
+              </a:schemeClr>
+            </a:solidFill>
+            <a:ln>
+              <a:solidFill>
+                <a:schemeClr val="tx1">
+                  <a:lumMod val="75000"/>
+                  <a:lumOff val="25000"/>
+                </a:schemeClr>
+              </a:solidFill>
+            </a:ln>
+          </p:spPr>
+          <p:style>
+            <a:lnRef idx="2">
+              <a:schemeClr val="accent1">
+                <a:shade val="50000"/>
+              </a:schemeClr>
+            </a:lnRef>
+            <a:fillRef idx="1">
+              <a:schemeClr val="accent1"/>
+            </a:fillRef>
+            <a:effectRef idx="0">
+              <a:schemeClr val="accent1"/>
+            </a:effectRef>
+            <a:fontRef idx="minor">
+              <a:schemeClr val="lt1"/>
+            </a:fontRef>
+          </p:style>
+          <p:txBody>
+            <a:bodyPr rtlCol="0" anchor="ctr"/>
+            <a:lstStyle/>
+            <a:p>
+              <a:pPr algn="ctr"/>
+              <a:endParaRPr lang="en-US"/>
+            </a:p>
+          </p:txBody>
+        </p:sp>
+        <p:sp>
+          <p:nvSpPr>
+            <p:cNvPr id="38" name="TextBox 37">
+              <a:extLst>
+                <a:ext uri="{FF2B5EF4-FFF2-40B4-BE49-F238E27FC236}">
+                  <a16:creationId xmlns:a16="http://schemas.microsoft.com/office/drawing/2014/main" id="{C130AED8-BB0B-CF40-BC4B-5EC6B9C7EEA1}"/>
+                </a:ext>
+              </a:extLst>
+            </p:cNvPr>
+            <p:cNvSpPr txBox="1"/>
+            <p:nvPr/>
+          </p:nvSpPr>
+          <p:spPr>
+            <a:xfrm>
+              <a:off x="766443" y="1616755"/>
+              <a:ext cx="765230" cy="369332"/>
+            </a:xfrm>
+            <a:prstGeom prst="rect">
+              <a:avLst/>
+            </a:prstGeom>
+            <a:noFill/>
+          </p:spPr>
+          <p:txBody>
+            <a:bodyPr wrap="square" rtlCol="0">
+              <a:spAutoFit/>
+            </a:bodyPr>
+            <a:lstStyle/>
+            <a:p>
+              <a:r>
+                <a:rPr lang="en-US" b="1" dirty="0">
+                  <a:solidFill>
+                    <a:schemeClr val="bg1"/>
+                  </a:solidFill>
+                </a:rPr>
+                <a:t>YOU</a:t>
+              </a:r>
+            </a:p>
+          </p:txBody>
+        </p:sp>
+      </p:grpSp>
+      <p:cxnSp>
+        <p:nvCxnSpPr>
+          <p:cNvPr id="11" name="Straight Arrow Connector 10">
+            <a:extLst>
+              <a:ext uri="{FF2B5EF4-FFF2-40B4-BE49-F238E27FC236}">
+                <a16:creationId xmlns:a16="http://schemas.microsoft.com/office/drawing/2014/main" id="{C537AE5F-1C25-8C4B-95C6-1DA3C8765BF2}"/>
+              </a:ext>
+            </a:extLst>
+          </p:cNvPr>
+          <p:cNvCxnSpPr/>
+          <p:nvPr/>
+        </p:nvCxnSpPr>
+        <p:spPr>
+          <a:xfrm>
+            <a:off x="2011680" y="2041758"/>
+            <a:ext cx="9537192" cy="0"/>
+          </a:xfrm>
+          <a:prstGeom prst="straightConnector1">
+            <a:avLst/>
+          </a:prstGeom>
+          <a:ln w="25400">
+            <a:solidFill>
+              <a:schemeClr val="tx1"/>
+            </a:solidFill>
+            <a:tailEnd type="triangle"/>
+          </a:ln>
+        </p:spPr>
+        <p:style>
+          <a:lnRef idx="1">
+            <a:schemeClr val="accent1"/>
+          </a:lnRef>
+          <a:fillRef idx="0">
+            <a:schemeClr val="accent1"/>
+          </a:fillRef>
+          <a:effectRef idx="0">
+            <a:schemeClr val="accent1"/>
+          </a:effectRef>
+          <a:fontRef idx="minor">
+            <a:schemeClr val="tx1"/>
+          </a:fontRef>
+        </p:style>
+      </p:cxnSp>
+      <p:cxnSp>
+        <p:nvCxnSpPr>
+          <p:cNvPr id="25" name="Straight Connector 24">
+            <a:extLst>
+              <a:ext uri="{FF2B5EF4-FFF2-40B4-BE49-F238E27FC236}">
+                <a16:creationId xmlns:a16="http://schemas.microsoft.com/office/drawing/2014/main" id="{49E233A8-0308-7F45-ACD4-CC4BD22C397C}"/>
+              </a:ext>
+            </a:extLst>
+          </p:cNvPr>
+          <p:cNvCxnSpPr>
+            <a:cxnSpLocks/>
+          </p:cNvCxnSpPr>
+          <p:nvPr/>
+        </p:nvCxnSpPr>
+        <p:spPr>
+          <a:xfrm>
+            <a:off x="3585842" y="1703204"/>
+            <a:ext cx="0" cy="338554"/>
+          </a:xfrm>
+          <a:prstGeom prst="line">
+            <a:avLst/>
+          </a:prstGeom>
+          <a:ln w="25400">
+            <a:solidFill>
+              <a:schemeClr val="tx1"/>
+            </a:solidFill>
+          </a:ln>
+        </p:spPr>
+        <p:style>
+          <a:lnRef idx="1">
+            <a:schemeClr val="accent1"/>
+          </a:lnRef>
+          <a:fillRef idx="0">
+            <a:schemeClr val="accent1"/>
+          </a:fillRef>
+          <a:effectRef idx="0">
+            <a:schemeClr val="accent1"/>
+          </a:effectRef>
+          <a:fontRef idx="minor">
+            <a:schemeClr val="tx1"/>
+          </a:fontRef>
+        </p:style>
+      </p:cxnSp>
+      <p:cxnSp>
+        <p:nvCxnSpPr>
+          <p:cNvPr id="45" name="Straight Connector 44">
+            <a:extLst>
+              <a:ext uri="{FF2B5EF4-FFF2-40B4-BE49-F238E27FC236}">
+                <a16:creationId xmlns:a16="http://schemas.microsoft.com/office/drawing/2014/main" id="{DB8B37F4-D2AA-D24D-8FDF-FA6D73FF5F65}"/>
+              </a:ext>
+            </a:extLst>
+          </p:cNvPr>
+          <p:cNvCxnSpPr>
+            <a:cxnSpLocks/>
+          </p:cNvCxnSpPr>
+          <p:nvPr/>
+        </p:nvCxnSpPr>
+        <p:spPr>
+          <a:xfrm>
+            <a:off x="4968239" y="1692785"/>
+            <a:ext cx="0" cy="338554"/>
+          </a:xfrm>
+          <a:prstGeom prst="line">
+            <a:avLst/>
+          </a:prstGeom>
+          <a:ln w="25400">
+            <a:solidFill>
+              <a:schemeClr val="tx1"/>
+            </a:solidFill>
+          </a:ln>
+        </p:spPr>
+        <p:style>
+          <a:lnRef idx="1">
+            <a:schemeClr val="accent1"/>
+          </a:lnRef>
+          <a:fillRef idx="0">
+            <a:schemeClr val="accent1"/>
+          </a:fillRef>
+          <a:effectRef idx="0">
+            <a:schemeClr val="accent1"/>
+          </a:effectRef>
+          <a:fontRef idx="minor">
+            <a:schemeClr val="tx1"/>
+          </a:fontRef>
+        </p:style>
+      </p:cxnSp>
+      <p:cxnSp>
+        <p:nvCxnSpPr>
+          <p:cNvPr id="46" name="Straight Connector 45">
+            <a:extLst>
+              <a:ext uri="{FF2B5EF4-FFF2-40B4-BE49-F238E27FC236}">
+                <a16:creationId xmlns:a16="http://schemas.microsoft.com/office/drawing/2014/main" id="{1185CF5C-B68B-ED48-8729-229261ED0044}"/>
+              </a:ext>
+            </a:extLst>
+          </p:cNvPr>
+          <p:cNvCxnSpPr>
+            <a:cxnSpLocks/>
+          </p:cNvCxnSpPr>
+          <p:nvPr/>
+        </p:nvCxnSpPr>
+        <p:spPr>
+          <a:xfrm>
+            <a:off x="8310242" y="1692785"/>
+            <a:ext cx="0" cy="338554"/>
+          </a:xfrm>
+          <a:prstGeom prst="line">
+            <a:avLst/>
+          </a:prstGeom>
+          <a:ln w="25400">
+            <a:solidFill>
+              <a:schemeClr val="tx1"/>
+            </a:solidFill>
+          </a:ln>
+        </p:spPr>
+        <p:style>
+          <a:lnRef idx="1">
+            <a:schemeClr val="accent1"/>
+          </a:lnRef>
+          <a:fillRef idx="0">
+            <a:schemeClr val="accent1"/>
+          </a:fillRef>
+          <a:effectRef idx="0">
+            <a:schemeClr val="accent1"/>
+          </a:effectRef>
+          <a:fontRef idx="minor">
+            <a:schemeClr val="tx1"/>
+          </a:fontRef>
+        </p:style>
+      </p:cxnSp>
+      <p:cxnSp>
+        <p:nvCxnSpPr>
+          <p:cNvPr id="47" name="Straight Connector 46">
+            <a:extLst>
+              <a:ext uri="{FF2B5EF4-FFF2-40B4-BE49-F238E27FC236}">
+                <a16:creationId xmlns:a16="http://schemas.microsoft.com/office/drawing/2014/main" id="{CBA4A586-1707-E744-B189-CE91E4F64BA6}"/>
+              </a:ext>
+            </a:extLst>
+          </p:cNvPr>
+          <p:cNvCxnSpPr>
+            <a:cxnSpLocks/>
+          </p:cNvCxnSpPr>
+          <p:nvPr/>
+        </p:nvCxnSpPr>
+        <p:spPr>
+          <a:xfrm>
+            <a:off x="10184762" y="1703204"/>
+            <a:ext cx="0" cy="338554"/>
+          </a:xfrm>
+          <a:prstGeom prst="line">
+            <a:avLst/>
+          </a:prstGeom>
+          <a:ln w="25400">
+            <a:solidFill>
+              <a:schemeClr val="tx1"/>
+            </a:solidFill>
+          </a:ln>
+        </p:spPr>
+        <p:style>
+          <a:lnRef idx="1">
+            <a:schemeClr val="accent1"/>
+          </a:lnRef>
+          <a:fillRef idx="0">
+            <a:schemeClr val="accent1"/>
+          </a:fillRef>
+          <a:effectRef idx="0">
+            <a:schemeClr val="accent1"/>
+          </a:effectRef>
+          <a:fontRef idx="minor">
+            <a:schemeClr val="tx1"/>
+          </a:fontRef>
+        </p:style>
+      </p:cxnSp>
+    </p:spTree>
+    <p:extLst>
+      <p:ext uri="{BB962C8B-B14F-4D97-AF65-F5344CB8AC3E}">
+        <p14:creationId xmlns:p14="http://schemas.microsoft.com/office/powerpoint/2010/main" val="76498797"/>
+      </p:ext>
+    </p:extLst>
+  </p:cSld>
+  <p:clrMapOvr>
+    <a:masterClrMapping/>
+  </p:clrMapOvr>
+</p:sld>
+</file>
+
+<file path=ppt/slides/slide14.xml><?xml version="1.0" encoding="utf-8"?>
+<p:sld xmlns:a="http://schemas.openxmlformats.org/drawingml/2006/main" xmlns:r="http://schemas.openxmlformats.org/officeDocument/2006/relationships" xmlns:p="http://schemas.openxmlformats.org/presentationml/2006/main">
+  <p:cSld>
+    <p:spTree>
+      <p:nvGrpSpPr>
+        <p:cNvPr id="1" name=""/>
+        <p:cNvGrpSpPr/>
+        <p:nvPr/>
+      </p:nvGrpSpPr>
+      <p:grpSpPr>
+        <a:xfrm>
+          <a:off x="0" y="0"/>
+          <a:ext cx="0" cy="0"/>
+          <a:chOff x="0" y="0"/>
+          <a:chExt cx="0" cy="0"/>
+        </a:xfrm>
+      </p:grpSpPr>
       <p:sp>
         <p:nvSpPr>
           <p:cNvPr id="2" name="Title 1"/>
@@ -7074,7 +8040,7 @@
 </p:sld>
 </file>
 
-<file path=ppt/slides/slide14.xml><?xml version="1.0" encoding="utf-8"?>
+<file path=ppt/slides/slide15.xml><?xml version="1.0" encoding="utf-8"?>
 <p:sld xmlns:a="http://schemas.openxmlformats.org/drawingml/2006/main" xmlns:r="http://schemas.openxmlformats.org/officeDocument/2006/relationships" xmlns:p="http://schemas.openxmlformats.org/presentationml/2006/main">
   <p:cSld>
     <p:spTree>
@@ -7497,7 +8463,7 @@
 </p:sld>
 </file>
 
-<file path=ppt/slides/slide15.xml><?xml version="1.0" encoding="utf-8"?>
+<file path=ppt/slides/slide16.xml><?xml version="1.0" encoding="utf-8"?>
 <p:sld xmlns:a="http://schemas.openxmlformats.org/drawingml/2006/main" xmlns:r="http://schemas.openxmlformats.org/officeDocument/2006/relationships" xmlns:p="http://schemas.openxmlformats.org/presentationml/2006/main">
   <p:cSld>
     <p:spTree>
@@ -7973,7 +8939,7 @@
 </p:sld>
 </file>
 
-<file path=ppt/slides/slide16.xml><?xml version="1.0" encoding="utf-8"?>
+<file path=ppt/slides/slide17.xml><?xml version="1.0" encoding="utf-8"?>
 <p:sld xmlns:a="http://schemas.openxmlformats.org/drawingml/2006/main" xmlns:r="http://schemas.openxmlformats.org/officeDocument/2006/relationships" xmlns:p="http://schemas.openxmlformats.org/presentationml/2006/main">
   <p:cSld>
     <p:spTree>
@@ -8352,7 +9318,7 @@
 </p:sld>
 </file>
 
-<file path=ppt/slides/slide17.xml><?xml version="1.0" encoding="utf-8"?>
+<file path=ppt/slides/slide18.xml><?xml version="1.0" encoding="utf-8"?>
 <p:sld xmlns:a="http://schemas.openxmlformats.org/drawingml/2006/main" xmlns:r="http://schemas.openxmlformats.org/officeDocument/2006/relationships" xmlns:p="http://schemas.openxmlformats.org/presentationml/2006/main">
   <p:cSld>
     <p:spTree>
@@ -8958,168 +9924,6 @@
 </p:sld>
 </file>
 
-<file path=ppt/slides/slide18.xml><?xml version="1.0" encoding="utf-8"?>
-<p:sld xmlns:a="http://schemas.openxmlformats.org/drawingml/2006/main" xmlns:r="http://schemas.openxmlformats.org/officeDocument/2006/relationships" xmlns:p="http://schemas.openxmlformats.org/presentationml/2006/main">
-  <p:cSld>
-    <p:spTree>
-      <p:nvGrpSpPr>
-        <p:cNvPr id="1" name=""/>
-        <p:cNvGrpSpPr/>
-        <p:nvPr/>
-      </p:nvGrpSpPr>
-      <p:grpSpPr>
-        <a:xfrm>
-          <a:off x="0" y="0"/>
-          <a:ext cx="0" cy="0"/>
-          <a:chOff x="0" y="0"/>
-          <a:chExt cx="0" cy="0"/>
-        </a:xfrm>
-      </p:grpSpPr>
-      <p:sp>
-        <p:nvSpPr>
-          <p:cNvPr id="11" name="TextBox 10">
-            <a:extLst>
-              <a:ext uri="{FF2B5EF4-FFF2-40B4-BE49-F238E27FC236}">
-                <a16:creationId xmlns:a16="http://schemas.microsoft.com/office/drawing/2014/main" id="{B54E4A4D-5DBA-9E4C-B79E-8F251835DAC8}"/>
-              </a:ext>
-            </a:extLst>
-          </p:cNvPr>
-          <p:cNvSpPr txBox="1"/>
-          <p:nvPr/>
-        </p:nvSpPr>
-        <p:spPr>
-          <a:xfrm>
-            <a:off x="959618" y="979468"/>
-            <a:ext cx="10378486" cy="5016758"/>
-          </a:xfrm>
-          <a:prstGeom prst="rect">
-            <a:avLst/>
-          </a:prstGeom>
-          <a:noFill/>
-        </p:spPr>
-        <p:txBody>
-          <a:bodyPr wrap="square" rtlCol="0">
-            <a:spAutoFit/>
-          </a:bodyPr>
-          <a:lstStyle/>
-          <a:p>
-            <a:pPr algn="just"/>
-            <a:endParaRPr lang="en-US" sz="3200" dirty="0"/>
-          </a:p>
-          <a:p>
-            <a:pPr marL="457200" indent="-457200" algn="just">
-              <a:buFont typeface="Arial" panose="020B0604020202020204" pitchFamily="34" charset="0"/>
-              <a:buChar char="•"/>
-            </a:pPr>
-            <a:r>
-              <a:rPr lang="en-US" sz="2800" dirty="0"/>
-              <a:t>A fuller trashcan requires longer time to recycle.</a:t>
-            </a:r>
-          </a:p>
-          <a:p>
-            <a:pPr algn="just"/>
-            <a:endParaRPr lang="en-US" sz="2800" u="sng" dirty="0"/>
-          </a:p>
-          <a:p>
-            <a:pPr marL="457200" indent="-457200" algn="just">
-              <a:buFont typeface="Arial" panose="020B0604020202020204" pitchFamily="34" charset="0"/>
-              <a:buChar char="•"/>
-            </a:pPr>
-            <a:r>
-              <a:rPr lang="en-US" sz="2800" u="sng" dirty="0"/>
-              <a:t>To maximize rewards in 40 mins, you shall decide whether a trashcan is worth recycling based on how full it is. </a:t>
-            </a:r>
-          </a:p>
-          <a:p>
-            <a:pPr marL="457200" indent="-457200" algn="just">
-              <a:buFont typeface="Arial" panose="020B0604020202020204" pitchFamily="34" charset="0"/>
-              <a:buChar char="•"/>
-            </a:pPr>
-            <a:endParaRPr lang="en-US" sz="2800" u="sng" dirty="0"/>
-          </a:p>
-          <a:p>
-            <a:pPr marL="457200" indent="-457200" algn="just">
-              <a:buFont typeface="Arial" panose="020B0604020202020204" pitchFamily="34" charset="0"/>
-              <a:buChar char="•"/>
-            </a:pPr>
-            <a:r>
-              <a:rPr lang="en-US" sz="2800" dirty="0"/>
-              <a:t>You can either find a soda can or soda bottle (1 pt. or 3 pt.).</a:t>
-            </a:r>
-          </a:p>
-          <a:p>
-            <a:pPr marL="457200" indent="-457200" algn="just">
-              <a:buFont typeface="Arial" panose="020B0604020202020204" pitchFamily="34" charset="0"/>
-              <a:buChar char="•"/>
-            </a:pPr>
-            <a:endParaRPr lang="en-US" sz="2800" u="sng" dirty="0"/>
-          </a:p>
-          <a:p>
-            <a:pPr marL="457200" indent="-457200" algn="just">
-              <a:buFont typeface="Arial" panose="020B0604020202020204" pitchFamily="34" charset="0"/>
-              <a:buChar char="•"/>
-            </a:pPr>
-            <a:endParaRPr lang="en-US" sz="2800" dirty="0"/>
-          </a:p>
-          <a:p>
-            <a:pPr algn="just"/>
-            <a:endParaRPr lang="en-US" sz="3200" dirty="0"/>
-          </a:p>
-          <a:p>
-            <a:pPr algn="just"/>
-            <a:endParaRPr lang="en-US" sz="3200" dirty="0"/>
-          </a:p>
-        </p:txBody>
-      </p:sp>
-      <p:sp>
-        <p:nvSpPr>
-          <p:cNvPr id="4" name="TextBox 3">
-            <a:extLst>
-              <a:ext uri="{FF2B5EF4-FFF2-40B4-BE49-F238E27FC236}">
-                <a16:creationId xmlns:a16="http://schemas.microsoft.com/office/drawing/2014/main" id="{B39B56B0-6D9B-2148-8092-864D313EA084}"/>
-              </a:ext>
-            </a:extLst>
-          </p:cNvPr>
-          <p:cNvSpPr txBox="1"/>
-          <p:nvPr/>
-        </p:nvSpPr>
-        <p:spPr>
-          <a:xfrm>
-            <a:off x="723475" y="459707"/>
-            <a:ext cx="10077785" cy="707886"/>
-          </a:xfrm>
-          <a:prstGeom prst="rect">
-            <a:avLst/>
-          </a:prstGeom>
-          <a:noFill/>
-        </p:spPr>
-        <p:txBody>
-          <a:bodyPr wrap="square" rtlCol="0">
-            <a:spAutoFit/>
-          </a:bodyPr>
-          <a:lstStyle/>
-          <a:p>
-            <a:pPr algn="just"/>
-            <a:r>
-              <a:rPr lang="en-US" sz="4000" dirty="0"/>
-              <a:t>Summaries: </a:t>
-            </a:r>
-          </a:p>
-        </p:txBody>
-      </p:sp>
-    </p:spTree>
-    <p:extLst>
-      <p:ext uri="{BB962C8B-B14F-4D97-AF65-F5344CB8AC3E}">
-        <p14:creationId xmlns:p14="http://schemas.microsoft.com/office/powerpoint/2010/main" val="2632956023"/>
-      </p:ext>
-    </p:extLst>
-  </p:cSld>
-  <p:clrMapOvr>
-    <a:masterClrMapping/>
-  </p:clrMapOvr>
-</p:sld>
-</file>
-
 <file path=ppt/slides/slide19.xml><?xml version="1.0" encoding="utf-8"?>
 <p:sld xmlns:a="http://schemas.openxmlformats.org/drawingml/2006/main" xmlns:r="http://schemas.openxmlformats.org/officeDocument/2006/relationships" xmlns:p="http://schemas.openxmlformats.org/presentationml/2006/main">
   <p:cSld>
@@ -9139,38 +9943,10 @@
       </p:grpSpPr>
       <p:sp>
         <p:nvSpPr>
-          <p:cNvPr id="2" name="Title 1">
+          <p:cNvPr id="11" name="TextBox 10">
             <a:extLst>
               <a:ext uri="{FF2B5EF4-FFF2-40B4-BE49-F238E27FC236}">
-                <a16:creationId xmlns:a16="http://schemas.microsoft.com/office/drawing/2014/main" id="{F97D1597-5DF4-A641-BC44-E339FB483E86}"/>
-              </a:ext>
-            </a:extLst>
-          </p:cNvPr>
-          <p:cNvSpPr>
-            <a:spLocks noGrp="1"/>
-          </p:cNvSpPr>
-          <p:nvPr>
-            <p:ph type="title"/>
-          </p:nvPr>
-        </p:nvSpPr>
-        <p:spPr/>
-        <p:txBody>
-          <a:bodyPr/>
-          <a:lstStyle/>
-          <a:p>
-            <a:r>
-              <a:rPr lang="en-US" b="1" dirty="0"/>
-              <a:t>Quiz:</a:t>
-            </a:r>
-          </a:p>
-        </p:txBody>
-      </p:sp>
-      <p:sp>
-        <p:nvSpPr>
-          <p:cNvPr id="3" name="TextBox 2">
-            <a:extLst>
-              <a:ext uri="{FF2B5EF4-FFF2-40B4-BE49-F238E27FC236}">
-                <a16:creationId xmlns:a16="http://schemas.microsoft.com/office/drawing/2014/main" id="{807C1E46-9399-3049-838C-4DA65A514E76}"/>
+                <a16:creationId xmlns:a16="http://schemas.microsoft.com/office/drawing/2014/main" id="{B54E4A4D-5DBA-9E4C-B79E-8F251835DAC8}"/>
               </a:ext>
             </a:extLst>
           </p:cNvPr>
@@ -9179,8 +9955,8 @@
         </p:nvSpPr>
         <p:spPr>
           <a:xfrm>
-            <a:off x="1070517" y="1516566"/>
-            <a:ext cx="8943278" cy="1815882"/>
+            <a:off x="959618" y="979468"/>
+            <a:ext cx="10378486" cy="5016758"/>
           </a:xfrm>
           <a:prstGeom prst="rect">
             <a:avLst/>
@@ -9193,33 +9969,106 @@
           </a:bodyPr>
           <a:lstStyle/>
           <a:p>
+            <a:pPr algn="just"/>
+            <a:endParaRPr lang="en-US" sz="3200" dirty="0"/>
+          </a:p>
+          <a:p>
+            <a:pPr marL="457200" indent="-457200" algn="just">
+              <a:buFont typeface="Arial" panose="020B0604020202020204" pitchFamily="34" charset="0"/>
+              <a:buChar char="•"/>
+            </a:pPr>
             <a:r>
               <a:rPr lang="en-US" sz="2800" dirty="0"/>
-              <a:t>1.Which trashcan is more worth to recycle:</a:t>
-            </a:r>
-          </a:p>
-          <a:p>
-            <a:pPr marL="514350" indent="-514350">
-              <a:buAutoNum type="alphaUcPeriod"/>
+              <a:t>A fuller trashcan requires longer time to recycle.</a:t>
+            </a:r>
+          </a:p>
+          <a:p>
+            <a:pPr algn="just"/>
+            <a:endParaRPr lang="en-US" sz="2800" u="sng" dirty="0"/>
+          </a:p>
+          <a:p>
+            <a:pPr marL="457200" indent="-457200" algn="just">
+              <a:buFont typeface="Arial" panose="020B0604020202020204" pitchFamily="34" charset="0"/>
+              <a:buChar char="•"/>
             </a:pPr>
             <a:r>
+              <a:rPr lang="en-US" sz="2800" u="sng" dirty="0"/>
+              <a:t>To maximize rewards in 40 mins, you shall decide whether a trashcan is worth recycling based on how full it is. </a:t>
+            </a:r>
+          </a:p>
+          <a:p>
+            <a:pPr marL="457200" indent="-457200" algn="just">
+              <a:buFont typeface="Arial" panose="020B0604020202020204" pitchFamily="34" charset="0"/>
+              <a:buChar char="•"/>
+            </a:pPr>
+            <a:endParaRPr lang="en-US" sz="2800" u="sng" dirty="0"/>
+          </a:p>
+          <a:p>
+            <a:pPr marL="457200" indent="-457200" algn="just">
+              <a:buFont typeface="Arial" panose="020B0604020202020204" pitchFamily="34" charset="0"/>
+              <a:buChar char="•"/>
+            </a:pPr>
+            <a:r>
               <a:rPr lang="en-US" sz="2800" dirty="0"/>
-              <a:t>A fuller one</a:t>
-            </a:r>
-          </a:p>
-          <a:p>
-            <a:pPr marL="514350" indent="-514350">
-              <a:buAutoNum type="alphaUcPeriod"/>
+              <a:t>You can either find a soda can or soda bottle (1 pt. or 3 pt.).</a:t>
+            </a:r>
+          </a:p>
+          <a:p>
+            <a:pPr marL="457200" indent="-457200" algn="just">
+              <a:buFont typeface="Arial" panose="020B0604020202020204" pitchFamily="34" charset="0"/>
+              <a:buChar char="•"/>
             </a:pPr>
-            <a:r>
-              <a:rPr lang="en-US" sz="2800" dirty="0"/>
-              <a:t>A less fuller one</a:t>
-            </a:r>
-          </a:p>
-          <a:p>
-            <a:r>
-              <a:rPr lang="en-US" sz="2800" dirty="0"/>
-              <a:t> </a:t>
+            <a:endParaRPr lang="en-US" sz="2800" u="sng" dirty="0"/>
+          </a:p>
+          <a:p>
+            <a:pPr marL="457200" indent="-457200" algn="just">
+              <a:buFont typeface="Arial" panose="020B0604020202020204" pitchFamily="34" charset="0"/>
+              <a:buChar char="•"/>
+            </a:pPr>
+            <a:endParaRPr lang="en-US" sz="2800" dirty="0"/>
+          </a:p>
+          <a:p>
+            <a:pPr algn="just"/>
+            <a:endParaRPr lang="en-US" sz="3200" dirty="0"/>
+          </a:p>
+          <a:p>
+            <a:pPr algn="just"/>
+            <a:endParaRPr lang="en-US" sz="3200" dirty="0"/>
+          </a:p>
+        </p:txBody>
+      </p:sp>
+      <p:sp>
+        <p:nvSpPr>
+          <p:cNvPr id="4" name="TextBox 3">
+            <a:extLst>
+              <a:ext uri="{FF2B5EF4-FFF2-40B4-BE49-F238E27FC236}">
+                <a16:creationId xmlns:a16="http://schemas.microsoft.com/office/drawing/2014/main" id="{B39B56B0-6D9B-2148-8092-864D313EA084}"/>
+              </a:ext>
+            </a:extLst>
+          </p:cNvPr>
+          <p:cNvSpPr txBox="1"/>
+          <p:nvPr/>
+        </p:nvSpPr>
+        <p:spPr>
+          <a:xfrm>
+            <a:off x="723475" y="459707"/>
+            <a:ext cx="10077785" cy="707886"/>
+          </a:xfrm>
+          <a:prstGeom prst="rect">
+            <a:avLst/>
+          </a:prstGeom>
+          <a:noFill/>
+        </p:spPr>
+        <p:txBody>
+          <a:bodyPr wrap="square" rtlCol="0">
+            <a:spAutoFit/>
+          </a:bodyPr>
+          <a:lstStyle/>
+          <a:p>
+            <a:pPr algn="just"/>
+            <a:r>
+              <a:rPr lang="en-US" sz="4000" dirty="0"/>
+              <a:t>Summaries: </a:t>
             </a:r>
           </a:p>
         </p:txBody>
@@ -9227,7 +10076,7 @@
     </p:spTree>
     <p:extLst>
       <p:ext uri="{BB962C8B-B14F-4D97-AF65-F5344CB8AC3E}">
-        <p14:creationId xmlns:p14="http://schemas.microsoft.com/office/powerpoint/2010/main" val="1354724248"/>
+        <p14:creationId xmlns:p14="http://schemas.microsoft.com/office/powerpoint/2010/main" val="2632956023"/>
       </p:ext>
     </p:extLst>
   </p:cSld>
@@ -9347,7 +10196,7 @@
           <p:cNvPr id="2" name="Title 1">
             <a:extLst>
               <a:ext uri="{FF2B5EF4-FFF2-40B4-BE49-F238E27FC236}">
-                <a16:creationId xmlns:a16="http://schemas.microsoft.com/office/drawing/2014/main" id="{59C55C8B-1E26-B846-B511-25FF552C5E92}"/>
+                <a16:creationId xmlns:a16="http://schemas.microsoft.com/office/drawing/2014/main" id="{F97D1597-5DF4-A641-BC44-E339FB483E86}"/>
               </a:ext>
             </a:extLst>
           </p:cNvPr>
@@ -9365,7 +10214,7 @@
           <a:p>
             <a:r>
               <a:rPr lang="en-US" b="1" dirty="0"/>
-              <a:t>Practice:</a:t>
+              <a:t>Quiz:</a:t>
             </a:r>
           </a:p>
         </p:txBody>
@@ -9375,7 +10224,7 @@
           <p:cNvPr id="3" name="TextBox 2">
             <a:extLst>
               <a:ext uri="{FF2B5EF4-FFF2-40B4-BE49-F238E27FC236}">
-                <a16:creationId xmlns:a16="http://schemas.microsoft.com/office/drawing/2014/main" id="{B3DB914E-9B6B-0F4F-B99D-03CBB15A5197}"/>
+                <a16:creationId xmlns:a16="http://schemas.microsoft.com/office/drawing/2014/main" id="{807C1E46-9399-3049-838C-4DA65A514E76}"/>
               </a:ext>
             </a:extLst>
           </p:cNvPr>
@@ -9384,8 +10233,8 @@
         </p:nvSpPr>
         <p:spPr>
           <a:xfrm>
-            <a:off x="1025912" y="1690688"/>
-            <a:ext cx="9656956" cy="1815882"/>
+            <a:off x="1070517" y="1516566"/>
+            <a:ext cx="8943278" cy="1815882"/>
           </a:xfrm>
           <a:prstGeom prst="rect">
             <a:avLst/>
@@ -9400,16 +10249,31 @@
           <a:p>
             <a:r>
               <a:rPr lang="en-US" sz="2800" dirty="0"/>
-              <a:t>You will go through several practice trials.</a:t>
-            </a:r>
-          </a:p>
-          <a:p>
-            <a:endParaRPr lang="en-US" sz="2800" dirty="0"/>
-          </a:p>
-          <a:p>
+              <a:t>1.Which trashcan is more worth to recycle:</a:t>
+            </a:r>
+          </a:p>
+          <a:p>
+            <a:pPr marL="514350" indent="-514350">
+              <a:buAutoNum type="alphaUcPeriod"/>
+            </a:pPr>
             <a:r>
               <a:rPr lang="en-US" sz="2800" dirty="0"/>
-              <a:t>They only serve for demonstration purposes and are not related with the main experiment. </a:t>
+              <a:t>A fuller one</a:t>
+            </a:r>
+          </a:p>
+          <a:p>
+            <a:pPr marL="514350" indent="-514350">
+              <a:buAutoNum type="alphaUcPeriod"/>
+            </a:pPr>
+            <a:r>
+              <a:rPr lang="en-US" sz="2800" dirty="0"/>
+              <a:t>A less fuller one</a:t>
+            </a:r>
+          </a:p>
+          <a:p>
+            <a:r>
+              <a:rPr lang="en-US" sz="2800" dirty="0"/>
+              <a:t> </a:t>
             </a:r>
           </a:p>
         </p:txBody>
@@ -9417,7 +10281,7 @@
     </p:spTree>
     <p:extLst>
       <p:ext uri="{BB962C8B-B14F-4D97-AF65-F5344CB8AC3E}">
-        <p14:creationId xmlns:p14="http://schemas.microsoft.com/office/powerpoint/2010/main" val="976180505"/>
+        <p14:creationId xmlns:p14="http://schemas.microsoft.com/office/powerpoint/2010/main" val="1354724248"/>
       </p:ext>
     </p:extLst>
   </p:cSld>
@@ -9446,6 +10310,108 @@
       </p:grpSpPr>
       <p:sp>
         <p:nvSpPr>
+          <p:cNvPr id="2" name="Title 1">
+            <a:extLst>
+              <a:ext uri="{FF2B5EF4-FFF2-40B4-BE49-F238E27FC236}">
+                <a16:creationId xmlns:a16="http://schemas.microsoft.com/office/drawing/2014/main" id="{59C55C8B-1E26-B846-B511-25FF552C5E92}"/>
+              </a:ext>
+            </a:extLst>
+          </p:cNvPr>
+          <p:cNvSpPr>
+            <a:spLocks noGrp="1"/>
+          </p:cNvSpPr>
+          <p:nvPr>
+            <p:ph type="title"/>
+          </p:nvPr>
+        </p:nvSpPr>
+        <p:spPr/>
+        <p:txBody>
+          <a:bodyPr/>
+          <a:lstStyle/>
+          <a:p>
+            <a:r>
+              <a:rPr lang="en-US" b="1" dirty="0"/>
+              <a:t>Practice:</a:t>
+            </a:r>
+          </a:p>
+        </p:txBody>
+      </p:sp>
+      <p:sp>
+        <p:nvSpPr>
+          <p:cNvPr id="3" name="TextBox 2">
+            <a:extLst>
+              <a:ext uri="{FF2B5EF4-FFF2-40B4-BE49-F238E27FC236}">
+                <a16:creationId xmlns:a16="http://schemas.microsoft.com/office/drawing/2014/main" id="{B3DB914E-9B6B-0F4F-B99D-03CBB15A5197}"/>
+              </a:ext>
+            </a:extLst>
+          </p:cNvPr>
+          <p:cNvSpPr txBox="1"/>
+          <p:nvPr/>
+        </p:nvSpPr>
+        <p:spPr>
+          <a:xfrm>
+            <a:off x="1025912" y="1690688"/>
+            <a:ext cx="9656956" cy="1815882"/>
+          </a:xfrm>
+          <a:prstGeom prst="rect">
+            <a:avLst/>
+          </a:prstGeom>
+          <a:noFill/>
+        </p:spPr>
+        <p:txBody>
+          <a:bodyPr wrap="square" rtlCol="0">
+            <a:spAutoFit/>
+          </a:bodyPr>
+          <a:lstStyle/>
+          <a:p>
+            <a:r>
+              <a:rPr lang="en-US" sz="2800" dirty="0"/>
+              <a:t>You will go through several practice trials.</a:t>
+            </a:r>
+          </a:p>
+          <a:p>
+            <a:endParaRPr lang="en-US" sz="2800" dirty="0"/>
+          </a:p>
+          <a:p>
+            <a:r>
+              <a:rPr lang="en-US" sz="2800" dirty="0"/>
+              <a:t>They only serve for demonstration purposes and are not related with the main experiment. </a:t>
+            </a:r>
+          </a:p>
+        </p:txBody>
+      </p:sp>
+    </p:spTree>
+    <p:extLst>
+      <p:ext uri="{BB962C8B-B14F-4D97-AF65-F5344CB8AC3E}">
+        <p14:creationId xmlns:p14="http://schemas.microsoft.com/office/powerpoint/2010/main" val="976180505"/>
+      </p:ext>
+    </p:extLst>
+  </p:cSld>
+  <p:clrMapOvr>
+    <a:masterClrMapping/>
+  </p:clrMapOvr>
+</p:sld>
+</file>
+
+<file path=ppt/slides/slide22.xml><?xml version="1.0" encoding="utf-8"?>
+<p:sld xmlns:a="http://schemas.openxmlformats.org/drawingml/2006/main" xmlns:r="http://schemas.openxmlformats.org/officeDocument/2006/relationships" xmlns:p="http://schemas.openxmlformats.org/presentationml/2006/main">
+  <p:cSld>
+    <p:spTree>
+      <p:nvGrpSpPr>
+        <p:cNvPr id="1" name=""/>
+        <p:cNvGrpSpPr/>
+        <p:nvPr/>
+      </p:nvGrpSpPr>
+      <p:grpSpPr>
+        <a:xfrm>
+          <a:off x="0" y="0"/>
+          <a:ext cx="0" cy="0"/>
+          <a:chOff x="0" y="0"/>
+          <a:chExt cx="0" cy="0"/>
+        </a:xfrm>
+      </p:grpSpPr>
+      <p:sp>
+        <p:nvSpPr>
           <p:cNvPr id="2" name="TextBox 1">
             <a:extLst>
               <a:ext uri="{FF2B5EF4-FFF2-40B4-BE49-F238E27FC236}">
@@ -9513,7 +10479,7 @@
 </p:sld>
 </file>
 
-<file path=ppt/slides/slide22.xml><?xml version="1.0" encoding="utf-8"?>
+<file path=ppt/slides/slide23.xml><?xml version="1.0" encoding="utf-8"?>
 <p:sld xmlns:a="http://schemas.openxmlformats.org/drawingml/2006/main" xmlns:r="http://schemas.openxmlformats.org/officeDocument/2006/relationships" xmlns:p="http://schemas.openxmlformats.org/presentationml/2006/main">
   <p:cSld>
     <p:spTree>
